--- a/Bai 23 Thu thap du lieu.pptx
+++ b/Bai 23 Thu thap du lieu.pptx
@@ -167,7 +167,7 @@
   </p:defaultTextStyle>
   <p:extLst>
     <p:ext uri="{EFAFB233-063F-42B5-8137-9DF3F51BA10A}">
-      <p15:sldGuideLst xmlns:p15="http://schemas.microsoft.com/office/powerpoint/2012/main" xmlns="">
+      <p15:sldGuideLst xmlns="" xmlns:p15="http://schemas.microsoft.com/office/powerpoint/2012/main">
         <p15:guide id="1" orient="horz" pos="2160">
           <p15:clr>
             <a:srgbClr val="A4A3A4"/>
@@ -181,7 +181,7 @@
       </p15:sldGuideLst>
     </p:ext>
     <p:ext uri="{2D200454-40CA-4A62-9FC3-DE9A4176ACB9}">
-      <p15:notesGuideLst xmlns:p15="http://schemas.microsoft.com/office/powerpoint/2012/main" xmlns="">
+      <p15:notesGuideLst xmlns="" xmlns:p15="http://schemas.microsoft.com/office/powerpoint/2012/main">
         <p15:guide id="1" orient="horz" pos="2880">
           <p15:clr>
             <a:srgbClr val="A4A3A4"/>
@@ -4924,15 +4924,7 @@
             <a:pPr algn="just"/>
             <a:r>
               <a:rPr lang="en-US" smtClean="0"/>
-              <a:t>Bài </a:t>
-            </a:r>
-            <a:r>
-              <a:rPr lang="en-US" smtClean="0"/>
-              <a:t>23. </a:t>
-            </a:r>
-            <a:r>
-              <a:rPr lang="en-US" smtClean="0"/>
-              <a:t>Thu </a:t>
+              <a:t>Bài 23. Thu </a:t>
             </a:r>
             <a:r>
               <a:rPr lang="en-US" dirty="0" err="1" smtClean="0"/>
@@ -12577,7 +12569,11 @@
           <a:p>
             <a:r>
               <a:rPr lang="de-DE" smtClean="0"/>
-              <a:t>Bài tập</a:t>
+              <a:t>Bài </a:t>
+            </a:r>
+            <a:r>
+              <a:rPr lang="de-DE" smtClean="0"/>
+              <a:t>tập 23.1</a:t>
             </a:r>
             <a:endParaRPr lang="vi-VN" dirty="0"/>
           </a:p>
@@ -16545,7 +16541,7 @@
   </a:extraClrSchemeLst>
   <a:extLst>
     <a:ext uri="{05A4C25C-085E-4340-85A3-A5531E510DB2}">
-      <thm15:themeFamily xmlns:thm15="http://schemas.microsoft.com/office/thememl/2012/main" xmlns="" name="Office Theme" id="{62F939B6-93AF-4DB8-9C6B-D6C7DFDC589F}" vid="{4A3C46E8-61CC-4603-A589-7422A47A8E4A}"/>
+      <thm15:themeFamily xmlns="" xmlns:thm15="http://schemas.microsoft.com/office/thememl/2012/main" name="Office Theme" id="{62F939B6-93AF-4DB8-9C6B-D6C7DFDC589F}" vid="{4A3C46E8-61CC-4603-A589-7422A47A8E4A}"/>
     </a:ext>
   </a:extLst>
 </a:theme>
@@ -16806,7 +16802,7 @@
   <a:extraClrSchemeLst/>
   <a:extLst>
     <a:ext uri="{05A4C25C-085E-4340-85A3-A5531E510DB2}">
-      <thm15:themeFamily xmlns:thm15="http://schemas.microsoft.com/office/thememl/2012/main" xmlns="" name="Office Theme" id="{62F939B6-93AF-4DB8-9C6B-D6C7DFDC589F}" vid="{4A3C46E8-61CC-4603-A589-7422A47A8E4A}"/>
+      <thm15:themeFamily xmlns="" xmlns:thm15="http://schemas.microsoft.com/office/thememl/2012/main" name="Office Theme" id="{62F939B6-93AF-4DB8-9C6B-D6C7DFDC589F}" vid="{4A3C46E8-61CC-4603-A589-7422A47A8E4A}"/>
     </a:ext>
   </a:extLst>
 </a:theme>

--- a/Bai 23 Thu thap du lieu.pptx
+++ b/Bai 23 Thu thap du lieu.pptx
@@ -5,7 +5,7 @@
     <p:sldMasterId id="2147483652" r:id="rId1"/>
   </p:sldMasterIdLst>
   <p:notesMasterIdLst>
-    <p:notesMasterId r:id="rId31"/>
+    <p:notesMasterId r:id="rId32"/>
   </p:notesMasterIdLst>
   <p:sldIdLst>
     <p:sldId id="363" r:id="rId2"/>
@@ -36,7 +36,8 @@
     <p:sldId id="624" r:id="rId27"/>
     <p:sldId id="625" r:id="rId28"/>
     <p:sldId id="636" r:id="rId29"/>
-    <p:sldId id="635" r:id="rId30"/>
+    <p:sldId id="637" r:id="rId30"/>
+    <p:sldId id="635" r:id="rId31"/>
   </p:sldIdLst>
   <p:sldSz cx="9144000" cy="6858000" type="screen4x3"/>
   <p:notesSz cx="6858000" cy="9144000"/>
@@ -8573,391 +8574,272 @@
         </p:nvSpPr>
         <p:spPr bwMode="auto">
           <a:xfrm>
-            <a:off x="4500563" y="2786063"/>
+            <a:off x="4571876" y="2786063"/>
             <a:ext cx="4392612" cy="3857625"/>
           </a:xfrm>
           <a:prstGeom prst="rect">
             <a:avLst/>
           </a:prstGeom>
-          <a:noFill/>
-          <a:ln w="9525">
-            <a:noFill/>
-            <a:round/>
-            <a:headEnd/>
-            <a:tailEnd/>
-          </a:ln>
         </p:spPr>
         <p:txBody>
           <a:bodyPr/>
           <a:lstStyle>
-            <a:lvl1pPr marL="342900" indent="-342900" defTabSz="449263">
-              <a:defRPr>
-                <a:solidFill>
-                  <a:schemeClr val="tx1"/>
-                </a:solidFill>
-                <a:latin typeface="Tahoma" panose="020B0604030504040204" pitchFamily="34" charset="0"/>
-                <a:cs typeface="Tahoma" panose="020B0604030504040204" pitchFamily="34" charset="0"/>
+            <a:defPPr>
+              <a:defRPr lang="vi-VN"/>
+            </a:defPPr>
+            <a:lvl1pPr marL="342900" indent="-342900" algn="just">
+              <a:spcBef>
+                <a:spcPct val="20000"/>
+              </a:spcBef>
+              <a:buClr>
+                <a:schemeClr val="folHlink"/>
+              </a:buClr>
+              <a:buSzPct val="60000"/>
+              <a:buFont typeface="Wingdings" panose="05000000000000000000" pitchFamily="2" charset="2"/>
+              <a:buChar char="n"/>
+              <a:defRPr sz="2400">
+                <a:latin typeface="+mn-lt"/>
+                <a:cs typeface="+mn-cs"/>
               </a:defRPr>
             </a:lvl1pPr>
-            <a:lvl2pPr marL="742950" indent="-285750" defTabSz="449263">
-              <a:defRPr>
-                <a:solidFill>
-                  <a:schemeClr val="tx1"/>
-                </a:solidFill>
-                <a:latin typeface="Tahoma" panose="020B0604030504040204" pitchFamily="34" charset="0"/>
-                <a:cs typeface="Tahoma" panose="020B0604030504040204" pitchFamily="34" charset="0"/>
+            <a:lvl2pPr marL="742950" lvl="1" indent="-285750">
+              <a:spcBef>
+                <a:spcPct val="20000"/>
+              </a:spcBef>
+              <a:buClr>
+                <a:schemeClr val="hlink"/>
+              </a:buClr>
+              <a:buSzPct val="55000"/>
+              <a:buFont typeface="Wingdings" panose="05000000000000000000" pitchFamily="2" charset="2"/>
+              <a:buChar char="n"/>
+              <a:defRPr sz="2000">
+                <a:latin typeface="+mn-lt"/>
+                <a:cs typeface="+mn-cs"/>
               </a:defRPr>
             </a:lvl2pPr>
-            <a:lvl3pPr marL="1143000" indent="-228600" defTabSz="449263">
-              <a:defRPr>
-                <a:solidFill>
-                  <a:schemeClr val="tx1"/>
-                </a:solidFill>
-                <a:latin typeface="Tahoma" panose="020B0604030504040204" pitchFamily="34" charset="0"/>
-                <a:cs typeface="Tahoma" panose="020B0604030504040204" pitchFamily="34" charset="0"/>
+            <a:lvl3pPr marL="1143000" indent="-228600">
+              <a:spcBef>
+                <a:spcPct val="20000"/>
+              </a:spcBef>
+              <a:buClr>
+                <a:schemeClr val="folHlink"/>
+              </a:buClr>
+              <a:buSzPct val="50000"/>
+              <a:buFont typeface="Wingdings" panose="05000000000000000000" pitchFamily="2" charset="2"/>
+              <a:buChar char="n"/>
+              <a:defRPr sz="2000">
+                <a:latin typeface="+mn-lt"/>
+                <a:cs typeface="+mn-cs"/>
               </a:defRPr>
             </a:lvl3pPr>
-            <a:lvl4pPr marL="1600200" indent="-228600" defTabSz="449263">
+            <a:lvl4pPr marL="1600200" indent="-228600">
+              <a:spcBef>
+                <a:spcPct val="20000"/>
+              </a:spcBef>
+              <a:buClr>
+                <a:schemeClr val="accent2"/>
+              </a:buClr>
+              <a:buSzPct val="55000"/>
+              <a:buFont typeface="Wingdings" panose="05000000000000000000" pitchFamily="2" charset="2"/>
+              <a:buChar char="n"/>
               <a:defRPr>
-                <a:solidFill>
-                  <a:schemeClr val="tx1"/>
-                </a:solidFill>
-                <a:latin typeface="Tahoma" panose="020B0604030504040204" pitchFamily="34" charset="0"/>
-                <a:cs typeface="Tahoma" panose="020B0604030504040204" pitchFamily="34" charset="0"/>
+                <a:latin typeface="+mn-lt"/>
+                <a:cs typeface="+mn-cs"/>
               </a:defRPr>
             </a:lvl4pPr>
-            <a:lvl5pPr marL="2057400" indent="-228600" defTabSz="449263">
-              <a:defRPr>
-                <a:solidFill>
-                  <a:schemeClr val="tx1"/>
-                </a:solidFill>
-                <a:latin typeface="Tahoma" panose="020B0604030504040204" pitchFamily="34" charset="0"/>
-                <a:cs typeface="Tahoma" panose="020B0604030504040204" pitchFamily="34" charset="0"/>
+            <a:lvl5pPr marL="2057400" indent="-228600">
+              <a:spcBef>
+                <a:spcPct val="20000"/>
+              </a:spcBef>
+              <a:buClr>
+                <a:schemeClr val="accent1"/>
+              </a:buClr>
+              <a:buSzPct val="50000"/>
+              <a:buFont typeface="Wingdings" panose="05000000000000000000" pitchFamily="2" charset="2"/>
+              <a:buChar char="n"/>
+              <a:defRPr sz="1600">
+                <a:latin typeface="+mn-lt"/>
+                <a:cs typeface="+mn-cs"/>
               </a:defRPr>
             </a:lvl5pPr>
-            <a:lvl6pPr marL="2514600" indent="-228600" defTabSz="449263" fontAlgn="base">
+            <a:lvl6pPr marL="2514600" indent="-228600">
+              <a:lnSpc>
+                <a:spcPct val="90000"/>
+              </a:lnSpc>
               <a:spcBef>
-                <a:spcPct val="0"/>
+                <a:spcPts val="500"/>
               </a:spcBef>
-              <a:spcAft>
-                <a:spcPct val="0"/>
-              </a:spcAft>
-              <a:defRPr>
-                <a:solidFill>
-                  <a:schemeClr val="tx1"/>
-                </a:solidFill>
-                <a:latin typeface="Tahoma" panose="020B0604030504040204" pitchFamily="34" charset="0"/>
-                <a:cs typeface="Tahoma" panose="020B0604030504040204" pitchFamily="34" charset="0"/>
+              <a:buFont typeface="Arial" panose="020B0604020202020204" pitchFamily="34" charset="0"/>
+              <a:buChar char="•"/>
+              <a:defRPr sz="1800">
+                <a:latin typeface="+mn-lt"/>
+                <a:cs typeface="+mn-cs"/>
               </a:defRPr>
             </a:lvl6pPr>
-            <a:lvl7pPr marL="2971800" indent="-228600" defTabSz="449263" fontAlgn="base">
+            <a:lvl7pPr marL="2971800" indent="-228600">
+              <a:lnSpc>
+                <a:spcPct val="90000"/>
+              </a:lnSpc>
               <a:spcBef>
-                <a:spcPct val="0"/>
+                <a:spcPts val="500"/>
               </a:spcBef>
-              <a:spcAft>
-                <a:spcPct val="0"/>
-              </a:spcAft>
-              <a:defRPr>
-                <a:solidFill>
-                  <a:schemeClr val="tx1"/>
-                </a:solidFill>
-                <a:latin typeface="Tahoma" panose="020B0604030504040204" pitchFamily="34" charset="0"/>
-                <a:cs typeface="Tahoma" panose="020B0604030504040204" pitchFamily="34" charset="0"/>
+              <a:buFont typeface="Arial" panose="020B0604020202020204" pitchFamily="34" charset="0"/>
+              <a:buChar char="•"/>
+              <a:defRPr sz="1800">
+                <a:latin typeface="+mn-lt"/>
+                <a:cs typeface="+mn-cs"/>
               </a:defRPr>
             </a:lvl7pPr>
-            <a:lvl8pPr marL="3429000" indent="-228600" defTabSz="449263" fontAlgn="base">
+            <a:lvl8pPr marL="3429000" indent="-228600">
+              <a:lnSpc>
+                <a:spcPct val="90000"/>
+              </a:lnSpc>
               <a:spcBef>
-                <a:spcPct val="0"/>
+                <a:spcPts val="500"/>
               </a:spcBef>
-              <a:spcAft>
-                <a:spcPct val="0"/>
-              </a:spcAft>
-              <a:defRPr>
-                <a:solidFill>
-                  <a:schemeClr val="tx1"/>
-                </a:solidFill>
-                <a:latin typeface="Tahoma" panose="020B0604030504040204" pitchFamily="34" charset="0"/>
-                <a:cs typeface="Tahoma" panose="020B0604030504040204" pitchFamily="34" charset="0"/>
+              <a:buFont typeface="Arial" panose="020B0604020202020204" pitchFamily="34" charset="0"/>
+              <a:buChar char="•"/>
+              <a:defRPr sz="1800">
+                <a:latin typeface="+mn-lt"/>
+                <a:cs typeface="+mn-cs"/>
               </a:defRPr>
             </a:lvl8pPr>
-            <a:lvl9pPr marL="3886200" indent="-228600" defTabSz="449263" fontAlgn="base">
+            <a:lvl9pPr marL="3886200" indent="-228600">
+              <a:lnSpc>
+                <a:spcPct val="90000"/>
+              </a:lnSpc>
               <a:spcBef>
-                <a:spcPct val="0"/>
+                <a:spcPts val="500"/>
               </a:spcBef>
-              <a:spcAft>
-                <a:spcPct val="0"/>
-              </a:spcAft>
-              <a:defRPr>
-                <a:solidFill>
-                  <a:schemeClr val="tx1"/>
-                </a:solidFill>
-                <a:latin typeface="Tahoma" panose="020B0604030504040204" pitchFamily="34" charset="0"/>
-                <a:cs typeface="Tahoma" panose="020B0604030504040204" pitchFamily="34" charset="0"/>
+              <a:buFont typeface="Arial" panose="020B0604020202020204" pitchFamily="34" charset="0"/>
+              <a:buChar char="•"/>
+              <a:defRPr sz="1800">
+                <a:latin typeface="+mn-lt"/>
+                <a:cs typeface="+mn-cs"/>
               </a:defRPr>
             </a:lvl9pPr>
           </a:lstStyle>
           <a:p>
-            <a:pPr>
-              <a:spcBef>
-                <a:spcPts val="700"/>
-              </a:spcBef>
-              <a:buClr>
-                <a:srgbClr val="336699"/>
-              </a:buClr>
-              <a:buFont typeface="Wingdings" panose="05000000000000000000" pitchFamily="2" charset="2"/>
-              <a:buChar char="§"/>
-            </a:pPr>
-            <a:r>
-              <a:rPr lang="en-US" sz="2400" dirty="0" err="1">
-                <a:latin typeface="Calibri" panose="020F0502020204030204" pitchFamily="34" charset="0"/>
-                <a:ea typeface="ＭＳ Ｐゴシック" panose="020B0600070205080204" pitchFamily="34" charset="-128"/>
-              </a:rPr>
+            <a:r>
+              <a:rPr lang="en-US" dirty="0" err="1"/>
               <a:t>Luồng</a:t>
             </a:r>
             <a:r>
-              <a:rPr lang="en-US" sz="2400" dirty="0">
-                <a:latin typeface="Calibri" panose="020F0502020204030204" pitchFamily="34" charset="0"/>
-                <a:ea typeface="ＭＳ Ｐゴシック" panose="020B0600070205080204" pitchFamily="34" charset="-128"/>
-              </a:rPr>
+              <a:rPr lang="en-US" dirty="0"/>
               <a:t> URLs </a:t>
             </a:r>
             <a:r>
-              <a:rPr lang="en-US" sz="2400" dirty="0" err="1">
-                <a:latin typeface="Calibri" panose="020F0502020204030204" pitchFamily="34" charset="0"/>
-                <a:ea typeface="ＭＳ Ｐゴシック" panose="020B0600070205080204" pitchFamily="34" charset="-128"/>
-              </a:rPr>
+              <a:rPr lang="en-US" dirty="0" err="1"/>
               <a:t>tới</a:t>
             </a:r>
             <a:r>
-              <a:rPr lang="en-US" sz="2400" dirty="0">
-                <a:latin typeface="Calibri" panose="020F0502020204030204" pitchFamily="34" charset="0"/>
-                <a:ea typeface="ＭＳ Ｐゴシック" panose="020B0600070205080204" pitchFamily="34" charset="-128"/>
-              </a:rPr>
-              <a:t> </a:t>
-            </a:r>
-            <a:r>
-              <a:rPr lang="en-US" sz="2400" dirty="0" err="1" smtClean="0">
-                <a:latin typeface="Calibri" panose="020F0502020204030204" pitchFamily="34" charset="0"/>
-                <a:ea typeface="ＭＳ Ｐゴシック" panose="020B0600070205080204" pitchFamily="34" charset="-128"/>
-              </a:rPr>
+              <a:rPr lang="en-US" dirty="0"/>
+              <a:t> </a:t>
+            </a:r>
+            <a:r>
+              <a:rPr lang="en-US" dirty="0" err="1"/>
               <a:t>bộ</a:t>
             </a:r>
             <a:r>
-              <a:rPr lang="en-US" sz="2400" dirty="0" smtClean="0">
-                <a:latin typeface="Calibri" panose="020F0502020204030204" pitchFamily="34" charset="0"/>
-                <a:ea typeface="ＭＳ Ｐゴシック" panose="020B0600070205080204" pitchFamily="34" charset="-128"/>
-              </a:rPr>
-              <a:t> </a:t>
-            </a:r>
-            <a:r>
-              <a:rPr lang="en-US" sz="2400" dirty="0" err="1" smtClean="0">
-                <a:latin typeface="Calibri" panose="020F0502020204030204" pitchFamily="34" charset="0"/>
-                <a:ea typeface="ＭＳ Ｐゴシック" panose="020B0600070205080204" pitchFamily="34" charset="-128"/>
-              </a:rPr>
+              <a:rPr lang="en-US" dirty="0"/>
+              <a:t> </a:t>
+            </a:r>
+            <a:r>
+              <a:rPr lang="en-US" dirty="0" err="1"/>
               <a:t>nạp</a:t>
             </a:r>
             <a:r>
-              <a:rPr lang="en-US" sz="2400" dirty="0" smtClean="0">
-                <a:latin typeface="Calibri" panose="020F0502020204030204" pitchFamily="34" charset="0"/>
-                <a:ea typeface="ＭＳ Ｐゴシック" panose="020B0600070205080204" pitchFamily="34" charset="-128"/>
-              </a:rPr>
-              <a:t> </a:t>
-            </a:r>
-            <a:r>
-              <a:rPr lang="en-US" sz="2400" dirty="0" err="1" smtClean="0">
-                <a:latin typeface="Calibri" panose="020F0502020204030204" pitchFamily="34" charset="0"/>
-                <a:ea typeface="ＭＳ Ｐゴシック" panose="020B0600070205080204" pitchFamily="34" charset="-128"/>
-              </a:rPr>
+              <a:rPr lang="en-US" dirty="0"/>
+              <a:t> </a:t>
+            </a:r>
+            <a:r>
+              <a:rPr lang="en-US" dirty="0" err="1"/>
               <a:t>phải</a:t>
             </a:r>
             <a:r>
-              <a:rPr lang="en-US" sz="2400" dirty="0" smtClean="0">
-                <a:latin typeface="Calibri" panose="020F0502020204030204" pitchFamily="34" charset="0"/>
-                <a:ea typeface="ＭＳ Ｐゴシック" panose="020B0600070205080204" pitchFamily="34" charset="-128"/>
-              </a:rPr>
-              <a:t> </a:t>
-            </a:r>
-            <a:r>
-              <a:rPr lang="en-US" sz="2400" dirty="0">
-                <a:latin typeface="Calibri" panose="020F0502020204030204" pitchFamily="34" charset="0"/>
-                <a:ea typeface="ＭＳ Ｐゴシック" panose="020B0600070205080204" pitchFamily="34" charset="-128"/>
-              </a:rPr>
-              <a:t>qua </a:t>
-            </a:r>
-            <a:r>
-              <a:rPr lang="en-US" sz="2400" dirty="0" err="1">
-                <a:latin typeface="Calibri" panose="020F0502020204030204" pitchFamily="34" charset="0"/>
-                <a:ea typeface="ＭＳ Ｐゴシック" panose="020B0600070205080204" pitchFamily="34" charset="-128"/>
-              </a:rPr>
+              <a:rPr lang="en-US" dirty="0"/>
+              <a:t> qua </a:t>
+            </a:r>
+            <a:r>
+              <a:rPr lang="en-US" dirty="0" err="1"/>
               <a:t>hai</a:t>
             </a:r>
             <a:r>
-              <a:rPr lang="en-US" sz="2400" dirty="0">
-                <a:latin typeface="Calibri" panose="020F0502020204030204" pitchFamily="34" charset="0"/>
-                <a:ea typeface="ＭＳ Ｐゴシック" panose="020B0600070205080204" pitchFamily="34" charset="-128"/>
-              </a:rPr>
-              <a:t> </a:t>
-            </a:r>
-            <a:r>
-              <a:rPr lang="en-US" sz="2400" dirty="0" err="1">
-                <a:latin typeface="Calibri" panose="020F0502020204030204" pitchFamily="34" charset="0"/>
-                <a:ea typeface="ＭＳ Ｐゴシック" panose="020B0600070205080204" pitchFamily="34" charset="-128"/>
-              </a:rPr>
+              <a:rPr lang="en-US" dirty="0"/>
+              <a:t> </a:t>
+            </a:r>
+            <a:r>
+              <a:rPr lang="en-US" dirty="0" err="1"/>
               <a:t>hàng</a:t>
             </a:r>
             <a:r>
-              <a:rPr lang="en-US" sz="2400" dirty="0">
-                <a:latin typeface="Calibri" panose="020F0502020204030204" pitchFamily="34" charset="0"/>
-                <a:ea typeface="ＭＳ Ｐゴシック" panose="020B0600070205080204" pitchFamily="34" charset="-128"/>
-              </a:rPr>
-              <a:t> </a:t>
-            </a:r>
-            <a:r>
-              <a:rPr lang="en-US" sz="2400" dirty="0" err="1">
-                <a:latin typeface="Calibri" panose="020F0502020204030204" pitchFamily="34" charset="0"/>
-                <a:ea typeface="ＭＳ Ｐゴシック" panose="020B0600070205080204" pitchFamily="34" charset="-128"/>
-              </a:rPr>
+              <a:rPr lang="en-US" dirty="0"/>
+              <a:t> </a:t>
+            </a:r>
+            <a:r>
+              <a:rPr lang="en-US" dirty="0" err="1"/>
               <a:t>đợi</a:t>
             </a:r>
             <a:r>
-              <a:rPr lang="en-US" sz="2400" dirty="0">
-                <a:latin typeface="Calibri" panose="020F0502020204030204" pitchFamily="34" charset="0"/>
-                <a:ea typeface="ＭＳ Ｐゴシック" panose="020B0600070205080204" pitchFamily="34" charset="-128"/>
-              </a:rPr>
+              <a:rPr lang="en-US" dirty="0"/>
               <a:t>: </a:t>
             </a:r>
             <a:r>
-              <a:rPr lang="en-US" sz="2400" dirty="0" err="1">
-                <a:latin typeface="Calibri" panose="020F0502020204030204" pitchFamily="34" charset="0"/>
-                <a:ea typeface="ＭＳ Ｐゴシック" panose="020B0600070205080204" pitchFamily="34" charset="-128"/>
-              </a:rPr>
+              <a:rPr lang="en-US" dirty="0" err="1"/>
               <a:t>phía</a:t>
             </a:r>
             <a:r>
-              <a:rPr lang="en-US" sz="2400" dirty="0">
-                <a:latin typeface="Calibri" panose="020F0502020204030204" pitchFamily="34" charset="0"/>
-                <a:ea typeface="ＭＳ Ｐゴシック" panose="020B0600070205080204" pitchFamily="34" charset="-128"/>
-              </a:rPr>
-              <a:t> </a:t>
-            </a:r>
-            <a:r>
-              <a:rPr lang="en-US" sz="2400" dirty="0" err="1">
-                <a:latin typeface="Calibri" panose="020F0502020204030204" pitchFamily="34" charset="0"/>
-                <a:ea typeface="ＭＳ Ｐゴシック" panose="020B0600070205080204" pitchFamily="34" charset="-128"/>
-              </a:rPr>
+              <a:rPr lang="en-US" dirty="0"/>
+              <a:t> </a:t>
+            </a:r>
+            <a:r>
+              <a:rPr lang="en-US" dirty="0" err="1"/>
               <a:t>trước</a:t>
             </a:r>
             <a:r>
-              <a:rPr lang="en-US" sz="2400" dirty="0">
-                <a:latin typeface="Calibri" panose="020F0502020204030204" pitchFamily="34" charset="0"/>
-                <a:ea typeface="ＭＳ Ｐゴシック" panose="020B0600070205080204" pitchFamily="34" charset="-128"/>
-              </a:rPr>
-              <a:t> </a:t>
-            </a:r>
-            <a:r>
-              <a:rPr lang="en-US" sz="2400" dirty="0" err="1">
-                <a:latin typeface="Calibri" panose="020F0502020204030204" pitchFamily="34" charset="0"/>
-                <a:ea typeface="ＭＳ Ｐゴシック" panose="020B0600070205080204" pitchFamily="34" charset="-128"/>
-              </a:rPr>
+              <a:rPr lang="en-US" dirty="0"/>
+              <a:t> </a:t>
+            </a:r>
+            <a:r>
+              <a:rPr lang="en-US" dirty="0" err="1"/>
               <a:t>và</a:t>
             </a:r>
             <a:r>
-              <a:rPr lang="en-US" sz="2400" dirty="0">
-                <a:latin typeface="Calibri" panose="020F0502020204030204" pitchFamily="34" charset="0"/>
-                <a:ea typeface="ＭＳ Ｐゴシック" panose="020B0600070205080204" pitchFamily="34" charset="-128"/>
-              </a:rPr>
-              <a:t> </a:t>
-            </a:r>
-            <a:r>
-              <a:rPr lang="en-US" sz="2400" dirty="0" err="1">
-                <a:latin typeface="Calibri" panose="020F0502020204030204" pitchFamily="34" charset="0"/>
-                <a:ea typeface="ＭＳ Ｐゴシック" panose="020B0600070205080204" pitchFamily="34" charset="-128"/>
-              </a:rPr>
+              <a:rPr lang="en-US" dirty="0"/>
+              <a:t> </a:t>
+            </a:r>
+            <a:r>
+              <a:rPr lang="en-US" dirty="0" err="1"/>
               <a:t>phía</a:t>
             </a:r>
             <a:r>
-              <a:rPr lang="en-US" sz="2400" dirty="0">
-                <a:latin typeface="Calibri" panose="020F0502020204030204" pitchFamily="34" charset="0"/>
-                <a:ea typeface="ＭＳ Ｐゴシック" panose="020B0600070205080204" pitchFamily="34" charset="-128"/>
-              </a:rPr>
-              <a:t> </a:t>
-            </a:r>
-            <a:r>
-              <a:rPr lang="en-US" sz="2400" dirty="0" err="1">
-                <a:latin typeface="Calibri" panose="020F0502020204030204" pitchFamily="34" charset="0"/>
-                <a:ea typeface="ＭＳ Ｐゴシック" panose="020B0600070205080204" pitchFamily="34" charset="-128"/>
-              </a:rPr>
+              <a:rPr lang="en-US" dirty="0"/>
+              <a:t> </a:t>
+            </a:r>
+            <a:r>
+              <a:rPr lang="en-US" dirty="0" err="1"/>
               <a:t>sau</a:t>
             </a:r>
             <a:r>
-              <a:rPr lang="de-DE" sz="2400" dirty="0">
-                <a:latin typeface="Calibri" panose="020F0502020204030204" pitchFamily="34" charset="0"/>
-                <a:ea typeface="ＭＳ Ｐゴシック" panose="020B0600070205080204" pitchFamily="34" charset="-128"/>
-              </a:rPr>
+              <a:rPr lang="de-DE" dirty="0"/>
               <a:t>.</a:t>
             </a:r>
           </a:p>
           <a:p>
-            <a:pPr>
-              <a:spcBef>
-                <a:spcPts val="700"/>
-              </a:spcBef>
-              <a:buClr>
-                <a:srgbClr val="336699"/>
-              </a:buClr>
-              <a:buFont typeface="Wingdings" panose="05000000000000000000" pitchFamily="2" charset="2"/>
-              <a:buChar char="§"/>
-            </a:pPr>
-            <a:r>
-              <a:rPr lang="de-DE" sz="2400" dirty="0">
-                <a:latin typeface="Calibri" panose="020F0502020204030204" pitchFamily="34" charset="0"/>
-                <a:ea typeface="ＭＳ Ｐゴシック" panose="020B0600070205080204" pitchFamily="34" charset="-128"/>
-              </a:rPr>
+            <a:r>
+              <a:rPr lang="de-DE" dirty="0"/>
               <a:t>Hàng đợi phía trước quản lý độ ưu tiên.</a:t>
             </a:r>
           </a:p>
           <a:p>
-            <a:pPr>
-              <a:spcBef>
-                <a:spcPts val="700"/>
-              </a:spcBef>
-              <a:buClr>
-                <a:srgbClr val="336699"/>
-              </a:buClr>
-              <a:buFont typeface="Wingdings" panose="05000000000000000000" pitchFamily="2" charset="2"/>
-              <a:buChar char="§"/>
-            </a:pPr>
-            <a:r>
-              <a:rPr lang="de-DE" sz="2400" dirty="0" smtClean="0">
-                <a:latin typeface="Calibri" panose="020F0502020204030204" pitchFamily="34" charset="0"/>
-                <a:ea typeface="ＭＳ Ｐゴシック" panose="020B0600070205080204" pitchFamily="34" charset="-128"/>
-              </a:rPr>
-              <a:t>Hàng </a:t>
-            </a:r>
-            <a:r>
-              <a:rPr lang="de-DE" sz="2400" dirty="0">
-                <a:latin typeface="Calibri" panose="020F0502020204030204" pitchFamily="34" charset="0"/>
-                <a:ea typeface="ＭＳ Ｐゴシック" panose="020B0600070205080204" pitchFamily="34" charset="-128"/>
-              </a:rPr>
-              <a:t>đợi phía sau đảm bảo sự lịch thiệp.</a:t>
-            </a:r>
-          </a:p>
-          <a:p>
-            <a:pPr>
-              <a:spcBef>
-                <a:spcPts val="700"/>
-              </a:spcBef>
-              <a:buClr>
-                <a:srgbClr val="336699"/>
-              </a:buClr>
-              <a:buFont typeface="Wingdings" panose="05000000000000000000" pitchFamily="2" charset="2"/>
-              <a:buChar char="§"/>
-            </a:pPr>
-            <a:r>
-              <a:rPr lang="de-DE" sz="2400" dirty="0">
-                <a:latin typeface="Calibri" panose="020F0502020204030204" pitchFamily="34" charset="0"/>
-                <a:ea typeface="ＭＳ Ｐゴシック" panose="020B0600070205080204" pitchFamily="34" charset="-128"/>
-              </a:rPr>
+            <a:r>
+              <a:rPr lang="de-DE" dirty="0"/>
+              <a:t>Hàng đợi phía sau đảm bảo sự lịch thiệp.</a:t>
+            </a:r>
+          </a:p>
+          <a:p>
+            <a:r>
+              <a:rPr lang="de-DE" dirty="0"/>
               <a:t>Các hàng đợi là FIFO.</a:t>
             </a:r>
           </a:p>
@@ -9119,205 +9001,167 @@
         </p:nvSpPr>
         <p:spPr bwMode="auto">
           <a:xfrm>
-            <a:off x="4714875" y="2451100"/>
+            <a:off x="4860032" y="2451100"/>
             <a:ext cx="4000500" cy="3857625"/>
           </a:xfrm>
           <a:prstGeom prst="rect">
             <a:avLst/>
           </a:prstGeom>
-          <a:noFill/>
-          <a:ln w="9525">
-            <a:noFill/>
-            <a:round/>
-            <a:headEnd/>
-            <a:tailEnd/>
-          </a:ln>
         </p:spPr>
         <p:txBody>
           <a:bodyPr/>
           <a:lstStyle>
-            <a:lvl1pPr marL="342900" indent="-342900" defTabSz="449263">
-              <a:defRPr>
-                <a:solidFill>
-                  <a:schemeClr val="tx1"/>
-                </a:solidFill>
-                <a:latin typeface="Tahoma" panose="020B0604030504040204" pitchFamily="34" charset="0"/>
-                <a:cs typeface="Tahoma" panose="020B0604030504040204" pitchFamily="34" charset="0"/>
+            <a:defPPr>
+              <a:defRPr lang="vi-VN"/>
+            </a:defPPr>
+            <a:lvl1pPr marL="342900" indent="-342900" algn="just">
+              <a:spcBef>
+                <a:spcPct val="20000"/>
+              </a:spcBef>
+              <a:buClr>
+                <a:schemeClr val="folHlink"/>
+              </a:buClr>
+              <a:buSzPct val="60000"/>
+              <a:buFont typeface="Wingdings" panose="05000000000000000000" pitchFamily="2" charset="2"/>
+              <a:buChar char="n"/>
+              <a:defRPr sz="2400">
+                <a:latin typeface="+mn-lt"/>
+                <a:cs typeface="+mn-cs"/>
               </a:defRPr>
             </a:lvl1pPr>
-            <a:lvl2pPr marL="742950" indent="-285750" defTabSz="449263">
-              <a:defRPr>
-                <a:solidFill>
-                  <a:schemeClr val="tx1"/>
-                </a:solidFill>
-                <a:latin typeface="Tahoma" panose="020B0604030504040204" pitchFamily="34" charset="0"/>
-                <a:cs typeface="Tahoma" panose="020B0604030504040204" pitchFamily="34" charset="0"/>
+            <a:lvl2pPr marL="742950" lvl="1" indent="-285750">
+              <a:spcBef>
+                <a:spcPct val="20000"/>
+              </a:spcBef>
+              <a:buClr>
+                <a:schemeClr val="hlink"/>
+              </a:buClr>
+              <a:buSzPct val="55000"/>
+              <a:buFont typeface="Wingdings" panose="05000000000000000000" pitchFamily="2" charset="2"/>
+              <a:buChar char="n"/>
+              <a:defRPr sz="2000">
+                <a:latin typeface="+mn-lt"/>
+                <a:cs typeface="+mn-cs"/>
               </a:defRPr>
             </a:lvl2pPr>
-            <a:lvl3pPr marL="1143000" indent="-228600" defTabSz="449263">
-              <a:defRPr>
-                <a:solidFill>
-                  <a:schemeClr val="tx1"/>
-                </a:solidFill>
-                <a:latin typeface="Tahoma" panose="020B0604030504040204" pitchFamily="34" charset="0"/>
-                <a:cs typeface="Tahoma" panose="020B0604030504040204" pitchFamily="34" charset="0"/>
+            <a:lvl3pPr marL="1143000" indent="-228600">
+              <a:spcBef>
+                <a:spcPct val="20000"/>
+              </a:spcBef>
+              <a:buClr>
+                <a:schemeClr val="folHlink"/>
+              </a:buClr>
+              <a:buSzPct val="50000"/>
+              <a:buFont typeface="Wingdings" panose="05000000000000000000" pitchFamily="2" charset="2"/>
+              <a:buChar char="n"/>
+              <a:defRPr sz="2000">
+                <a:latin typeface="+mn-lt"/>
+                <a:cs typeface="+mn-cs"/>
               </a:defRPr>
             </a:lvl3pPr>
-            <a:lvl4pPr marL="1600200" indent="-228600" defTabSz="449263">
+            <a:lvl4pPr marL="1600200" indent="-228600">
+              <a:spcBef>
+                <a:spcPct val="20000"/>
+              </a:spcBef>
+              <a:buClr>
+                <a:schemeClr val="accent2"/>
+              </a:buClr>
+              <a:buSzPct val="55000"/>
+              <a:buFont typeface="Wingdings" panose="05000000000000000000" pitchFamily="2" charset="2"/>
+              <a:buChar char="n"/>
               <a:defRPr>
-                <a:solidFill>
-                  <a:schemeClr val="tx1"/>
-                </a:solidFill>
-                <a:latin typeface="Tahoma" panose="020B0604030504040204" pitchFamily="34" charset="0"/>
-                <a:cs typeface="Tahoma" panose="020B0604030504040204" pitchFamily="34" charset="0"/>
+                <a:latin typeface="+mn-lt"/>
+                <a:cs typeface="+mn-cs"/>
               </a:defRPr>
             </a:lvl4pPr>
-            <a:lvl5pPr marL="2057400" indent="-228600" defTabSz="449263">
-              <a:defRPr>
-                <a:solidFill>
-                  <a:schemeClr val="tx1"/>
-                </a:solidFill>
-                <a:latin typeface="Tahoma" panose="020B0604030504040204" pitchFamily="34" charset="0"/>
-                <a:cs typeface="Tahoma" panose="020B0604030504040204" pitchFamily="34" charset="0"/>
+            <a:lvl5pPr marL="2057400" indent="-228600">
+              <a:spcBef>
+                <a:spcPct val="20000"/>
+              </a:spcBef>
+              <a:buClr>
+                <a:schemeClr val="accent1"/>
+              </a:buClr>
+              <a:buSzPct val="50000"/>
+              <a:buFont typeface="Wingdings" panose="05000000000000000000" pitchFamily="2" charset="2"/>
+              <a:buChar char="n"/>
+              <a:defRPr sz="1600">
+                <a:latin typeface="+mn-lt"/>
+                <a:cs typeface="+mn-cs"/>
               </a:defRPr>
             </a:lvl5pPr>
-            <a:lvl6pPr marL="2514600" indent="-228600" defTabSz="449263" fontAlgn="base">
+            <a:lvl6pPr marL="2514600" indent="-228600">
+              <a:lnSpc>
+                <a:spcPct val="90000"/>
+              </a:lnSpc>
               <a:spcBef>
-                <a:spcPct val="0"/>
+                <a:spcPts val="500"/>
               </a:spcBef>
-              <a:spcAft>
-                <a:spcPct val="0"/>
-              </a:spcAft>
-              <a:defRPr>
-                <a:solidFill>
-                  <a:schemeClr val="tx1"/>
-                </a:solidFill>
-                <a:latin typeface="Tahoma" panose="020B0604030504040204" pitchFamily="34" charset="0"/>
-                <a:cs typeface="Tahoma" panose="020B0604030504040204" pitchFamily="34" charset="0"/>
+              <a:buFont typeface="Arial" panose="020B0604020202020204" pitchFamily="34" charset="0"/>
+              <a:buChar char="•"/>
+              <a:defRPr sz="1800">
+                <a:latin typeface="+mn-lt"/>
+                <a:cs typeface="+mn-cs"/>
               </a:defRPr>
             </a:lvl6pPr>
-            <a:lvl7pPr marL="2971800" indent="-228600" defTabSz="449263" fontAlgn="base">
+            <a:lvl7pPr marL="2971800" indent="-228600">
+              <a:lnSpc>
+                <a:spcPct val="90000"/>
+              </a:lnSpc>
               <a:spcBef>
-                <a:spcPct val="0"/>
+                <a:spcPts val="500"/>
               </a:spcBef>
-              <a:spcAft>
-                <a:spcPct val="0"/>
-              </a:spcAft>
-              <a:defRPr>
-                <a:solidFill>
-                  <a:schemeClr val="tx1"/>
-                </a:solidFill>
-                <a:latin typeface="Tahoma" panose="020B0604030504040204" pitchFamily="34" charset="0"/>
-                <a:cs typeface="Tahoma" panose="020B0604030504040204" pitchFamily="34" charset="0"/>
+              <a:buFont typeface="Arial" panose="020B0604020202020204" pitchFamily="34" charset="0"/>
+              <a:buChar char="•"/>
+              <a:defRPr sz="1800">
+                <a:latin typeface="+mn-lt"/>
+                <a:cs typeface="+mn-cs"/>
               </a:defRPr>
             </a:lvl7pPr>
-            <a:lvl8pPr marL="3429000" indent="-228600" defTabSz="449263" fontAlgn="base">
+            <a:lvl8pPr marL="3429000" indent="-228600">
+              <a:lnSpc>
+                <a:spcPct val="90000"/>
+              </a:lnSpc>
               <a:spcBef>
-                <a:spcPct val="0"/>
+                <a:spcPts val="500"/>
               </a:spcBef>
-              <a:spcAft>
-                <a:spcPct val="0"/>
-              </a:spcAft>
-              <a:defRPr>
-                <a:solidFill>
-                  <a:schemeClr val="tx1"/>
-                </a:solidFill>
-                <a:latin typeface="Tahoma" panose="020B0604030504040204" pitchFamily="34" charset="0"/>
-                <a:cs typeface="Tahoma" panose="020B0604030504040204" pitchFamily="34" charset="0"/>
+              <a:buFont typeface="Arial" panose="020B0604020202020204" pitchFamily="34" charset="0"/>
+              <a:buChar char="•"/>
+              <a:defRPr sz="1800">
+                <a:latin typeface="+mn-lt"/>
+                <a:cs typeface="+mn-cs"/>
               </a:defRPr>
             </a:lvl8pPr>
-            <a:lvl9pPr marL="3886200" indent="-228600" defTabSz="449263" fontAlgn="base">
+            <a:lvl9pPr marL="3886200" indent="-228600">
+              <a:lnSpc>
+                <a:spcPct val="90000"/>
+              </a:lnSpc>
               <a:spcBef>
-                <a:spcPct val="0"/>
+                <a:spcPts val="500"/>
               </a:spcBef>
-              <a:spcAft>
-                <a:spcPct val="0"/>
-              </a:spcAft>
-              <a:defRPr>
-                <a:solidFill>
-                  <a:schemeClr val="tx1"/>
-                </a:solidFill>
-                <a:latin typeface="Tahoma" panose="020B0604030504040204" pitchFamily="34" charset="0"/>
-                <a:cs typeface="Tahoma" panose="020B0604030504040204" pitchFamily="34" charset="0"/>
+              <a:buFont typeface="Arial" panose="020B0604020202020204" pitchFamily="34" charset="0"/>
+              <a:buChar char="•"/>
+              <a:defRPr sz="1800">
+                <a:latin typeface="+mn-lt"/>
+                <a:cs typeface="+mn-cs"/>
               </a:defRPr>
             </a:lvl9pPr>
           </a:lstStyle>
           <a:p>
-            <a:pPr lvl="1">
-              <a:spcBef>
-                <a:spcPts val="700"/>
-              </a:spcBef>
-              <a:buClr>
-                <a:srgbClr val="336699"/>
-              </a:buClr>
-              <a:buFont typeface="Wingdings" panose="05000000000000000000" pitchFamily="2" charset="2"/>
-              <a:buChar char="§"/>
-            </a:pPr>
-            <a:r>
-              <a:rPr lang="de-DE" sz="2400" dirty="0">
-                <a:latin typeface="Calibri" panose="020F0502020204030204" pitchFamily="34" charset="0"/>
-                <a:ea typeface="ＭＳ Ｐゴシック" panose="020B0600070205080204" pitchFamily="34" charset="-128"/>
-              </a:rPr>
-              <a:t>Bộ ưu tiên gán cho mỗi URL một độ ưu tiên nguyên trong khoảng từ 1 đến </a:t>
-            </a:r>
-            <a:r>
-              <a:rPr lang="de-DE" sz="2400" i="1" dirty="0">
-                <a:latin typeface="Calibri" panose="020F0502020204030204" pitchFamily="34" charset="0"/>
-                <a:ea typeface="ＭＳ Ｐゴシック" panose="020B0600070205080204" pitchFamily="34" charset="-128"/>
-              </a:rPr>
-              <a:t>F</a:t>
-            </a:r>
-            <a:r>
-              <a:rPr lang="de-DE" sz="2400" dirty="0">
-                <a:latin typeface="Calibri" panose="020F0502020204030204" pitchFamily="34" charset="0"/>
-                <a:ea typeface="ＭＳ Ｐゴシック" panose="020B0600070205080204" pitchFamily="34" charset="-128"/>
-              </a:rPr>
-              <a:t>.</a:t>
-            </a:r>
-          </a:p>
-          <a:p>
-            <a:pPr lvl="1">
-              <a:spcBef>
-                <a:spcPts val="700"/>
-              </a:spcBef>
-              <a:buClr>
-                <a:srgbClr val="336699"/>
-              </a:buClr>
-              <a:buFont typeface="Wingdings" panose="05000000000000000000" pitchFamily="2" charset="2"/>
-              <a:buChar char="§"/>
-            </a:pPr>
-            <a:r>
-              <a:rPr lang="de-DE" sz="2400" dirty="0">
-                <a:latin typeface="Calibri" panose="020F0502020204030204" pitchFamily="34" charset="0"/>
-                <a:ea typeface="ＭＳ Ｐゴシック" panose="020B0600070205080204" pitchFamily="34" charset="-128"/>
-              </a:rPr>
+            <a:r>
+              <a:rPr lang="de-DE" dirty="0"/>
+              <a:t>Bộ ưu tiên gán cho mỗi URL một độ ưu tiên nguyên trong khoảng từ 1 đến F.</a:t>
+            </a:r>
+          </a:p>
+          <a:p>
+            <a:r>
+              <a:rPr lang="de-DE" dirty="0"/>
               <a:t>Sau đó thêm URL vào hàng đợi tương ứng</a:t>
             </a:r>
           </a:p>
           <a:p>
-            <a:pPr lvl="1">
-              <a:spcBef>
-                <a:spcPts val="700"/>
-              </a:spcBef>
-              <a:buClr>
-                <a:srgbClr val="336699"/>
-              </a:buClr>
-              <a:buFont typeface="Wingdings" panose="05000000000000000000" pitchFamily="2" charset="2"/>
-              <a:buChar char="§"/>
-            </a:pPr>
-            <a:r>
-              <a:rPr lang="de-DE" sz="2400" dirty="0" smtClean="0">
-                <a:latin typeface="Calibri" panose="020F0502020204030204" pitchFamily="34" charset="0"/>
-                <a:ea typeface="ＭＳ Ｐゴシック" panose="020B0600070205080204" pitchFamily="34" charset="-128"/>
-              </a:rPr>
-              <a:t>Xác định độ ưu tiên bằng giải thuật tham lam: </a:t>
-            </a:r>
-            <a:r>
-              <a:rPr lang="de-DE" sz="2400" dirty="0">
-                <a:latin typeface="Calibri" panose="020F0502020204030204" pitchFamily="34" charset="0"/>
-                <a:ea typeface="ＭＳ Ｐゴシック" panose="020B0600070205080204" pitchFamily="34" charset="-128"/>
-              </a:rPr>
-              <a:t>tốc độ cập nhật, PageRank v.v.</a:t>
+            <a:r>
+              <a:rPr lang="de-DE" dirty="0"/>
+              <a:t>Xác định độ ưu tiên bằng giải thuật tham lam: tốc độ cập nhật, PageRank v.v.</a:t>
             </a:r>
           </a:p>
         </p:txBody>
@@ -9478,467 +9322,276 @@
         </p:nvSpPr>
         <p:spPr bwMode="auto">
           <a:xfrm>
-            <a:off x="4714875" y="2163763"/>
-            <a:ext cx="4178300" cy="4694237"/>
+            <a:off x="4929187" y="1988840"/>
+            <a:ext cx="3963987" cy="4694237"/>
           </a:xfrm>
           <a:prstGeom prst="rect">
             <a:avLst/>
           </a:prstGeom>
-          <a:noFill/>
-          <a:ln w="9525">
-            <a:noFill/>
-            <a:round/>
-            <a:headEnd/>
-            <a:tailEnd/>
-          </a:ln>
         </p:spPr>
         <p:txBody>
           <a:bodyPr/>
           <a:lstStyle>
-            <a:lvl1pPr marL="342900" indent="-342900" defTabSz="449263">
-              <a:defRPr>
-                <a:solidFill>
-                  <a:schemeClr val="tx1"/>
-                </a:solidFill>
-                <a:latin typeface="Tahoma" panose="020B0604030504040204" pitchFamily="34" charset="0"/>
-                <a:cs typeface="Tahoma" panose="020B0604030504040204" pitchFamily="34" charset="0"/>
+            <a:defPPr>
+              <a:defRPr lang="vi-VN"/>
+            </a:defPPr>
+            <a:lvl1pPr marL="342900" indent="-342900" algn="just">
+              <a:spcBef>
+                <a:spcPct val="20000"/>
+              </a:spcBef>
+              <a:buClr>
+                <a:schemeClr val="folHlink"/>
+              </a:buClr>
+              <a:buSzPct val="60000"/>
+              <a:buFont typeface="Wingdings" panose="05000000000000000000" pitchFamily="2" charset="2"/>
+              <a:buChar char="n"/>
+              <a:defRPr sz="2400">
+                <a:latin typeface="+mn-lt"/>
+                <a:cs typeface="+mn-cs"/>
               </a:defRPr>
             </a:lvl1pPr>
-            <a:lvl2pPr marL="742950" indent="-285750" defTabSz="449263">
-              <a:defRPr>
-                <a:solidFill>
-                  <a:schemeClr val="tx1"/>
-                </a:solidFill>
-                <a:latin typeface="Tahoma" panose="020B0604030504040204" pitchFamily="34" charset="0"/>
-                <a:cs typeface="Tahoma" panose="020B0604030504040204" pitchFamily="34" charset="0"/>
+            <a:lvl2pPr marL="742950" lvl="1" indent="-285750">
+              <a:spcBef>
+                <a:spcPct val="20000"/>
+              </a:spcBef>
+              <a:buClr>
+                <a:schemeClr val="hlink"/>
+              </a:buClr>
+              <a:buSzPct val="55000"/>
+              <a:buFont typeface="Wingdings" panose="05000000000000000000" pitchFamily="2" charset="2"/>
+              <a:buChar char="n"/>
+              <a:defRPr sz="2000">
+                <a:latin typeface="+mn-lt"/>
+                <a:cs typeface="+mn-cs"/>
               </a:defRPr>
             </a:lvl2pPr>
-            <a:lvl3pPr marL="1143000" indent="-228600" defTabSz="449263">
-              <a:defRPr>
-                <a:solidFill>
-                  <a:schemeClr val="tx1"/>
-                </a:solidFill>
-                <a:latin typeface="Tahoma" panose="020B0604030504040204" pitchFamily="34" charset="0"/>
-                <a:cs typeface="Tahoma" panose="020B0604030504040204" pitchFamily="34" charset="0"/>
+            <a:lvl3pPr marL="1143000" indent="-228600">
+              <a:spcBef>
+                <a:spcPct val="20000"/>
+              </a:spcBef>
+              <a:buClr>
+                <a:schemeClr val="folHlink"/>
+              </a:buClr>
+              <a:buSzPct val="50000"/>
+              <a:buFont typeface="Wingdings" panose="05000000000000000000" pitchFamily="2" charset="2"/>
+              <a:buChar char="n"/>
+              <a:defRPr sz="2000">
+                <a:latin typeface="+mn-lt"/>
+                <a:cs typeface="+mn-cs"/>
               </a:defRPr>
             </a:lvl3pPr>
-            <a:lvl4pPr marL="1600200" indent="-228600" defTabSz="449263">
+            <a:lvl4pPr marL="1600200" indent="-228600">
+              <a:spcBef>
+                <a:spcPct val="20000"/>
+              </a:spcBef>
+              <a:buClr>
+                <a:schemeClr val="accent2"/>
+              </a:buClr>
+              <a:buSzPct val="55000"/>
+              <a:buFont typeface="Wingdings" panose="05000000000000000000" pitchFamily="2" charset="2"/>
+              <a:buChar char="n"/>
               <a:defRPr>
-                <a:solidFill>
-                  <a:schemeClr val="tx1"/>
-                </a:solidFill>
-                <a:latin typeface="Tahoma" panose="020B0604030504040204" pitchFamily="34" charset="0"/>
-                <a:cs typeface="Tahoma" panose="020B0604030504040204" pitchFamily="34" charset="0"/>
+                <a:latin typeface="+mn-lt"/>
+                <a:cs typeface="+mn-cs"/>
               </a:defRPr>
             </a:lvl4pPr>
-            <a:lvl5pPr marL="2057400" indent="-228600" defTabSz="449263">
-              <a:defRPr>
-                <a:solidFill>
-                  <a:schemeClr val="tx1"/>
-                </a:solidFill>
-                <a:latin typeface="Tahoma" panose="020B0604030504040204" pitchFamily="34" charset="0"/>
-                <a:cs typeface="Tahoma" panose="020B0604030504040204" pitchFamily="34" charset="0"/>
+            <a:lvl5pPr marL="2057400" indent="-228600">
+              <a:spcBef>
+                <a:spcPct val="20000"/>
+              </a:spcBef>
+              <a:buClr>
+                <a:schemeClr val="accent1"/>
+              </a:buClr>
+              <a:buSzPct val="50000"/>
+              <a:buFont typeface="Wingdings" panose="05000000000000000000" pitchFamily="2" charset="2"/>
+              <a:buChar char="n"/>
+              <a:defRPr sz="1600">
+                <a:latin typeface="+mn-lt"/>
+                <a:cs typeface="+mn-cs"/>
               </a:defRPr>
             </a:lvl5pPr>
-            <a:lvl6pPr marL="2514600" indent="-228600" defTabSz="449263" fontAlgn="base">
+            <a:lvl6pPr marL="2514600" indent="-228600">
+              <a:lnSpc>
+                <a:spcPct val="90000"/>
+              </a:lnSpc>
               <a:spcBef>
-                <a:spcPct val="0"/>
+                <a:spcPts val="500"/>
               </a:spcBef>
-              <a:spcAft>
-                <a:spcPct val="0"/>
-              </a:spcAft>
-              <a:defRPr>
-                <a:solidFill>
-                  <a:schemeClr val="tx1"/>
-                </a:solidFill>
-                <a:latin typeface="Tahoma" panose="020B0604030504040204" pitchFamily="34" charset="0"/>
-                <a:cs typeface="Tahoma" panose="020B0604030504040204" pitchFamily="34" charset="0"/>
+              <a:buFont typeface="Arial" panose="020B0604020202020204" pitchFamily="34" charset="0"/>
+              <a:buChar char="•"/>
+              <a:defRPr sz="1800">
+                <a:latin typeface="+mn-lt"/>
+                <a:cs typeface="+mn-cs"/>
               </a:defRPr>
             </a:lvl6pPr>
-            <a:lvl7pPr marL="2971800" indent="-228600" defTabSz="449263" fontAlgn="base">
+            <a:lvl7pPr marL="2971800" indent="-228600">
+              <a:lnSpc>
+                <a:spcPct val="90000"/>
+              </a:lnSpc>
               <a:spcBef>
-                <a:spcPct val="0"/>
+                <a:spcPts val="500"/>
               </a:spcBef>
-              <a:spcAft>
-                <a:spcPct val="0"/>
-              </a:spcAft>
-              <a:defRPr>
-                <a:solidFill>
-                  <a:schemeClr val="tx1"/>
-                </a:solidFill>
-                <a:latin typeface="Tahoma" panose="020B0604030504040204" pitchFamily="34" charset="0"/>
-                <a:cs typeface="Tahoma" panose="020B0604030504040204" pitchFamily="34" charset="0"/>
+              <a:buFont typeface="Arial" panose="020B0604020202020204" pitchFamily="34" charset="0"/>
+              <a:buChar char="•"/>
+              <a:defRPr sz="1800">
+                <a:latin typeface="+mn-lt"/>
+                <a:cs typeface="+mn-cs"/>
               </a:defRPr>
             </a:lvl7pPr>
-            <a:lvl8pPr marL="3429000" indent="-228600" defTabSz="449263" fontAlgn="base">
+            <a:lvl8pPr marL="3429000" indent="-228600">
+              <a:lnSpc>
+                <a:spcPct val="90000"/>
+              </a:lnSpc>
               <a:spcBef>
-                <a:spcPct val="0"/>
+                <a:spcPts val="500"/>
               </a:spcBef>
-              <a:spcAft>
-                <a:spcPct val="0"/>
-              </a:spcAft>
-              <a:defRPr>
-                <a:solidFill>
-                  <a:schemeClr val="tx1"/>
-                </a:solidFill>
-                <a:latin typeface="Tahoma" panose="020B0604030504040204" pitchFamily="34" charset="0"/>
-                <a:cs typeface="Tahoma" panose="020B0604030504040204" pitchFamily="34" charset="0"/>
+              <a:buFont typeface="Arial" panose="020B0604020202020204" pitchFamily="34" charset="0"/>
+              <a:buChar char="•"/>
+              <a:defRPr sz="1800">
+                <a:latin typeface="+mn-lt"/>
+                <a:cs typeface="+mn-cs"/>
               </a:defRPr>
             </a:lvl8pPr>
-            <a:lvl9pPr marL="3886200" indent="-228600" defTabSz="449263" fontAlgn="base">
+            <a:lvl9pPr marL="3886200" indent="-228600">
+              <a:lnSpc>
+                <a:spcPct val="90000"/>
+              </a:lnSpc>
               <a:spcBef>
-                <a:spcPct val="0"/>
+                <a:spcPts val="500"/>
               </a:spcBef>
-              <a:spcAft>
-                <a:spcPct val="0"/>
-              </a:spcAft>
-              <a:defRPr>
-                <a:solidFill>
-                  <a:schemeClr val="tx1"/>
-                </a:solidFill>
-                <a:latin typeface="Tahoma" panose="020B0604030504040204" pitchFamily="34" charset="0"/>
-                <a:cs typeface="Tahoma" panose="020B0604030504040204" pitchFamily="34" charset="0"/>
+              <a:buFont typeface="Arial" panose="020B0604020202020204" pitchFamily="34" charset="0"/>
+              <a:buChar char="•"/>
+              <a:defRPr sz="1800">
+                <a:latin typeface="+mn-lt"/>
+                <a:cs typeface="+mn-cs"/>
               </a:defRPr>
             </a:lvl9pPr>
           </a:lstStyle>
           <a:p>
-            <a:pPr lvl="1">
-              <a:spcBef>
-                <a:spcPts val="700"/>
-              </a:spcBef>
-              <a:buClr>
-                <a:srgbClr val="336699"/>
-              </a:buClr>
-              <a:buFont typeface="Wingdings" panose="05000000000000000000" pitchFamily="2" charset="2"/>
-              <a:buChar char="§"/>
-            </a:pPr>
-            <a:r>
-              <a:rPr lang="de-DE" sz="2400" dirty="0">
-                <a:latin typeface="Calibri" panose="020F0502020204030204" pitchFamily="34" charset="0"/>
-                <a:ea typeface="ＭＳ Ｐゴシック" panose="020B0600070205080204" pitchFamily="34" charset="-128"/>
-              </a:rPr>
-              <a:t>H</a:t>
-            </a:r>
-            <a:r>
-              <a:rPr lang="de-DE" sz="2400" dirty="0" smtClean="0">
-                <a:latin typeface="Calibri" panose="020F0502020204030204" pitchFamily="34" charset="0"/>
-                <a:ea typeface="ＭＳ Ｐゴシック" panose="020B0600070205080204" pitchFamily="34" charset="-128"/>
-              </a:rPr>
-              <a:t>àng </a:t>
-            </a:r>
-            <a:r>
-              <a:rPr lang="de-DE" sz="2400" dirty="0">
-                <a:latin typeface="Calibri" panose="020F0502020204030204" pitchFamily="34" charset="0"/>
-                <a:ea typeface="ＭＳ Ｐゴシック" panose="020B0600070205080204" pitchFamily="34" charset="-128"/>
-              </a:rPr>
-              <a:t>đợi </a:t>
-            </a:r>
-            <a:r>
-              <a:rPr lang="de-DE" sz="2400" dirty="0" smtClean="0">
-                <a:latin typeface="Calibri" panose="020F0502020204030204" pitchFamily="34" charset="0"/>
-                <a:ea typeface="ＭＳ Ｐゴシック" panose="020B0600070205080204" pitchFamily="34" charset="-128"/>
-              </a:rPr>
-              <a:t>phía sau gửi yêu cầu tới hàng đợi phía trước</a:t>
-            </a:r>
-            <a:endParaRPr lang="de-DE" sz="2400" dirty="0">
-              <a:latin typeface="Calibri" panose="020F0502020204030204" pitchFamily="34" charset="0"/>
-              <a:ea typeface="ＭＳ Ｐゴシック" panose="020B0600070205080204" pitchFamily="34" charset="-128"/>
-            </a:endParaRPr>
-          </a:p>
-          <a:p>
-            <a:pPr lvl="1">
-              <a:spcBef>
-                <a:spcPts val="700"/>
-              </a:spcBef>
-              <a:buClr>
-                <a:srgbClr val="336699"/>
-              </a:buClr>
-              <a:buFont typeface="Wingdings" panose="05000000000000000000" pitchFamily="2" charset="2"/>
-              <a:buChar char="§"/>
-            </a:pPr>
-            <a:r>
-              <a:rPr lang="de-DE" sz="2400" dirty="0" smtClean="0">
-                <a:latin typeface="Calibri" panose="020F0502020204030204" pitchFamily="34" charset="0"/>
-                <a:ea typeface="ＭＳ Ｐゴシック" panose="020B0600070205080204" pitchFamily="34" charset="-128"/>
-              </a:rPr>
-              <a:t>Chọn một </a:t>
-            </a:r>
-            <a:r>
-              <a:rPr lang="de-DE" sz="2400" dirty="0">
-                <a:latin typeface="Calibri" panose="020F0502020204030204" pitchFamily="34" charset="0"/>
-                <a:ea typeface="ＭＳ Ｐゴシック" panose="020B0600070205080204" pitchFamily="34" charset="-128"/>
-              </a:rPr>
-              <a:t>hàng đợi phía </a:t>
-            </a:r>
-            <a:r>
-              <a:rPr lang="de-DE" sz="2400" dirty="0" smtClean="0">
-                <a:latin typeface="Calibri" panose="020F0502020204030204" pitchFamily="34" charset="0"/>
-                <a:ea typeface="ＭＳ Ｐゴシック" panose="020B0600070205080204" pitchFamily="34" charset="-128"/>
-              </a:rPr>
-              <a:t>trước: </a:t>
-            </a:r>
-            <a:r>
-              <a:rPr lang="de-DE" sz="2400" dirty="0">
-                <a:latin typeface="Calibri" panose="020F0502020204030204" pitchFamily="34" charset="0"/>
-                <a:ea typeface="ＭＳ Ｐゴシック" panose="020B0600070205080204" pitchFamily="34" charset="-128"/>
-              </a:rPr>
-              <a:t>Theo vòng, ngẫu nhiên, </a:t>
-            </a:r>
-            <a:r>
-              <a:rPr lang="de-DE" sz="2400" dirty="0" smtClean="0">
-                <a:latin typeface="Calibri" panose="020F0502020204030204" pitchFamily="34" charset="0"/>
-                <a:ea typeface="ＭＳ Ｐゴシック" panose="020B0600070205080204" pitchFamily="34" charset="-128"/>
-              </a:rPr>
-              <a:t>v.v. , </a:t>
-            </a:r>
-            <a:r>
-              <a:rPr lang="en-US" sz="2400" dirty="0" err="1" smtClean="0">
-                <a:solidFill>
-                  <a:srgbClr val="0070C0"/>
-                </a:solidFill>
-                <a:latin typeface="Calibri" panose="020F0502020204030204" pitchFamily="34" charset="0"/>
-                <a:ea typeface="ＭＳ Ｐゴシック" panose="020B0600070205080204" pitchFamily="34" charset="-128"/>
-              </a:rPr>
+            <a:r>
+              <a:rPr lang="de-DE" dirty="0"/>
+              <a:t>Hàng đợi phía sau gửi yêu cầu tới hàng đợi phía trước</a:t>
+            </a:r>
+          </a:p>
+          <a:p>
+            <a:r>
+              <a:rPr lang="de-DE" dirty="0"/>
+              <a:t>Chọn một hàng đợi phía trước: Theo vòng, ngẫu nhiên, v.v. , </a:t>
+            </a:r>
+            <a:r>
+              <a:rPr lang="en-US" dirty="0" err="1"/>
               <a:t>đảm</a:t>
             </a:r>
             <a:r>
-              <a:rPr lang="en-US" sz="2400" dirty="0" smtClean="0">
-                <a:solidFill>
-                  <a:srgbClr val="0070C0"/>
-                </a:solidFill>
-                <a:latin typeface="Calibri" panose="020F0502020204030204" pitchFamily="34" charset="0"/>
-                <a:ea typeface="ＭＳ Ｐゴシック" panose="020B0600070205080204" pitchFamily="34" charset="-128"/>
-              </a:rPr>
-              <a:t> </a:t>
-            </a:r>
-            <a:r>
-              <a:rPr lang="en-US" sz="2400" dirty="0" err="1" smtClean="0">
-                <a:solidFill>
-                  <a:srgbClr val="0070C0"/>
-                </a:solidFill>
-                <a:latin typeface="Calibri" panose="020F0502020204030204" pitchFamily="34" charset="0"/>
-                <a:ea typeface="ＭＳ Ｐゴシック" panose="020B0600070205080204" pitchFamily="34" charset="-128"/>
-              </a:rPr>
+              <a:rPr lang="en-US" dirty="0"/>
+              <a:t> </a:t>
+            </a:r>
+            <a:r>
+              <a:rPr lang="en-US" dirty="0" err="1"/>
               <a:t>bảo</a:t>
             </a:r>
             <a:r>
-              <a:rPr lang="en-US" sz="2400" dirty="0" smtClean="0">
-                <a:solidFill>
-                  <a:srgbClr val="0070C0"/>
-                </a:solidFill>
-                <a:latin typeface="Calibri" panose="020F0502020204030204" pitchFamily="34" charset="0"/>
-                <a:ea typeface="ＭＳ Ｐゴシック" panose="020B0600070205080204" pitchFamily="34" charset="-128"/>
-              </a:rPr>
-              <a:t> </a:t>
-            </a:r>
-            <a:r>
-              <a:rPr lang="en-US" sz="2400" dirty="0" err="1">
-                <a:solidFill>
-                  <a:srgbClr val="0070C0"/>
-                </a:solidFill>
-                <a:latin typeface="Calibri" panose="020F0502020204030204" pitchFamily="34" charset="0"/>
-                <a:ea typeface="ＭＳ Ｐゴシック" panose="020B0600070205080204" pitchFamily="34" charset="-128"/>
-              </a:rPr>
+              <a:rPr lang="en-US" dirty="0"/>
+              <a:t> </a:t>
+            </a:r>
+            <a:r>
+              <a:rPr lang="en-US" dirty="0" err="1"/>
               <a:t>sự</a:t>
             </a:r>
             <a:r>
-              <a:rPr lang="en-US" sz="2400" dirty="0">
-                <a:solidFill>
-                  <a:srgbClr val="0070C0"/>
-                </a:solidFill>
-                <a:latin typeface="Calibri" panose="020F0502020204030204" pitchFamily="34" charset="0"/>
-                <a:ea typeface="ＭＳ Ｐゴシック" panose="020B0600070205080204" pitchFamily="34" charset="-128"/>
-              </a:rPr>
-              <a:t> </a:t>
-            </a:r>
-            <a:r>
-              <a:rPr lang="en-US" sz="2400" dirty="0" err="1">
-                <a:solidFill>
-                  <a:srgbClr val="0070C0"/>
-                </a:solidFill>
-                <a:latin typeface="Calibri" panose="020F0502020204030204" pitchFamily="34" charset="0"/>
-                <a:ea typeface="ＭＳ Ｐゴシック" panose="020B0600070205080204" pitchFamily="34" charset="-128"/>
-              </a:rPr>
+              <a:rPr lang="en-US" dirty="0"/>
+              <a:t> </a:t>
+            </a:r>
+            <a:r>
+              <a:rPr lang="en-US" dirty="0" err="1"/>
               <a:t>ưu</a:t>
             </a:r>
             <a:r>
-              <a:rPr lang="en-US" sz="2400" dirty="0">
-                <a:solidFill>
-                  <a:srgbClr val="0070C0"/>
-                </a:solidFill>
-                <a:latin typeface="Calibri" panose="020F0502020204030204" pitchFamily="34" charset="0"/>
-                <a:ea typeface="ＭＳ Ｐゴシック" panose="020B0600070205080204" pitchFamily="34" charset="-128"/>
-              </a:rPr>
-              <a:t> </a:t>
-            </a:r>
-            <a:r>
-              <a:rPr lang="en-US" sz="2400" dirty="0" err="1">
-                <a:solidFill>
-                  <a:srgbClr val="0070C0"/>
-                </a:solidFill>
-                <a:latin typeface="Calibri" panose="020F0502020204030204" pitchFamily="34" charset="0"/>
-                <a:ea typeface="ＭＳ Ｐゴシック" panose="020B0600070205080204" pitchFamily="34" charset="-128"/>
-              </a:rPr>
+              <a:rPr lang="en-US" dirty="0"/>
+              <a:t> </a:t>
+            </a:r>
+            <a:r>
+              <a:rPr lang="en-US" dirty="0" err="1"/>
               <a:t>tiên</a:t>
             </a:r>
             <a:r>
-              <a:rPr lang="en-US" sz="2400" dirty="0">
-                <a:solidFill>
-                  <a:srgbClr val="0070C0"/>
-                </a:solidFill>
-                <a:latin typeface="Calibri" panose="020F0502020204030204" pitchFamily="34" charset="0"/>
-                <a:ea typeface="ＭＳ Ｐゴシック" panose="020B0600070205080204" pitchFamily="34" charset="-128"/>
-              </a:rPr>
-              <a:t> </a:t>
-            </a:r>
-            <a:r>
-              <a:rPr lang="en-US" sz="2400" dirty="0" err="1">
-                <a:latin typeface="Calibri" panose="020F0502020204030204" pitchFamily="34" charset="0"/>
-                <a:ea typeface="ＭＳ Ｐゴシック" panose="020B0600070205080204" pitchFamily="34" charset="-128"/>
-              </a:rPr>
+              <a:rPr lang="en-US" dirty="0"/>
+              <a:t> </a:t>
+            </a:r>
+            <a:r>
+              <a:rPr lang="en-US" dirty="0" err="1"/>
               <a:t>đối</a:t>
             </a:r>
             <a:r>
-              <a:rPr lang="en-US" sz="2400" dirty="0">
-                <a:latin typeface="Calibri" panose="020F0502020204030204" pitchFamily="34" charset="0"/>
-                <a:ea typeface="ＭＳ Ｐゴシック" panose="020B0600070205080204" pitchFamily="34" charset="-128"/>
-              </a:rPr>
-              <a:t> </a:t>
-            </a:r>
-            <a:r>
-              <a:rPr lang="en-US" sz="2400" dirty="0" err="1">
-                <a:latin typeface="Calibri" panose="020F0502020204030204" pitchFamily="34" charset="0"/>
-                <a:ea typeface="ＭＳ Ｐゴシック" panose="020B0600070205080204" pitchFamily="34" charset="-128"/>
-              </a:rPr>
+              <a:rPr lang="en-US" dirty="0"/>
+              <a:t> </a:t>
+            </a:r>
+            <a:r>
+              <a:rPr lang="en-US" dirty="0" err="1"/>
               <a:t>với</a:t>
             </a:r>
             <a:r>
-              <a:rPr lang="en-US" sz="2400" dirty="0">
-                <a:latin typeface="Calibri" panose="020F0502020204030204" pitchFamily="34" charset="0"/>
-                <a:ea typeface="ＭＳ Ｐゴシック" panose="020B0600070205080204" pitchFamily="34" charset="-128"/>
-              </a:rPr>
-              <a:t> </a:t>
-            </a:r>
-            <a:r>
-              <a:rPr lang="en-US" sz="2400" dirty="0" err="1">
-                <a:latin typeface="Calibri" panose="020F0502020204030204" pitchFamily="34" charset="0"/>
-                <a:ea typeface="ＭＳ Ｐゴシック" panose="020B0600070205080204" pitchFamily="34" charset="-128"/>
-              </a:rPr>
+              <a:rPr lang="en-US" dirty="0"/>
+              <a:t> </a:t>
+            </a:r>
+            <a:r>
+              <a:rPr lang="en-US" dirty="0" err="1"/>
               <a:t>hàng</a:t>
             </a:r>
             <a:r>
-              <a:rPr lang="en-US" sz="2400" dirty="0">
-                <a:latin typeface="Calibri" panose="020F0502020204030204" pitchFamily="34" charset="0"/>
-                <a:ea typeface="ＭＳ Ｐゴシック" panose="020B0600070205080204" pitchFamily="34" charset="-128"/>
-              </a:rPr>
-              <a:t> </a:t>
-            </a:r>
-            <a:r>
-              <a:rPr lang="en-US" sz="2400" dirty="0" err="1">
-                <a:latin typeface="Calibri" panose="020F0502020204030204" pitchFamily="34" charset="0"/>
-                <a:ea typeface="ＭＳ Ｐゴシック" panose="020B0600070205080204" pitchFamily="34" charset="-128"/>
-              </a:rPr>
+              <a:rPr lang="en-US" dirty="0"/>
+              <a:t> </a:t>
+            </a:r>
+            <a:r>
+              <a:rPr lang="en-US" dirty="0" err="1"/>
               <a:t>đợi</a:t>
             </a:r>
             <a:r>
-              <a:rPr lang="en-US" sz="2400" dirty="0">
-                <a:latin typeface="Calibri" panose="020F0502020204030204" pitchFamily="34" charset="0"/>
-                <a:ea typeface="ＭＳ Ｐゴシック" panose="020B0600070205080204" pitchFamily="34" charset="-128"/>
-              </a:rPr>
-              <a:t> </a:t>
-            </a:r>
-            <a:r>
-              <a:rPr lang="en-US" sz="2400" dirty="0" err="1">
-                <a:latin typeface="Calibri" panose="020F0502020204030204" pitchFamily="34" charset="0"/>
-                <a:ea typeface="ＭＳ Ｐゴシック" panose="020B0600070205080204" pitchFamily="34" charset="-128"/>
-              </a:rPr>
+              <a:rPr lang="en-US" dirty="0"/>
+              <a:t> </a:t>
+            </a:r>
+            <a:r>
+              <a:rPr lang="en-US" dirty="0" err="1"/>
               <a:t>có</a:t>
             </a:r>
             <a:r>
-              <a:rPr lang="en-US" sz="2400" dirty="0">
-                <a:latin typeface="Calibri" panose="020F0502020204030204" pitchFamily="34" charset="0"/>
-                <a:ea typeface="ＭＳ Ｐゴシック" panose="020B0600070205080204" pitchFamily="34" charset="-128"/>
-              </a:rPr>
-              <a:t> </a:t>
-            </a:r>
-            <a:r>
-              <a:rPr lang="en-US" sz="2400" dirty="0" err="1">
-                <a:latin typeface="Calibri" panose="020F0502020204030204" pitchFamily="34" charset="0"/>
-                <a:ea typeface="ＭＳ Ｐゴシック" panose="020B0600070205080204" pitchFamily="34" charset="-128"/>
-              </a:rPr>
+              <a:rPr lang="en-US" dirty="0"/>
+              <a:t> </a:t>
+            </a:r>
+            <a:r>
+              <a:rPr lang="en-US" dirty="0" err="1"/>
               <a:t>mức</a:t>
             </a:r>
             <a:r>
-              <a:rPr lang="en-US" sz="2400" dirty="0">
-                <a:latin typeface="Calibri" panose="020F0502020204030204" pitchFamily="34" charset="0"/>
-                <a:ea typeface="ＭＳ Ｐゴシック" panose="020B0600070205080204" pitchFamily="34" charset="-128"/>
-              </a:rPr>
-              <a:t> </a:t>
-            </a:r>
-            <a:r>
-              <a:rPr lang="en-US" sz="2400" dirty="0" err="1">
-                <a:latin typeface="Calibri" panose="020F0502020204030204" pitchFamily="34" charset="0"/>
-                <a:ea typeface="ＭＳ Ｐゴシック" panose="020B0600070205080204" pitchFamily="34" charset="-128"/>
-              </a:rPr>
+              <a:rPr lang="en-US" dirty="0"/>
+              <a:t> </a:t>
+            </a:r>
+            <a:r>
+              <a:rPr lang="en-US" dirty="0" err="1"/>
               <a:t>ưu</a:t>
             </a:r>
             <a:r>
-              <a:rPr lang="en-US" sz="2400" dirty="0">
-                <a:latin typeface="Calibri" panose="020F0502020204030204" pitchFamily="34" charset="0"/>
-                <a:ea typeface="ＭＳ Ｐゴシック" panose="020B0600070205080204" pitchFamily="34" charset="-128"/>
-              </a:rPr>
-              <a:t> </a:t>
-            </a:r>
-            <a:r>
-              <a:rPr lang="en-US" sz="2400" dirty="0" err="1">
-                <a:latin typeface="Calibri" panose="020F0502020204030204" pitchFamily="34" charset="0"/>
-                <a:ea typeface="ＭＳ Ｐゴシック" panose="020B0600070205080204" pitchFamily="34" charset="-128"/>
-              </a:rPr>
+              <a:rPr lang="en-US" dirty="0"/>
+              <a:t> </a:t>
+            </a:r>
+            <a:r>
+              <a:rPr lang="en-US" dirty="0" err="1"/>
               <a:t>tiên</a:t>
             </a:r>
             <a:r>
-              <a:rPr lang="en-US" sz="2400" dirty="0">
-                <a:latin typeface="Calibri" panose="020F0502020204030204" pitchFamily="34" charset="0"/>
-                <a:ea typeface="ＭＳ Ｐゴシック" panose="020B0600070205080204" pitchFamily="34" charset="-128"/>
-              </a:rPr>
-              <a:t> </a:t>
-            </a:r>
-            <a:r>
-              <a:rPr lang="en-US" sz="2400" dirty="0" err="1" smtClean="0">
-                <a:latin typeface="Calibri" panose="020F0502020204030204" pitchFamily="34" charset="0"/>
-                <a:ea typeface="ＭＳ Ｐゴシック" panose="020B0600070205080204" pitchFamily="34" charset="-128"/>
-              </a:rPr>
+              <a:rPr lang="en-US" dirty="0"/>
+              <a:t> </a:t>
+            </a:r>
+            <a:r>
+              <a:rPr lang="en-US" dirty="0" err="1"/>
               <a:t>cao</a:t>
             </a:r>
-            <a:endParaRPr lang="en-US" sz="2400" dirty="0" smtClean="0">
-              <a:latin typeface="Calibri" panose="020F0502020204030204" pitchFamily="34" charset="0"/>
-              <a:ea typeface="ＭＳ Ｐゴシック" panose="020B0600070205080204" pitchFamily="34" charset="-128"/>
-            </a:endParaRPr>
-          </a:p>
-          <a:p>
-            <a:pPr lvl="1">
-              <a:spcBef>
-                <a:spcPts val="700"/>
-              </a:spcBef>
-              <a:buClr>
-                <a:srgbClr val="336699"/>
-              </a:buClr>
-              <a:buFont typeface="Wingdings" panose="05000000000000000000" pitchFamily="2" charset="2"/>
-              <a:buChar char="§"/>
-            </a:pPr>
-            <a:r>
-              <a:rPr lang="de-DE" sz="2400" dirty="0" smtClean="0">
-                <a:latin typeface="Calibri" panose="020F0502020204030204" pitchFamily="34" charset="0"/>
-                <a:ea typeface="ＭＳ Ｐゴシック" panose="020B0600070205080204" pitchFamily="34" charset="-128"/>
-              </a:rPr>
-              <a:t>Lấy </a:t>
-            </a:r>
-            <a:r>
-              <a:rPr lang="de-DE" sz="2400" dirty="0">
-                <a:latin typeface="Calibri" panose="020F0502020204030204" pitchFamily="34" charset="0"/>
-                <a:ea typeface="ＭＳ Ｐゴシック" panose="020B0600070205080204" pitchFamily="34" charset="-128"/>
-              </a:rPr>
-              <a:t>ra URL tiếp theo</a:t>
+            <a:endParaRPr lang="en-US" dirty="0"/>
+          </a:p>
+          <a:p>
+            <a:r>
+              <a:rPr lang="de-DE" dirty="0"/>
+              <a:t>Lấy ra URL tiếp theo</a:t>
             </a:r>
           </a:p>
         </p:txBody>
@@ -10245,217 +9898,169 @@
         </p:nvSpPr>
         <p:spPr bwMode="auto">
           <a:xfrm>
-            <a:off x="5148263" y="1858963"/>
+            <a:off x="5148263" y="1715542"/>
             <a:ext cx="3744912" cy="4449762"/>
           </a:xfrm>
           <a:prstGeom prst="rect">
             <a:avLst/>
           </a:prstGeom>
-          <a:noFill/>
-          <a:ln w="9525">
-            <a:noFill/>
-            <a:round/>
-            <a:headEnd/>
-            <a:tailEnd/>
-          </a:ln>
         </p:spPr>
         <p:txBody>
           <a:bodyPr/>
           <a:lstStyle>
-            <a:lvl1pPr marL="342900" indent="-342900" defTabSz="449263">
-              <a:defRPr>
-                <a:solidFill>
-                  <a:schemeClr val="tx1"/>
-                </a:solidFill>
-                <a:latin typeface="Tahoma" panose="020B0604030504040204" pitchFamily="34" charset="0"/>
-                <a:cs typeface="Tahoma" panose="020B0604030504040204" pitchFamily="34" charset="0"/>
+            <a:defPPr>
+              <a:defRPr lang="vi-VN"/>
+            </a:defPPr>
+            <a:lvl1pPr marL="342900" indent="-342900" algn="just">
+              <a:spcBef>
+                <a:spcPct val="20000"/>
+              </a:spcBef>
+              <a:buClr>
+                <a:schemeClr val="folHlink"/>
+              </a:buClr>
+              <a:buSzPct val="60000"/>
+              <a:buFont typeface="Wingdings" panose="05000000000000000000" pitchFamily="2" charset="2"/>
+              <a:buChar char="n"/>
+              <a:defRPr sz="2400">
+                <a:latin typeface="+mn-lt"/>
+                <a:cs typeface="+mn-cs"/>
               </a:defRPr>
             </a:lvl1pPr>
-            <a:lvl2pPr marL="742950" indent="-285750" defTabSz="449263">
-              <a:defRPr>
-                <a:solidFill>
-                  <a:schemeClr val="tx1"/>
-                </a:solidFill>
-                <a:latin typeface="Tahoma" panose="020B0604030504040204" pitchFamily="34" charset="0"/>
-                <a:cs typeface="Tahoma" panose="020B0604030504040204" pitchFamily="34" charset="0"/>
+            <a:lvl2pPr marL="742950" lvl="1" indent="-285750">
+              <a:spcBef>
+                <a:spcPct val="20000"/>
+              </a:spcBef>
+              <a:buClr>
+                <a:schemeClr val="hlink"/>
+              </a:buClr>
+              <a:buSzPct val="55000"/>
+              <a:buFont typeface="Wingdings" panose="05000000000000000000" pitchFamily="2" charset="2"/>
+              <a:buChar char="n"/>
+              <a:defRPr sz="2000">
+                <a:latin typeface="+mn-lt"/>
+                <a:cs typeface="+mn-cs"/>
               </a:defRPr>
             </a:lvl2pPr>
-            <a:lvl3pPr marL="1143000" indent="-228600" defTabSz="449263">
-              <a:defRPr>
-                <a:solidFill>
-                  <a:schemeClr val="tx1"/>
-                </a:solidFill>
-                <a:latin typeface="Tahoma" panose="020B0604030504040204" pitchFamily="34" charset="0"/>
-                <a:cs typeface="Tahoma" panose="020B0604030504040204" pitchFamily="34" charset="0"/>
+            <a:lvl3pPr marL="1143000" indent="-228600">
+              <a:spcBef>
+                <a:spcPct val="20000"/>
+              </a:spcBef>
+              <a:buClr>
+                <a:schemeClr val="folHlink"/>
+              </a:buClr>
+              <a:buSzPct val="50000"/>
+              <a:buFont typeface="Wingdings" panose="05000000000000000000" pitchFamily="2" charset="2"/>
+              <a:buChar char="n"/>
+              <a:defRPr sz="2000">
+                <a:latin typeface="+mn-lt"/>
+                <a:cs typeface="+mn-cs"/>
               </a:defRPr>
             </a:lvl3pPr>
-            <a:lvl4pPr marL="1600200" indent="-228600" defTabSz="449263">
+            <a:lvl4pPr marL="1600200" indent="-228600">
+              <a:spcBef>
+                <a:spcPct val="20000"/>
+              </a:spcBef>
+              <a:buClr>
+                <a:schemeClr val="accent2"/>
+              </a:buClr>
+              <a:buSzPct val="55000"/>
+              <a:buFont typeface="Wingdings" panose="05000000000000000000" pitchFamily="2" charset="2"/>
+              <a:buChar char="n"/>
               <a:defRPr>
-                <a:solidFill>
-                  <a:schemeClr val="tx1"/>
-                </a:solidFill>
-                <a:latin typeface="Tahoma" panose="020B0604030504040204" pitchFamily="34" charset="0"/>
-                <a:cs typeface="Tahoma" panose="020B0604030504040204" pitchFamily="34" charset="0"/>
+                <a:latin typeface="+mn-lt"/>
+                <a:cs typeface="+mn-cs"/>
               </a:defRPr>
             </a:lvl4pPr>
-            <a:lvl5pPr marL="2057400" indent="-228600" defTabSz="449263">
-              <a:defRPr>
-                <a:solidFill>
-                  <a:schemeClr val="tx1"/>
-                </a:solidFill>
-                <a:latin typeface="Tahoma" panose="020B0604030504040204" pitchFamily="34" charset="0"/>
-                <a:cs typeface="Tahoma" panose="020B0604030504040204" pitchFamily="34" charset="0"/>
+            <a:lvl5pPr marL="2057400" indent="-228600">
+              <a:spcBef>
+                <a:spcPct val="20000"/>
+              </a:spcBef>
+              <a:buClr>
+                <a:schemeClr val="accent1"/>
+              </a:buClr>
+              <a:buSzPct val="50000"/>
+              <a:buFont typeface="Wingdings" panose="05000000000000000000" pitchFamily="2" charset="2"/>
+              <a:buChar char="n"/>
+              <a:defRPr sz="1600">
+                <a:latin typeface="+mn-lt"/>
+                <a:cs typeface="+mn-cs"/>
               </a:defRPr>
             </a:lvl5pPr>
-            <a:lvl6pPr marL="2514600" indent="-228600" defTabSz="449263" fontAlgn="base">
+            <a:lvl6pPr marL="2514600" indent="-228600">
+              <a:lnSpc>
+                <a:spcPct val="90000"/>
+              </a:lnSpc>
               <a:spcBef>
-                <a:spcPct val="0"/>
+                <a:spcPts val="500"/>
               </a:spcBef>
-              <a:spcAft>
-                <a:spcPct val="0"/>
-              </a:spcAft>
-              <a:defRPr>
-                <a:solidFill>
-                  <a:schemeClr val="tx1"/>
-                </a:solidFill>
-                <a:latin typeface="Tahoma" panose="020B0604030504040204" pitchFamily="34" charset="0"/>
-                <a:cs typeface="Tahoma" panose="020B0604030504040204" pitchFamily="34" charset="0"/>
+              <a:buFont typeface="Arial" panose="020B0604020202020204" pitchFamily="34" charset="0"/>
+              <a:buChar char="•"/>
+              <a:defRPr sz="1800">
+                <a:latin typeface="+mn-lt"/>
+                <a:cs typeface="+mn-cs"/>
               </a:defRPr>
             </a:lvl6pPr>
-            <a:lvl7pPr marL="2971800" indent="-228600" defTabSz="449263" fontAlgn="base">
+            <a:lvl7pPr marL="2971800" indent="-228600">
+              <a:lnSpc>
+                <a:spcPct val="90000"/>
+              </a:lnSpc>
               <a:spcBef>
-                <a:spcPct val="0"/>
+                <a:spcPts val="500"/>
               </a:spcBef>
-              <a:spcAft>
-                <a:spcPct val="0"/>
-              </a:spcAft>
-              <a:defRPr>
-                <a:solidFill>
-                  <a:schemeClr val="tx1"/>
-                </a:solidFill>
-                <a:latin typeface="Tahoma" panose="020B0604030504040204" pitchFamily="34" charset="0"/>
-                <a:cs typeface="Tahoma" panose="020B0604030504040204" pitchFamily="34" charset="0"/>
+              <a:buFont typeface="Arial" panose="020B0604020202020204" pitchFamily="34" charset="0"/>
+              <a:buChar char="•"/>
+              <a:defRPr sz="1800">
+                <a:latin typeface="+mn-lt"/>
+                <a:cs typeface="+mn-cs"/>
               </a:defRPr>
             </a:lvl7pPr>
-            <a:lvl8pPr marL="3429000" indent="-228600" defTabSz="449263" fontAlgn="base">
+            <a:lvl8pPr marL="3429000" indent="-228600">
+              <a:lnSpc>
+                <a:spcPct val="90000"/>
+              </a:lnSpc>
               <a:spcBef>
-                <a:spcPct val="0"/>
+                <a:spcPts val="500"/>
               </a:spcBef>
-              <a:spcAft>
-                <a:spcPct val="0"/>
-              </a:spcAft>
-              <a:defRPr>
-                <a:solidFill>
-                  <a:schemeClr val="tx1"/>
-                </a:solidFill>
-                <a:latin typeface="Tahoma" panose="020B0604030504040204" pitchFamily="34" charset="0"/>
-                <a:cs typeface="Tahoma" panose="020B0604030504040204" pitchFamily="34" charset="0"/>
+              <a:buFont typeface="Arial" panose="020B0604020202020204" pitchFamily="34" charset="0"/>
+              <a:buChar char="•"/>
+              <a:defRPr sz="1800">
+                <a:latin typeface="+mn-lt"/>
+                <a:cs typeface="+mn-cs"/>
               </a:defRPr>
             </a:lvl8pPr>
-            <a:lvl9pPr marL="3886200" indent="-228600" defTabSz="449263" fontAlgn="base">
+            <a:lvl9pPr marL="3886200" indent="-228600">
+              <a:lnSpc>
+                <a:spcPct val="90000"/>
+              </a:lnSpc>
               <a:spcBef>
-                <a:spcPct val="0"/>
+                <a:spcPts val="500"/>
               </a:spcBef>
-              <a:spcAft>
-                <a:spcPct val="0"/>
-              </a:spcAft>
-              <a:defRPr>
-                <a:solidFill>
-                  <a:schemeClr val="tx1"/>
-                </a:solidFill>
-                <a:latin typeface="Tahoma" panose="020B0604030504040204" pitchFamily="34" charset="0"/>
-                <a:cs typeface="Tahoma" panose="020B0604030504040204" pitchFamily="34" charset="0"/>
+              <a:buFont typeface="Arial" panose="020B0604020202020204" pitchFamily="34" charset="0"/>
+              <a:buChar char="•"/>
+              <a:defRPr sz="1800">
+                <a:latin typeface="+mn-lt"/>
+                <a:cs typeface="+mn-cs"/>
               </a:defRPr>
             </a:lvl9pPr>
           </a:lstStyle>
           <a:p>
-            <a:pPr>
-              <a:spcBef>
-                <a:spcPts val="700"/>
-              </a:spcBef>
-              <a:buClr>
-                <a:srgbClr val="336699"/>
-              </a:buClr>
-            </a:pPr>
-            <a:endParaRPr lang="de-DE" sz="2400">
-              <a:latin typeface="Calibri" panose="020F0502020204030204" pitchFamily="34" charset="0"/>
-              <a:ea typeface="ＭＳ Ｐゴシック" panose="020B0600070205080204" pitchFamily="34" charset="-128"/>
-            </a:endParaRPr>
-          </a:p>
-          <a:p>
-            <a:pPr>
-              <a:spcBef>
-                <a:spcPts val="700"/>
-              </a:spcBef>
-              <a:buClr>
-                <a:srgbClr val="336699"/>
-              </a:buClr>
-              <a:buFont typeface="Wingdings" panose="05000000000000000000" pitchFamily="2" charset="2"/>
-              <a:buChar char="§"/>
-            </a:pPr>
-            <a:r>
-              <a:rPr lang="de-DE" sz="2400">
-                <a:solidFill>
-                  <a:srgbClr val="0070C0"/>
-                </a:solidFill>
-                <a:latin typeface="Calibri" panose="020F0502020204030204" pitchFamily="34" charset="0"/>
-                <a:ea typeface="ＭＳ Ｐゴシック" panose="020B0600070205080204" pitchFamily="34" charset="-128"/>
-              </a:rPr>
-              <a:t>Nguyên tắc 1.</a:t>
-            </a:r>
-            <a:r>
-              <a:rPr lang="de-DE" sz="2400">
-                <a:latin typeface="Calibri" panose="020F0502020204030204" pitchFamily="34" charset="0"/>
-                <a:ea typeface="ＭＳ Ｐゴシック" panose="020B0600070205080204" pitchFamily="34" charset="-128"/>
-              </a:rPr>
-              <a:t> Mỗi hàng đợi phía sau được đảm bảo khác rỗng cho tới khi kết thúc thu thập.</a:t>
-            </a:r>
-          </a:p>
-          <a:p>
-            <a:pPr>
-              <a:spcBef>
-                <a:spcPts val="700"/>
-              </a:spcBef>
-              <a:buClr>
-                <a:srgbClr val="336699"/>
-              </a:buClr>
-              <a:buFont typeface="Wingdings" panose="05000000000000000000" pitchFamily="2" charset="2"/>
-              <a:buChar char="§"/>
-            </a:pPr>
-            <a:r>
-              <a:rPr lang="de-DE" sz="2400">
-                <a:solidFill>
-                  <a:srgbClr val="0070C0"/>
-                </a:solidFill>
-                <a:latin typeface="Calibri" panose="020F0502020204030204" pitchFamily="34" charset="0"/>
-                <a:ea typeface="ＭＳ Ｐゴシック" panose="020B0600070205080204" pitchFamily="34" charset="-128"/>
-              </a:rPr>
-              <a:t>Nguyên tắc 2</a:t>
-            </a:r>
-            <a:r>
-              <a:rPr lang="de-DE" sz="2400">
-                <a:latin typeface="Calibri" panose="020F0502020204030204" pitchFamily="34" charset="0"/>
-                <a:ea typeface="ＭＳ Ｐゴシック" panose="020B0600070205080204" pitchFamily="34" charset="-128"/>
-              </a:rPr>
-              <a:t>. Mỗi hàng đợi phía sau chỉ chứa những URL từ một máy chủ.</a:t>
-            </a:r>
-          </a:p>
-          <a:p>
-            <a:pPr>
-              <a:spcBef>
-                <a:spcPts val="700"/>
-              </a:spcBef>
-              <a:buClr>
-                <a:srgbClr val="336699"/>
-              </a:buClr>
-              <a:buFont typeface="Wingdings" panose="05000000000000000000" pitchFamily="2" charset="2"/>
-              <a:buChar char="§"/>
-            </a:pPr>
-            <a:r>
-              <a:rPr lang="de-DE" sz="2400">
-                <a:latin typeface="Calibri" panose="020F0502020204030204" pitchFamily="34" charset="0"/>
-                <a:ea typeface="ＭＳ Ｐゴシック" panose="020B0600070205080204" pitchFamily="34" charset="-128"/>
-              </a:rPr>
+            <a:endParaRPr lang="de-DE" dirty="0"/>
+          </a:p>
+          <a:p>
+            <a:r>
+              <a:rPr lang="de-DE" dirty="0"/>
+              <a:t>Nguyên tắc 1. Mỗi hàng đợi phía sau được đảm bảo khác rỗng cho tới khi kết thúc thu thập.</a:t>
+            </a:r>
+          </a:p>
+          <a:p>
+            <a:r>
+              <a:rPr lang="de-DE" dirty="0"/>
+              <a:t>Nguyên tắc 2. Mỗi hàng đợi phía sau chỉ chứa những URL từ một máy chủ.</a:t>
+            </a:r>
+          </a:p>
+          <a:p>
+            <a:r>
+              <a:rPr lang="de-DE" dirty="0"/>
               <a:t>Duy trì một bảng tham chiếu các máy chủ tới các hàng đợi phía sau.</a:t>
             </a:r>
           </a:p>
@@ -10623,358 +10228,242 @@
           <a:prstGeom prst="rect">
             <a:avLst/>
           </a:prstGeom>
-          <a:noFill/>
-          <a:ln w="9525">
-            <a:noFill/>
-            <a:round/>
-            <a:headEnd/>
-            <a:tailEnd/>
-          </a:ln>
         </p:spPr>
         <p:txBody>
           <a:bodyPr/>
           <a:lstStyle>
-            <a:lvl1pPr marL="342900" indent="-342900" defTabSz="449263">
-              <a:defRPr>
-                <a:solidFill>
-                  <a:schemeClr val="tx1"/>
-                </a:solidFill>
-                <a:latin typeface="Tahoma" panose="020B0604030504040204" pitchFamily="34" charset="0"/>
-                <a:cs typeface="Tahoma" panose="020B0604030504040204" pitchFamily="34" charset="0"/>
+            <a:defPPr>
+              <a:defRPr lang="vi-VN"/>
+            </a:defPPr>
+            <a:lvl1pPr marL="342900" indent="-342900" algn="just">
+              <a:spcBef>
+                <a:spcPct val="20000"/>
+              </a:spcBef>
+              <a:buClr>
+                <a:schemeClr val="folHlink"/>
+              </a:buClr>
+              <a:buSzPct val="60000"/>
+              <a:buFont typeface="Wingdings" panose="05000000000000000000" pitchFamily="2" charset="2"/>
+              <a:buChar char="n"/>
+              <a:defRPr sz="2400">
+                <a:latin typeface="+mn-lt"/>
+                <a:cs typeface="+mn-cs"/>
               </a:defRPr>
             </a:lvl1pPr>
-            <a:lvl2pPr marL="742950" indent="-285750" defTabSz="449263">
-              <a:defRPr>
-                <a:solidFill>
-                  <a:schemeClr val="tx1"/>
-                </a:solidFill>
-                <a:latin typeface="Tahoma" panose="020B0604030504040204" pitchFamily="34" charset="0"/>
-                <a:cs typeface="Tahoma" panose="020B0604030504040204" pitchFamily="34" charset="0"/>
+            <a:lvl2pPr marL="742950" lvl="1" indent="-285750">
+              <a:spcBef>
+                <a:spcPct val="20000"/>
+              </a:spcBef>
+              <a:buClr>
+                <a:schemeClr val="hlink"/>
+              </a:buClr>
+              <a:buSzPct val="55000"/>
+              <a:buFont typeface="Wingdings" panose="05000000000000000000" pitchFamily="2" charset="2"/>
+              <a:buChar char="n"/>
+              <a:defRPr sz="2000">
+                <a:latin typeface="+mn-lt"/>
+                <a:cs typeface="+mn-cs"/>
               </a:defRPr>
             </a:lvl2pPr>
-            <a:lvl3pPr marL="1143000" indent="-228600" defTabSz="449263">
-              <a:defRPr>
-                <a:solidFill>
-                  <a:schemeClr val="tx1"/>
-                </a:solidFill>
-                <a:latin typeface="Tahoma" panose="020B0604030504040204" pitchFamily="34" charset="0"/>
-                <a:cs typeface="Tahoma" panose="020B0604030504040204" pitchFamily="34" charset="0"/>
+            <a:lvl3pPr marL="1143000" indent="-228600">
+              <a:spcBef>
+                <a:spcPct val="20000"/>
+              </a:spcBef>
+              <a:buClr>
+                <a:schemeClr val="folHlink"/>
+              </a:buClr>
+              <a:buSzPct val="50000"/>
+              <a:buFont typeface="Wingdings" panose="05000000000000000000" pitchFamily="2" charset="2"/>
+              <a:buChar char="n"/>
+              <a:defRPr sz="2000">
+                <a:latin typeface="+mn-lt"/>
+                <a:cs typeface="+mn-cs"/>
               </a:defRPr>
             </a:lvl3pPr>
-            <a:lvl4pPr marL="1600200" indent="-228600" defTabSz="449263">
+            <a:lvl4pPr marL="1600200" indent="-228600">
+              <a:spcBef>
+                <a:spcPct val="20000"/>
+              </a:spcBef>
+              <a:buClr>
+                <a:schemeClr val="accent2"/>
+              </a:buClr>
+              <a:buSzPct val="55000"/>
+              <a:buFont typeface="Wingdings" panose="05000000000000000000" pitchFamily="2" charset="2"/>
+              <a:buChar char="n"/>
               <a:defRPr>
-                <a:solidFill>
-                  <a:schemeClr val="tx1"/>
-                </a:solidFill>
-                <a:latin typeface="Tahoma" panose="020B0604030504040204" pitchFamily="34" charset="0"/>
-                <a:cs typeface="Tahoma" panose="020B0604030504040204" pitchFamily="34" charset="0"/>
+                <a:latin typeface="+mn-lt"/>
+                <a:cs typeface="+mn-cs"/>
               </a:defRPr>
             </a:lvl4pPr>
-            <a:lvl5pPr marL="2057400" indent="-228600" defTabSz="449263">
-              <a:defRPr>
-                <a:solidFill>
-                  <a:schemeClr val="tx1"/>
-                </a:solidFill>
-                <a:latin typeface="Tahoma" panose="020B0604030504040204" pitchFamily="34" charset="0"/>
-                <a:cs typeface="Tahoma" panose="020B0604030504040204" pitchFamily="34" charset="0"/>
+            <a:lvl5pPr marL="2057400" indent="-228600">
+              <a:spcBef>
+                <a:spcPct val="20000"/>
+              </a:spcBef>
+              <a:buClr>
+                <a:schemeClr val="accent1"/>
+              </a:buClr>
+              <a:buSzPct val="50000"/>
+              <a:buFont typeface="Wingdings" panose="05000000000000000000" pitchFamily="2" charset="2"/>
+              <a:buChar char="n"/>
+              <a:defRPr sz="1600">
+                <a:latin typeface="+mn-lt"/>
+                <a:cs typeface="+mn-cs"/>
               </a:defRPr>
             </a:lvl5pPr>
-            <a:lvl6pPr marL="2514600" indent="-228600" defTabSz="449263" fontAlgn="base">
+            <a:lvl6pPr marL="2514600" indent="-228600">
+              <a:lnSpc>
+                <a:spcPct val="90000"/>
+              </a:lnSpc>
               <a:spcBef>
-                <a:spcPct val="0"/>
+                <a:spcPts val="500"/>
               </a:spcBef>
-              <a:spcAft>
-                <a:spcPct val="0"/>
-              </a:spcAft>
-              <a:defRPr>
-                <a:solidFill>
-                  <a:schemeClr val="tx1"/>
-                </a:solidFill>
-                <a:latin typeface="Tahoma" panose="020B0604030504040204" pitchFamily="34" charset="0"/>
-                <a:cs typeface="Tahoma" panose="020B0604030504040204" pitchFamily="34" charset="0"/>
+              <a:buFont typeface="Arial" panose="020B0604020202020204" pitchFamily="34" charset="0"/>
+              <a:buChar char="•"/>
+              <a:defRPr sz="1800">
+                <a:latin typeface="+mn-lt"/>
+                <a:cs typeface="+mn-cs"/>
               </a:defRPr>
             </a:lvl6pPr>
-            <a:lvl7pPr marL="2971800" indent="-228600" defTabSz="449263" fontAlgn="base">
+            <a:lvl7pPr marL="2971800" indent="-228600">
+              <a:lnSpc>
+                <a:spcPct val="90000"/>
+              </a:lnSpc>
               <a:spcBef>
-                <a:spcPct val="0"/>
+                <a:spcPts val="500"/>
               </a:spcBef>
-              <a:spcAft>
-                <a:spcPct val="0"/>
-              </a:spcAft>
-              <a:defRPr>
-                <a:solidFill>
-                  <a:schemeClr val="tx1"/>
-                </a:solidFill>
-                <a:latin typeface="Tahoma" panose="020B0604030504040204" pitchFamily="34" charset="0"/>
-                <a:cs typeface="Tahoma" panose="020B0604030504040204" pitchFamily="34" charset="0"/>
+              <a:buFont typeface="Arial" panose="020B0604020202020204" pitchFamily="34" charset="0"/>
+              <a:buChar char="•"/>
+              <a:defRPr sz="1800">
+                <a:latin typeface="+mn-lt"/>
+                <a:cs typeface="+mn-cs"/>
               </a:defRPr>
             </a:lvl7pPr>
-            <a:lvl8pPr marL="3429000" indent="-228600" defTabSz="449263" fontAlgn="base">
+            <a:lvl8pPr marL="3429000" indent="-228600">
+              <a:lnSpc>
+                <a:spcPct val="90000"/>
+              </a:lnSpc>
               <a:spcBef>
-                <a:spcPct val="0"/>
+                <a:spcPts val="500"/>
               </a:spcBef>
-              <a:spcAft>
-                <a:spcPct val="0"/>
-              </a:spcAft>
-              <a:defRPr>
-                <a:solidFill>
-                  <a:schemeClr val="tx1"/>
-                </a:solidFill>
-                <a:latin typeface="Tahoma" panose="020B0604030504040204" pitchFamily="34" charset="0"/>
-                <a:cs typeface="Tahoma" panose="020B0604030504040204" pitchFamily="34" charset="0"/>
+              <a:buFont typeface="Arial" panose="020B0604020202020204" pitchFamily="34" charset="0"/>
+              <a:buChar char="•"/>
+              <a:defRPr sz="1800">
+                <a:latin typeface="+mn-lt"/>
+                <a:cs typeface="+mn-cs"/>
               </a:defRPr>
             </a:lvl8pPr>
-            <a:lvl9pPr marL="3886200" indent="-228600" defTabSz="449263" fontAlgn="base">
+            <a:lvl9pPr marL="3886200" indent="-228600">
+              <a:lnSpc>
+                <a:spcPct val="90000"/>
+              </a:lnSpc>
               <a:spcBef>
-                <a:spcPct val="0"/>
+                <a:spcPts val="500"/>
               </a:spcBef>
-              <a:spcAft>
-                <a:spcPct val="0"/>
-              </a:spcAft>
-              <a:defRPr>
-                <a:solidFill>
-                  <a:schemeClr val="tx1"/>
-                </a:solidFill>
-                <a:latin typeface="Tahoma" panose="020B0604030504040204" pitchFamily="34" charset="0"/>
-                <a:cs typeface="Tahoma" panose="020B0604030504040204" pitchFamily="34" charset="0"/>
+              <a:buFont typeface="Arial" panose="020B0604020202020204" pitchFamily="34" charset="0"/>
+              <a:buChar char="•"/>
+              <a:defRPr sz="1800">
+                <a:latin typeface="+mn-lt"/>
+                <a:cs typeface="+mn-cs"/>
               </a:defRPr>
             </a:lvl9pPr>
           </a:lstStyle>
           <a:p>
-            <a:pPr>
-              <a:spcBef>
-                <a:spcPts val="700"/>
-              </a:spcBef>
-              <a:buClr>
-                <a:srgbClr val="336699"/>
-              </a:buClr>
-              <a:buFont typeface="Wingdings" panose="05000000000000000000" pitchFamily="2" charset="2"/>
-              <a:buChar char="§"/>
-            </a:pPr>
-            <a:r>
-              <a:rPr lang="de-DE" sz="2400" dirty="0">
-                <a:latin typeface="Calibri" panose="020F0502020204030204" pitchFamily="34" charset="0"/>
-                <a:ea typeface="ＭＳ Ｐゴシック" panose="020B0600070205080204" pitchFamily="34" charset="-128"/>
-              </a:rPr>
+            <a:r>
+              <a:rPr lang="de-DE" dirty="0"/>
               <a:t>Hệ thống còn lưu trong bộ nhớ heap một thời gian đợi cho mỗi hàng đợi phía sau</a:t>
             </a:r>
           </a:p>
           <a:p>
-            <a:pPr>
-              <a:spcBef>
-                <a:spcPts val="700"/>
-              </a:spcBef>
-              <a:buClr>
-                <a:srgbClr val="336699"/>
-              </a:buClr>
-              <a:buFont typeface="Wingdings" panose="05000000000000000000" pitchFamily="2" charset="2"/>
-              <a:buChar char="§"/>
-            </a:pPr>
-            <a:r>
-              <a:rPr lang="de-DE" sz="2400" dirty="0">
-                <a:latin typeface="Calibri" panose="020F0502020204030204" pitchFamily="34" charset="0"/>
-                <a:ea typeface="ＭＳ Ｐゴシック" panose="020B0600070205080204" pitchFamily="34" charset="-128"/>
-              </a:rPr>
-              <a:t>Thời gian đợi là thời gian t</a:t>
-            </a:r>
-            <a:r>
-              <a:rPr lang="de-DE" sz="2400" i="1" baseline="-25000" dirty="0">
-                <a:latin typeface="Calibri" panose="020F0502020204030204" pitchFamily="34" charset="0"/>
-                <a:ea typeface="ＭＳ Ｐゴシック" panose="020B0600070205080204" pitchFamily="34" charset="-128"/>
-              </a:rPr>
-              <a:t>e</a:t>
-            </a:r>
-            <a:r>
-              <a:rPr lang="de-DE" sz="2400" dirty="0">
-                <a:latin typeface="Calibri" panose="020F0502020204030204" pitchFamily="34" charset="0"/>
-                <a:ea typeface="ＭＳ Ｐゴシック" panose="020B0600070205080204" pitchFamily="34" charset="-128"/>
-              </a:rPr>
-              <a:t> sớm nhất có thể gửi yêu cầu tới máy chủ tương ứng của hàng đợi phía sau.</a:t>
-            </a:r>
-          </a:p>
-          <a:p>
-            <a:pPr>
-              <a:spcBef>
-                <a:spcPts val="700"/>
-              </a:spcBef>
-              <a:buClr>
-                <a:srgbClr val="336699"/>
-              </a:buClr>
-              <a:buFont typeface="Wingdings" panose="05000000000000000000" pitchFamily="2" charset="2"/>
-              <a:buChar char="§"/>
-            </a:pPr>
-            <a:r>
-              <a:rPr lang="en-US" sz="2400" dirty="0" err="1">
-                <a:latin typeface="Calibri" panose="020F0502020204030204" pitchFamily="34" charset="0"/>
-                <a:ea typeface="ＭＳ Ｐゴシック" panose="020B0600070205080204" pitchFamily="34" charset="-128"/>
-              </a:rPr>
+            <a:r>
+              <a:rPr lang="de-DE" dirty="0"/>
+              <a:t>Thời gian đợi là thời gian te sớm nhất có thể gửi yêu cầu tới máy chủ tương ứng của hàng đợi phía sau.</a:t>
+            </a:r>
+          </a:p>
+          <a:p>
+            <a:r>
+              <a:rPr lang="en-US" dirty="0" err="1"/>
               <a:t>Thời</a:t>
             </a:r>
             <a:r>
-              <a:rPr lang="en-US" sz="2400" dirty="0">
-                <a:latin typeface="Calibri" panose="020F0502020204030204" pitchFamily="34" charset="0"/>
-                <a:ea typeface="ＭＳ Ｐゴシック" panose="020B0600070205080204" pitchFamily="34" charset="-128"/>
-              </a:rPr>
-              <a:t> </a:t>
-            </a:r>
-            <a:r>
-              <a:rPr lang="en-US" sz="2400" dirty="0" err="1">
-                <a:latin typeface="Calibri" panose="020F0502020204030204" pitchFamily="34" charset="0"/>
-                <a:ea typeface="ＭＳ Ｐゴシック" panose="020B0600070205080204" pitchFamily="34" charset="-128"/>
-              </a:rPr>
+              <a:rPr lang="en-US" dirty="0"/>
+              <a:t> </a:t>
+            </a:r>
+            <a:r>
+              <a:rPr lang="en-US" dirty="0" err="1"/>
               <a:t>gian</a:t>
             </a:r>
             <a:r>
-              <a:rPr lang="en-US" sz="2400" dirty="0">
-                <a:latin typeface="Calibri" panose="020F0502020204030204" pitchFamily="34" charset="0"/>
-                <a:ea typeface="ＭＳ Ｐゴシック" panose="020B0600070205080204" pitchFamily="34" charset="-128"/>
-              </a:rPr>
-              <a:t> </a:t>
-            </a:r>
-            <a:r>
-              <a:rPr lang="en-US" sz="2400" dirty="0" err="1">
-                <a:latin typeface="Calibri" panose="020F0502020204030204" pitchFamily="34" charset="0"/>
-                <a:ea typeface="ＭＳ Ｐゴシック" panose="020B0600070205080204" pitchFamily="34" charset="-128"/>
-              </a:rPr>
-              <a:t>t</a:t>
-            </a:r>
-            <a:r>
-              <a:rPr lang="en-US" sz="2400" i="1" baseline="-25000" dirty="0" err="1">
-                <a:latin typeface="Calibri" panose="020F0502020204030204" pitchFamily="34" charset="0"/>
-                <a:ea typeface="ＭＳ Ｐゴシック" panose="020B0600070205080204" pitchFamily="34" charset="-128"/>
-              </a:rPr>
-              <a:t>e</a:t>
-            </a:r>
-            <a:r>
-              <a:rPr lang="en-US" sz="2400" dirty="0">
-                <a:latin typeface="Calibri" panose="020F0502020204030204" pitchFamily="34" charset="0"/>
-                <a:ea typeface="ＭＳ Ｐゴシック" panose="020B0600070205080204" pitchFamily="34" charset="-128"/>
-              </a:rPr>
-              <a:t> </a:t>
-            </a:r>
-            <a:r>
-              <a:rPr lang="en-US" sz="2400" dirty="0" err="1">
-                <a:latin typeface="Calibri" panose="020F0502020204030204" pitchFamily="34" charset="0"/>
-                <a:ea typeface="ＭＳ Ｐゴシック" panose="020B0600070205080204" pitchFamily="34" charset="-128"/>
-              </a:rPr>
+              <a:rPr lang="en-US" dirty="0"/>
+              <a:t> </a:t>
+            </a:r>
+            <a:r>
+              <a:rPr lang="en-US" dirty="0" err="1"/>
+              <a:t>te</a:t>
+            </a:r>
+            <a:r>
+              <a:rPr lang="en-US" dirty="0"/>
+              <a:t> </a:t>
+            </a:r>
+            <a:r>
+              <a:rPr lang="en-US" dirty="0" err="1"/>
               <a:t>sớm</a:t>
             </a:r>
             <a:r>
-              <a:rPr lang="en-US" sz="2400" dirty="0">
-                <a:latin typeface="Calibri" panose="020F0502020204030204" pitchFamily="34" charset="0"/>
-                <a:ea typeface="ＭＳ Ｐゴシック" panose="020B0600070205080204" pitchFamily="34" charset="-128"/>
-              </a:rPr>
-              <a:t> </a:t>
-            </a:r>
-            <a:r>
-              <a:rPr lang="en-US" sz="2400" dirty="0" err="1">
-                <a:latin typeface="Calibri" panose="020F0502020204030204" pitchFamily="34" charset="0"/>
-                <a:ea typeface="ＭＳ Ｐゴシック" panose="020B0600070205080204" pitchFamily="34" charset="-128"/>
-              </a:rPr>
+              <a:rPr lang="en-US" dirty="0"/>
+              <a:t> </a:t>
+            </a:r>
+            <a:r>
+              <a:rPr lang="en-US" dirty="0" err="1"/>
               <a:t>nhất</a:t>
             </a:r>
             <a:r>
-              <a:rPr lang="en-US" sz="2400" dirty="0">
-                <a:latin typeface="Calibri" panose="020F0502020204030204" pitchFamily="34" charset="0"/>
-                <a:ea typeface="ＭＳ Ｐゴシック" panose="020B0600070205080204" pitchFamily="34" charset="-128"/>
-              </a:rPr>
-              <a:t> </a:t>
-            </a:r>
-            <a:r>
-              <a:rPr lang="en-US" sz="2400" dirty="0" err="1">
-                <a:latin typeface="Calibri" panose="020F0502020204030204" pitchFamily="34" charset="0"/>
-                <a:ea typeface="ＭＳ Ｐゴシック" panose="020B0600070205080204" pitchFamily="34" charset="-128"/>
-              </a:rPr>
+              <a:rPr lang="en-US" dirty="0"/>
+              <a:t> </a:t>
+            </a:r>
+            <a:r>
+              <a:rPr lang="en-US" dirty="0" err="1"/>
               <a:t>được</a:t>
             </a:r>
             <a:r>
-              <a:rPr lang="en-US" sz="2400" dirty="0">
-                <a:latin typeface="Calibri" panose="020F0502020204030204" pitchFamily="34" charset="0"/>
-                <a:ea typeface="ＭＳ Ｐゴシック" panose="020B0600070205080204" pitchFamily="34" charset="-128"/>
-              </a:rPr>
-              <a:t> </a:t>
-            </a:r>
-            <a:r>
-              <a:rPr lang="en-US" sz="2400" dirty="0" err="1">
-                <a:latin typeface="Calibri" panose="020F0502020204030204" pitchFamily="34" charset="0"/>
-                <a:ea typeface="ＭＳ Ｐゴシック" panose="020B0600070205080204" pitchFamily="34" charset="-128"/>
-              </a:rPr>
+              <a:rPr lang="en-US" dirty="0"/>
+              <a:t> </a:t>
+            </a:r>
+            <a:r>
+              <a:rPr lang="en-US" dirty="0" err="1"/>
               <a:t>xác</a:t>
             </a:r>
             <a:r>
-              <a:rPr lang="en-US" sz="2400" dirty="0">
-                <a:latin typeface="Calibri" panose="020F0502020204030204" pitchFamily="34" charset="0"/>
-                <a:ea typeface="ＭＳ Ｐゴシック" panose="020B0600070205080204" pitchFamily="34" charset="-128"/>
-              </a:rPr>
-              <a:t> </a:t>
-            </a:r>
-            <a:r>
-              <a:rPr lang="en-US" sz="2400" dirty="0" err="1">
-                <a:latin typeface="Calibri" panose="020F0502020204030204" pitchFamily="34" charset="0"/>
-                <a:ea typeface="ＭＳ Ｐゴシック" panose="020B0600070205080204" pitchFamily="34" charset="-128"/>
-              </a:rPr>
+              <a:rPr lang="en-US" dirty="0"/>
+              <a:t> </a:t>
+            </a:r>
+            <a:r>
+              <a:rPr lang="en-US" dirty="0" err="1"/>
               <a:t>định</a:t>
             </a:r>
             <a:r>
-              <a:rPr lang="en-US" sz="2400" dirty="0">
-                <a:latin typeface="Calibri" panose="020F0502020204030204" pitchFamily="34" charset="0"/>
-                <a:ea typeface="ＭＳ Ｐゴシック" panose="020B0600070205080204" pitchFamily="34" charset="-128"/>
-              </a:rPr>
-              <a:t> </a:t>
-            </a:r>
-            <a:r>
-              <a:rPr lang="en-US" sz="2400" dirty="0" err="1" smtClean="0">
-                <a:latin typeface="Calibri" panose="020F0502020204030204" pitchFamily="34" charset="0"/>
-                <a:ea typeface="ＭＳ Ｐゴシック" panose="020B0600070205080204" pitchFamily="34" charset="-128"/>
-              </a:rPr>
+              <a:rPr lang="en-US" dirty="0"/>
+              <a:t> </a:t>
+            </a:r>
+            <a:r>
+              <a:rPr lang="en-US" dirty="0" err="1"/>
               <a:t>dựa</a:t>
             </a:r>
             <a:r>
-              <a:rPr lang="en-US" sz="2400" dirty="0" smtClean="0">
-                <a:latin typeface="Calibri" panose="020F0502020204030204" pitchFamily="34" charset="0"/>
-                <a:ea typeface="ＭＳ Ｐゴシック" panose="020B0600070205080204" pitchFamily="34" charset="-128"/>
-              </a:rPr>
-              <a:t> </a:t>
-            </a:r>
-            <a:r>
-              <a:rPr lang="en-US" sz="2400" dirty="0" err="1" smtClean="0">
-                <a:latin typeface="Calibri" panose="020F0502020204030204" pitchFamily="34" charset="0"/>
-                <a:ea typeface="ＭＳ Ｐゴシック" panose="020B0600070205080204" pitchFamily="34" charset="-128"/>
-              </a:rPr>
+              <a:rPr lang="en-US" dirty="0"/>
+              <a:t> </a:t>
+            </a:r>
+            <a:r>
+              <a:rPr lang="en-US" dirty="0" err="1"/>
               <a:t>trên</a:t>
             </a:r>
             <a:r>
-              <a:rPr lang="en-US" sz="2400" dirty="0" smtClean="0">
-                <a:latin typeface="Calibri" panose="020F0502020204030204" pitchFamily="34" charset="0"/>
-                <a:ea typeface="ＭＳ Ｐゴシック" panose="020B0600070205080204" pitchFamily="34" charset="-128"/>
-              </a:rPr>
-              <a:t> </a:t>
-            </a:r>
-            <a:r>
-              <a:rPr lang="de-DE" sz="2400" dirty="0" smtClean="0">
-                <a:latin typeface="Calibri" panose="020F0502020204030204" pitchFamily="34" charset="0"/>
-                <a:ea typeface="ＭＳ Ｐゴシック" panose="020B0600070205080204" pitchFamily="34" charset="-128"/>
-              </a:rPr>
-              <a:t>thời </a:t>
-            </a:r>
-            <a:r>
-              <a:rPr lang="de-DE" sz="2400" dirty="0">
-                <a:latin typeface="Calibri" panose="020F0502020204030204" pitchFamily="34" charset="0"/>
-                <a:ea typeface="ＭＳ Ｐゴシック" panose="020B0600070205080204" pitchFamily="34" charset="-128"/>
-              </a:rPr>
-              <a:t>gian </a:t>
-            </a:r>
-            <a:r>
-              <a:rPr lang="de-DE" sz="2400" dirty="0" smtClean="0">
-                <a:latin typeface="Calibri" panose="020F0502020204030204" pitchFamily="34" charset="0"/>
-                <a:ea typeface="ＭＳ Ｐゴシック" panose="020B0600070205080204" pitchFamily="34" charset="-128"/>
-              </a:rPr>
-              <a:t>xử lý cuối cùng.</a:t>
-            </a:r>
-            <a:endParaRPr lang="de-DE" sz="2400" dirty="0">
-              <a:latin typeface="Calibri" panose="020F0502020204030204" pitchFamily="34" charset="0"/>
-              <a:ea typeface="ＭＳ Ｐゴシック" panose="020B0600070205080204" pitchFamily="34" charset="-128"/>
-            </a:endParaRPr>
+              <a:rPr lang="en-US" dirty="0"/>
+              <a:t> </a:t>
+            </a:r>
+            <a:r>
+              <a:rPr lang="de-DE" dirty="0"/>
+              <a:t>thời gian xử lý cuối cùng.</a:t>
+            </a:r>
           </a:p>
         </p:txBody>
       </p:sp>
@@ -11140,379 +10629,244 @@
           <a:prstGeom prst="rect">
             <a:avLst/>
           </a:prstGeom>
-          <a:noFill/>
-          <a:ln w="9525">
-            <a:noFill/>
-            <a:round/>
-            <a:headEnd/>
-            <a:tailEnd/>
-          </a:ln>
         </p:spPr>
         <p:txBody>
           <a:bodyPr/>
           <a:lstStyle>
-            <a:lvl1pPr marL="342900" indent="-342900" defTabSz="449263">
-              <a:defRPr>
-                <a:solidFill>
-                  <a:schemeClr val="tx1"/>
-                </a:solidFill>
-                <a:latin typeface="Tahoma" panose="020B0604030504040204" pitchFamily="34" charset="0"/>
-                <a:cs typeface="Tahoma" panose="020B0604030504040204" pitchFamily="34" charset="0"/>
+            <a:defPPr>
+              <a:defRPr lang="vi-VN"/>
+            </a:defPPr>
+            <a:lvl1pPr marL="342900" indent="-342900" algn="just">
+              <a:spcBef>
+                <a:spcPct val="20000"/>
+              </a:spcBef>
+              <a:buClr>
+                <a:schemeClr val="folHlink"/>
+              </a:buClr>
+              <a:buSzPct val="60000"/>
+              <a:buFont typeface="Wingdings" panose="05000000000000000000" pitchFamily="2" charset="2"/>
+              <a:buChar char="n"/>
+              <a:defRPr sz="2400">
+                <a:latin typeface="+mn-lt"/>
+                <a:cs typeface="+mn-cs"/>
               </a:defRPr>
             </a:lvl1pPr>
-            <a:lvl2pPr marL="742950" indent="-285750" defTabSz="449263">
-              <a:defRPr>
-                <a:solidFill>
-                  <a:schemeClr val="tx1"/>
-                </a:solidFill>
-                <a:latin typeface="Tahoma" panose="020B0604030504040204" pitchFamily="34" charset="0"/>
-                <a:cs typeface="Tahoma" panose="020B0604030504040204" pitchFamily="34" charset="0"/>
+            <a:lvl2pPr marL="742950" lvl="1" indent="-285750">
+              <a:spcBef>
+                <a:spcPct val="20000"/>
+              </a:spcBef>
+              <a:buClr>
+                <a:schemeClr val="hlink"/>
+              </a:buClr>
+              <a:buSzPct val="55000"/>
+              <a:buFont typeface="Wingdings" panose="05000000000000000000" pitchFamily="2" charset="2"/>
+              <a:buChar char="n"/>
+              <a:defRPr sz="2000">
+                <a:latin typeface="+mn-lt"/>
+                <a:cs typeface="+mn-cs"/>
               </a:defRPr>
             </a:lvl2pPr>
-            <a:lvl3pPr marL="1143000" indent="-228600" defTabSz="449263">
-              <a:defRPr>
-                <a:solidFill>
-                  <a:schemeClr val="tx1"/>
-                </a:solidFill>
-                <a:latin typeface="Tahoma" panose="020B0604030504040204" pitchFamily="34" charset="0"/>
-                <a:cs typeface="Tahoma" panose="020B0604030504040204" pitchFamily="34" charset="0"/>
+            <a:lvl3pPr marL="1143000" indent="-228600">
+              <a:spcBef>
+                <a:spcPct val="20000"/>
+              </a:spcBef>
+              <a:buClr>
+                <a:schemeClr val="folHlink"/>
+              </a:buClr>
+              <a:buSzPct val="50000"/>
+              <a:buFont typeface="Wingdings" panose="05000000000000000000" pitchFamily="2" charset="2"/>
+              <a:buChar char="n"/>
+              <a:defRPr sz="2000">
+                <a:latin typeface="+mn-lt"/>
+                <a:cs typeface="+mn-cs"/>
               </a:defRPr>
             </a:lvl3pPr>
-            <a:lvl4pPr marL="1600200" indent="-228600" defTabSz="449263">
+            <a:lvl4pPr marL="1600200" indent="-228600">
+              <a:spcBef>
+                <a:spcPct val="20000"/>
+              </a:spcBef>
+              <a:buClr>
+                <a:schemeClr val="accent2"/>
+              </a:buClr>
+              <a:buSzPct val="55000"/>
+              <a:buFont typeface="Wingdings" panose="05000000000000000000" pitchFamily="2" charset="2"/>
+              <a:buChar char="n"/>
               <a:defRPr>
-                <a:solidFill>
-                  <a:schemeClr val="tx1"/>
-                </a:solidFill>
-                <a:latin typeface="Tahoma" panose="020B0604030504040204" pitchFamily="34" charset="0"/>
-                <a:cs typeface="Tahoma" panose="020B0604030504040204" pitchFamily="34" charset="0"/>
+                <a:latin typeface="+mn-lt"/>
+                <a:cs typeface="+mn-cs"/>
               </a:defRPr>
             </a:lvl4pPr>
-            <a:lvl5pPr marL="2057400" indent="-228600" defTabSz="449263">
-              <a:defRPr>
-                <a:solidFill>
-                  <a:schemeClr val="tx1"/>
-                </a:solidFill>
-                <a:latin typeface="Tahoma" panose="020B0604030504040204" pitchFamily="34" charset="0"/>
-                <a:cs typeface="Tahoma" panose="020B0604030504040204" pitchFamily="34" charset="0"/>
+            <a:lvl5pPr marL="2057400" indent="-228600">
+              <a:spcBef>
+                <a:spcPct val="20000"/>
+              </a:spcBef>
+              <a:buClr>
+                <a:schemeClr val="accent1"/>
+              </a:buClr>
+              <a:buSzPct val="50000"/>
+              <a:buFont typeface="Wingdings" panose="05000000000000000000" pitchFamily="2" charset="2"/>
+              <a:buChar char="n"/>
+              <a:defRPr sz="1600">
+                <a:latin typeface="+mn-lt"/>
+                <a:cs typeface="+mn-cs"/>
               </a:defRPr>
             </a:lvl5pPr>
-            <a:lvl6pPr marL="2514600" indent="-228600" defTabSz="449263" fontAlgn="base">
+            <a:lvl6pPr marL="2514600" indent="-228600">
+              <a:lnSpc>
+                <a:spcPct val="90000"/>
+              </a:lnSpc>
               <a:spcBef>
-                <a:spcPct val="0"/>
+                <a:spcPts val="500"/>
               </a:spcBef>
-              <a:spcAft>
-                <a:spcPct val="0"/>
-              </a:spcAft>
-              <a:defRPr>
-                <a:solidFill>
-                  <a:schemeClr val="tx1"/>
-                </a:solidFill>
-                <a:latin typeface="Tahoma" panose="020B0604030504040204" pitchFamily="34" charset="0"/>
-                <a:cs typeface="Tahoma" panose="020B0604030504040204" pitchFamily="34" charset="0"/>
+              <a:buFont typeface="Arial" panose="020B0604020202020204" pitchFamily="34" charset="0"/>
+              <a:buChar char="•"/>
+              <a:defRPr sz="1800">
+                <a:latin typeface="+mn-lt"/>
+                <a:cs typeface="+mn-cs"/>
               </a:defRPr>
             </a:lvl6pPr>
-            <a:lvl7pPr marL="2971800" indent="-228600" defTabSz="449263" fontAlgn="base">
+            <a:lvl7pPr marL="2971800" indent="-228600">
+              <a:lnSpc>
+                <a:spcPct val="90000"/>
+              </a:lnSpc>
               <a:spcBef>
-                <a:spcPct val="0"/>
+                <a:spcPts val="500"/>
               </a:spcBef>
-              <a:spcAft>
-                <a:spcPct val="0"/>
-              </a:spcAft>
-              <a:defRPr>
-                <a:solidFill>
-                  <a:schemeClr val="tx1"/>
-                </a:solidFill>
-                <a:latin typeface="Tahoma" panose="020B0604030504040204" pitchFamily="34" charset="0"/>
-                <a:cs typeface="Tahoma" panose="020B0604030504040204" pitchFamily="34" charset="0"/>
+              <a:buFont typeface="Arial" panose="020B0604020202020204" pitchFamily="34" charset="0"/>
+              <a:buChar char="•"/>
+              <a:defRPr sz="1800">
+                <a:latin typeface="+mn-lt"/>
+                <a:cs typeface="+mn-cs"/>
               </a:defRPr>
             </a:lvl7pPr>
-            <a:lvl8pPr marL="3429000" indent="-228600" defTabSz="449263" fontAlgn="base">
+            <a:lvl8pPr marL="3429000" indent="-228600">
+              <a:lnSpc>
+                <a:spcPct val="90000"/>
+              </a:lnSpc>
               <a:spcBef>
-                <a:spcPct val="0"/>
+                <a:spcPts val="500"/>
               </a:spcBef>
-              <a:spcAft>
-                <a:spcPct val="0"/>
-              </a:spcAft>
-              <a:defRPr>
-                <a:solidFill>
-                  <a:schemeClr val="tx1"/>
-                </a:solidFill>
-                <a:latin typeface="Tahoma" panose="020B0604030504040204" pitchFamily="34" charset="0"/>
-                <a:cs typeface="Tahoma" panose="020B0604030504040204" pitchFamily="34" charset="0"/>
+              <a:buFont typeface="Arial" panose="020B0604020202020204" pitchFamily="34" charset="0"/>
+              <a:buChar char="•"/>
+              <a:defRPr sz="1800">
+                <a:latin typeface="+mn-lt"/>
+                <a:cs typeface="+mn-cs"/>
               </a:defRPr>
             </a:lvl8pPr>
-            <a:lvl9pPr marL="3886200" indent="-228600" defTabSz="449263" fontAlgn="base">
+            <a:lvl9pPr marL="3886200" indent="-228600">
+              <a:lnSpc>
+                <a:spcPct val="90000"/>
+              </a:lnSpc>
               <a:spcBef>
-                <a:spcPct val="0"/>
+                <a:spcPts val="500"/>
               </a:spcBef>
-              <a:spcAft>
-                <a:spcPct val="0"/>
-              </a:spcAft>
-              <a:defRPr>
-                <a:solidFill>
-                  <a:schemeClr val="tx1"/>
-                </a:solidFill>
-                <a:latin typeface="Tahoma" panose="020B0604030504040204" pitchFamily="34" charset="0"/>
-                <a:cs typeface="Tahoma" panose="020B0604030504040204" pitchFamily="34" charset="0"/>
+              <a:buFont typeface="Arial" panose="020B0604020202020204" pitchFamily="34" charset="0"/>
+              <a:buChar char="•"/>
+              <a:defRPr sz="1800">
+                <a:latin typeface="+mn-lt"/>
+                <a:cs typeface="+mn-cs"/>
               </a:defRPr>
             </a:lvl9pPr>
           </a:lstStyle>
           <a:p>
-            <a:pPr>
-              <a:spcBef>
-                <a:spcPts val="700"/>
-              </a:spcBef>
-              <a:buClr>
-                <a:srgbClr val="336699"/>
-              </a:buClr>
-              <a:buFont typeface="Wingdings" panose="05000000000000000000" pitchFamily="2" charset="2"/>
-              <a:buChar char="§"/>
-            </a:pPr>
-            <a:r>
-              <a:rPr lang="de-DE" sz="2400" dirty="0">
-                <a:latin typeface="Calibri" panose="020F0502020204030204" pitchFamily="34" charset="0"/>
-                <a:ea typeface="ＭＳ Ｐゴシック" panose="020B0600070205080204" pitchFamily="34" charset="-128"/>
-              </a:rPr>
+            <a:r>
+              <a:rPr lang="de-DE" dirty="0"/>
               <a:t>Bộ thu thập giao tiếp với hàng đợi phía sau như thế nào?</a:t>
             </a:r>
           </a:p>
           <a:p>
-            <a:pPr lvl="1">
-              <a:spcBef>
-                <a:spcPts val="700"/>
-              </a:spcBef>
-              <a:buClr>
-                <a:srgbClr val="336699"/>
-              </a:buClr>
-              <a:buFont typeface="Wingdings" panose="05000000000000000000" pitchFamily="2" charset="2"/>
-              <a:buChar char="§"/>
-            </a:pPr>
-            <a:r>
-              <a:rPr lang="de-DE" sz="2400" dirty="0">
-                <a:latin typeface="Calibri" panose="020F0502020204030204" pitchFamily="34" charset="0"/>
-                <a:ea typeface="ＭＳ Ｐゴシック" panose="020B0600070205080204" pitchFamily="34" charset="-128"/>
-              </a:rPr>
+            <a:pPr lvl="1"/>
+            <a:r>
+              <a:rPr lang="de-DE" dirty="0"/>
               <a:t>Lặp (i) lấy URL từ </a:t>
             </a:r>
             <a:r>
-              <a:rPr lang="en-US" sz="2400" i="1" dirty="0">
-                <a:latin typeface="Calibri" panose="020F0502020204030204" pitchFamily="34" charset="0"/>
-                <a:ea typeface="ＭＳ Ｐゴシック" panose="020B0600070205080204" pitchFamily="34" charset="-128"/>
-              </a:rPr>
-              <a:t>q</a:t>
-            </a:r>
-            <a:r>
-              <a:rPr lang="en-US" sz="2400" dirty="0">
-                <a:latin typeface="Calibri" panose="020F0502020204030204" pitchFamily="34" charset="0"/>
-                <a:ea typeface="ＭＳ Ｐゴシック" panose="020B0600070205080204" pitchFamily="34" charset="-128"/>
-              </a:rPr>
-              <a:t> </a:t>
-            </a:r>
-            <a:r>
-              <a:rPr lang="en-US" sz="2400" dirty="0" err="1">
-                <a:latin typeface="Calibri" panose="020F0502020204030204" pitchFamily="34" charset="0"/>
-                <a:ea typeface="ＭＳ Ｐゴシック" panose="020B0600070205080204" pitchFamily="34" charset="-128"/>
-              </a:rPr>
+              <a:rPr lang="en-US" dirty="0"/>
+              <a:t>q </a:t>
+            </a:r>
+            <a:r>
+              <a:rPr lang="en-US" dirty="0" err="1"/>
               <a:t>hiện</a:t>
             </a:r>
             <a:r>
-              <a:rPr lang="en-US" sz="2400" dirty="0">
-                <a:latin typeface="Calibri" panose="020F0502020204030204" pitchFamily="34" charset="0"/>
-                <a:ea typeface="ＭＳ Ｐゴシック" panose="020B0600070205080204" pitchFamily="34" charset="-128"/>
-              </a:rPr>
-              <a:t> </a:t>
-            </a:r>
-            <a:r>
-              <a:rPr lang="en-US" sz="2400" dirty="0" err="1">
-                <a:latin typeface="Calibri" panose="020F0502020204030204" pitchFamily="34" charset="0"/>
-                <a:ea typeface="ＭＳ Ｐゴシック" panose="020B0600070205080204" pitchFamily="34" charset="-128"/>
-              </a:rPr>
+              <a:rPr lang="en-US" dirty="0"/>
+              <a:t> </a:t>
+            </a:r>
+            <a:r>
+              <a:rPr lang="en-US" dirty="0" err="1"/>
               <a:t>tại</a:t>
             </a:r>
             <a:r>
-              <a:rPr lang="en-US" sz="2400" dirty="0">
-                <a:latin typeface="Calibri" panose="020F0502020204030204" pitchFamily="34" charset="0"/>
-                <a:ea typeface="ＭＳ Ｐゴシック" panose="020B0600070205080204" pitchFamily="34" charset="-128"/>
-              </a:rPr>
-              <a:t> </a:t>
-            </a:r>
-            <a:r>
-              <a:rPr lang="en-US" sz="2400" dirty="0" smtClean="0">
-                <a:latin typeface="Calibri" panose="020F0502020204030204" pitchFamily="34" charset="0"/>
-                <a:ea typeface="ＭＳ Ｐゴシック" panose="020B0600070205080204" pitchFamily="34" charset="-128"/>
-              </a:rPr>
-              <a:t>(</a:t>
-            </a:r>
-            <a:r>
-              <a:rPr lang="en-US" sz="2400" i="1" dirty="0">
-                <a:latin typeface="Calibri" panose="020F0502020204030204" pitchFamily="34" charset="0"/>
-                <a:ea typeface="ＭＳ Ｐゴシック" panose="020B0600070205080204" pitchFamily="34" charset="-128"/>
-              </a:rPr>
-              <a:t>q</a:t>
-            </a:r>
-            <a:r>
-              <a:rPr lang="en-US" sz="2400" dirty="0">
-                <a:latin typeface="Calibri" panose="020F0502020204030204" pitchFamily="34" charset="0"/>
-                <a:ea typeface="ＭＳ Ｐゴシック" panose="020B0600070205080204" pitchFamily="34" charset="-128"/>
-              </a:rPr>
-              <a:t> </a:t>
-            </a:r>
-            <a:r>
-              <a:rPr lang="en-US" sz="2400" dirty="0" err="1">
-                <a:latin typeface="Calibri" panose="020F0502020204030204" pitchFamily="34" charset="0"/>
-                <a:ea typeface="ＭＳ Ｐゴシック" panose="020B0600070205080204" pitchFamily="34" charset="-128"/>
-              </a:rPr>
+              <a:rPr lang="en-US" dirty="0"/>
+              <a:t> (q </a:t>
+            </a:r>
+            <a:r>
+              <a:rPr lang="en-US" dirty="0" err="1"/>
               <a:t>là</a:t>
             </a:r>
             <a:r>
-              <a:rPr lang="en-US" sz="2400" dirty="0">
-                <a:latin typeface="Calibri" panose="020F0502020204030204" pitchFamily="34" charset="0"/>
-                <a:ea typeface="ＭＳ Ｐゴシック" panose="020B0600070205080204" pitchFamily="34" charset="-128"/>
-              </a:rPr>
-              <a:t> </a:t>
-            </a:r>
-            <a:r>
-              <a:rPr lang="en-US" sz="2400" dirty="0" err="1">
-                <a:latin typeface="Calibri" panose="020F0502020204030204" pitchFamily="34" charset="0"/>
-                <a:ea typeface="ＭＳ Ｐゴシック" panose="020B0600070205080204" pitchFamily="34" charset="-128"/>
-              </a:rPr>
+              <a:rPr lang="en-US" dirty="0"/>
+              <a:t> </a:t>
+            </a:r>
+            <a:r>
+              <a:rPr lang="en-US" dirty="0" err="1"/>
               <a:t>một</a:t>
             </a:r>
             <a:r>
-              <a:rPr lang="en-US" sz="2400" dirty="0">
-                <a:latin typeface="Calibri" panose="020F0502020204030204" pitchFamily="34" charset="0"/>
-                <a:ea typeface="ＭＳ Ｐゴシック" panose="020B0600070205080204" pitchFamily="34" charset="-128"/>
-              </a:rPr>
-              <a:t> </a:t>
-            </a:r>
-            <a:r>
-              <a:rPr lang="en-US" sz="2400" dirty="0" err="1">
-                <a:latin typeface="Calibri" panose="020F0502020204030204" pitchFamily="34" charset="0"/>
-                <a:ea typeface="ＭＳ Ｐゴシック" panose="020B0600070205080204" pitchFamily="34" charset="-128"/>
-              </a:rPr>
+              <a:rPr lang="en-US" dirty="0"/>
+              <a:t> </a:t>
+            </a:r>
+            <a:r>
+              <a:rPr lang="en-US" dirty="0" err="1"/>
               <a:t>hàng</a:t>
             </a:r>
             <a:r>
-              <a:rPr lang="en-US" sz="2400" dirty="0">
-                <a:latin typeface="Calibri" panose="020F0502020204030204" pitchFamily="34" charset="0"/>
-                <a:ea typeface="ＭＳ Ｐゴシック" panose="020B0600070205080204" pitchFamily="34" charset="-128"/>
-              </a:rPr>
-              <a:t> </a:t>
-            </a:r>
-            <a:r>
-              <a:rPr lang="en-US" sz="2400" dirty="0" err="1">
-                <a:latin typeface="Calibri" panose="020F0502020204030204" pitchFamily="34" charset="0"/>
-                <a:ea typeface="ＭＳ Ｐゴシック" panose="020B0600070205080204" pitchFamily="34" charset="-128"/>
-              </a:rPr>
+              <a:rPr lang="en-US" dirty="0"/>
+              <a:t> </a:t>
+            </a:r>
+            <a:r>
+              <a:rPr lang="en-US" dirty="0" err="1"/>
               <a:t>đợi</a:t>
             </a:r>
             <a:r>
-              <a:rPr lang="en-US" sz="2400" dirty="0">
-                <a:latin typeface="Calibri" panose="020F0502020204030204" pitchFamily="34" charset="0"/>
-                <a:ea typeface="ＭＳ Ｐゴシック" panose="020B0600070205080204" pitchFamily="34" charset="-128"/>
-              </a:rPr>
-              <a:t> </a:t>
-            </a:r>
-            <a:r>
-              <a:rPr lang="en-US" sz="2400" dirty="0" err="1">
-                <a:latin typeface="Calibri" panose="020F0502020204030204" pitchFamily="34" charset="0"/>
-                <a:ea typeface="ＭＳ Ｐゴシック" panose="020B0600070205080204" pitchFamily="34" charset="-128"/>
-              </a:rPr>
+              <a:rPr lang="en-US" dirty="0"/>
+              <a:t> </a:t>
+            </a:r>
+            <a:r>
+              <a:rPr lang="en-US" dirty="0" err="1"/>
               <a:t>phía</a:t>
             </a:r>
             <a:r>
-              <a:rPr lang="en-US" sz="2400" dirty="0">
-                <a:latin typeface="Calibri" panose="020F0502020204030204" pitchFamily="34" charset="0"/>
-                <a:ea typeface="ＭＳ Ｐゴシック" panose="020B0600070205080204" pitchFamily="34" charset="-128"/>
-              </a:rPr>
-              <a:t> </a:t>
-            </a:r>
-            <a:r>
-              <a:rPr lang="en-US" sz="2400" dirty="0" err="1">
-                <a:latin typeface="Calibri" panose="020F0502020204030204" pitchFamily="34" charset="0"/>
-                <a:ea typeface="ＭＳ Ｐゴシック" panose="020B0600070205080204" pitchFamily="34" charset="-128"/>
-              </a:rPr>
+              <a:rPr lang="en-US" dirty="0"/>
+              <a:t> </a:t>
+            </a:r>
+            <a:r>
+              <a:rPr lang="en-US" dirty="0" err="1"/>
               <a:t>sau</a:t>
             </a:r>
             <a:r>
-              <a:rPr lang="de-DE" sz="2400" dirty="0">
-                <a:latin typeface="Calibri" panose="020F0502020204030204" pitchFamily="34" charset="0"/>
-                <a:ea typeface="ＭＳ Ｐゴシック" panose="020B0600070205080204" pitchFamily="34" charset="-128"/>
-              </a:rPr>
+              <a:rPr lang="de-DE" dirty="0"/>
               <a:t>)</a:t>
             </a:r>
           </a:p>
           <a:p>
-            <a:pPr lvl="1">
-              <a:spcBef>
-                <a:spcPts val="700"/>
-              </a:spcBef>
-              <a:buClr>
-                <a:srgbClr val="336699"/>
-              </a:buClr>
-              <a:buFont typeface="Wingdings" panose="05000000000000000000" pitchFamily="2" charset="2"/>
-              <a:buChar char="§"/>
-            </a:pPr>
-            <a:r>
-              <a:rPr lang="en-US" sz="2400" dirty="0" smtClean="0">
-                <a:latin typeface="Calibri" panose="020F0502020204030204" pitchFamily="34" charset="0"/>
-                <a:ea typeface="ＭＳ Ｐゴシック" panose="020B0600070205080204" pitchFamily="34" charset="-128"/>
-              </a:rPr>
-              <a:t>(ii</a:t>
-            </a:r>
-            <a:r>
-              <a:rPr lang="en-US" sz="2400" dirty="0">
-                <a:latin typeface="Calibri" panose="020F0502020204030204" pitchFamily="34" charset="0"/>
-                <a:ea typeface="ＭＳ Ｐゴシック" panose="020B0600070205080204" pitchFamily="34" charset="-128"/>
-              </a:rPr>
-              <a:t>) </a:t>
-            </a:r>
-            <a:r>
-              <a:rPr lang="en-US" sz="2400" dirty="0" err="1">
-                <a:latin typeface="Calibri" panose="020F0502020204030204" pitchFamily="34" charset="0"/>
-                <a:ea typeface="ＭＳ Ｐゴシック" panose="020B0600070205080204" pitchFamily="34" charset="-128"/>
-              </a:rPr>
+            <a:pPr lvl="1"/>
+            <a:r>
+              <a:rPr lang="en-US" dirty="0"/>
+              <a:t>(ii) </a:t>
+            </a:r>
+            <a:r>
+              <a:rPr lang="en-US" dirty="0" err="1"/>
               <a:t>nạp</a:t>
             </a:r>
             <a:r>
-              <a:rPr lang="en-US" sz="2400" dirty="0">
-                <a:latin typeface="Calibri" panose="020F0502020204030204" pitchFamily="34" charset="0"/>
-                <a:ea typeface="ＭＳ Ｐゴシック" panose="020B0600070205080204" pitchFamily="34" charset="-128"/>
-              </a:rPr>
-              <a:t> URL </a:t>
-            </a:r>
-            <a:r>
-              <a:rPr lang="en-US" sz="2400" i="1" dirty="0">
-                <a:latin typeface="Calibri" panose="020F0502020204030204" pitchFamily="34" charset="0"/>
-                <a:ea typeface="ＭＳ Ｐゴシック" panose="020B0600070205080204" pitchFamily="34" charset="-128"/>
-              </a:rPr>
-              <a:t>u</a:t>
-            </a:r>
-            <a:r>
-              <a:rPr lang="en-US" sz="2400" dirty="0">
-                <a:latin typeface="Calibri" panose="020F0502020204030204" pitchFamily="34" charset="0"/>
-                <a:ea typeface="ＭＳ Ｐゴシック" panose="020B0600070205080204" pitchFamily="34" charset="-128"/>
-              </a:rPr>
-              <a:t> </a:t>
-            </a:r>
-            <a:r>
-              <a:rPr lang="de-DE" sz="2400" dirty="0">
-                <a:latin typeface="Calibri" panose="020F0502020204030204" pitchFamily="34" charset="0"/>
-                <a:ea typeface="ＭＳ Ｐゴシック" panose="020B0600070205080204" pitchFamily="34" charset="-128"/>
-              </a:rPr>
-              <a:t>vào đầu hàng đợi </a:t>
-            </a:r>
-            <a:r>
-              <a:rPr lang="de-DE" sz="2400" i="1" dirty="0">
-                <a:latin typeface="Calibri" panose="020F0502020204030204" pitchFamily="34" charset="0"/>
-                <a:ea typeface="ＭＳ Ｐゴシック" panose="020B0600070205080204" pitchFamily="34" charset="-128"/>
-              </a:rPr>
-              <a:t>q</a:t>
-            </a:r>
-            <a:endParaRPr lang="de-DE" sz="2400" dirty="0">
-              <a:latin typeface="Calibri" panose="020F0502020204030204" pitchFamily="34" charset="0"/>
-              <a:ea typeface="ＭＳ Ｐゴシック" panose="020B0600070205080204" pitchFamily="34" charset="-128"/>
-            </a:endParaRPr>
+              <a:rPr lang="en-US" dirty="0"/>
+              <a:t> URL u </a:t>
+            </a:r>
+            <a:r>
+              <a:rPr lang="de-DE" dirty="0"/>
+              <a:t>vào đầu hàng đợi q</a:t>
+            </a:r>
           </a:p>
         </p:txBody>
       </p:sp>
@@ -11678,12 +11032,6 @@
           <a:prstGeom prst="rect">
             <a:avLst/>
           </a:prstGeom>
-          <a:solidFill>
-            <a:schemeClr val="bg1"/>
-          </a:solidFill>
-          <a:ln>
-            <a:noFill/>
-          </a:ln>
           <a:extLst>
             <a:ext uri="{91240B29-F687-4F45-9708-019B960494DF}">
               <a14:hiddenLine xmlns:a14="http://schemas.microsoft.com/office/drawing/2010/main" w="9525">
@@ -11700,736 +11048,450 @@
         <p:txBody>
           <a:bodyPr/>
           <a:lstStyle>
-            <a:lvl1pPr marL="342900" indent="-342900" defTabSz="449263">
-              <a:defRPr>
-                <a:solidFill>
-                  <a:schemeClr val="tx1"/>
-                </a:solidFill>
-                <a:latin typeface="Tahoma" panose="020B0604030504040204" pitchFamily="34" charset="0"/>
-                <a:cs typeface="Tahoma" panose="020B0604030504040204" pitchFamily="34" charset="0"/>
+            <a:defPPr>
+              <a:defRPr lang="vi-VN"/>
+            </a:defPPr>
+            <a:lvl1pPr marL="342900" indent="-342900" algn="just">
+              <a:spcBef>
+                <a:spcPct val="20000"/>
+              </a:spcBef>
+              <a:buClr>
+                <a:schemeClr val="folHlink"/>
+              </a:buClr>
+              <a:buSzPct val="60000"/>
+              <a:buFont typeface="Wingdings" panose="05000000000000000000" pitchFamily="2" charset="2"/>
+              <a:buChar char="n"/>
+              <a:defRPr sz="2800">
+                <a:latin typeface="+mn-lt"/>
+                <a:cs typeface="+mn-cs"/>
               </a:defRPr>
             </a:lvl1pPr>
-            <a:lvl2pPr marL="742950" indent="-285750" defTabSz="449263">
-              <a:defRPr>
-                <a:solidFill>
-                  <a:schemeClr val="tx1"/>
-                </a:solidFill>
-                <a:latin typeface="Tahoma" panose="020B0604030504040204" pitchFamily="34" charset="0"/>
-                <a:cs typeface="Tahoma" panose="020B0604030504040204" pitchFamily="34" charset="0"/>
+            <a:lvl2pPr marL="742950" indent="-285750">
+              <a:spcBef>
+                <a:spcPct val="20000"/>
+              </a:spcBef>
+              <a:buClr>
+                <a:schemeClr val="hlink"/>
+              </a:buClr>
+              <a:buSzPct val="55000"/>
+              <a:buFont typeface="Wingdings" panose="05000000000000000000" pitchFamily="2" charset="2"/>
+              <a:buChar char="n"/>
+              <a:defRPr sz="2400">
+                <a:latin typeface="+mn-lt"/>
+                <a:cs typeface="+mn-cs"/>
               </a:defRPr>
             </a:lvl2pPr>
-            <a:lvl3pPr marL="1143000" indent="-228600" defTabSz="449263">
-              <a:defRPr>
-                <a:solidFill>
-                  <a:schemeClr val="tx1"/>
-                </a:solidFill>
-                <a:latin typeface="Tahoma" panose="020B0604030504040204" pitchFamily="34" charset="0"/>
-                <a:cs typeface="Tahoma" panose="020B0604030504040204" pitchFamily="34" charset="0"/>
+            <a:lvl3pPr marL="1143000" indent="-228600">
+              <a:spcBef>
+                <a:spcPct val="20000"/>
+              </a:spcBef>
+              <a:buClr>
+                <a:schemeClr val="folHlink"/>
+              </a:buClr>
+              <a:buSzPct val="50000"/>
+              <a:buFont typeface="Wingdings" panose="05000000000000000000" pitchFamily="2" charset="2"/>
+              <a:buChar char="n"/>
+              <a:defRPr sz="2000">
+                <a:latin typeface="+mn-lt"/>
+                <a:cs typeface="+mn-cs"/>
               </a:defRPr>
             </a:lvl3pPr>
-            <a:lvl4pPr marL="1600200" indent="-228600" defTabSz="449263">
+            <a:lvl4pPr marL="1600200" indent="-228600">
+              <a:spcBef>
+                <a:spcPct val="20000"/>
+              </a:spcBef>
+              <a:buClr>
+                <a:schemeClr val="accent2"/>
+              </a:buClr>
+              <a:buSzPct val="55000"/>
+              <a:buFont typeface="Wingdings" panose="05000000000000000000" pitchFamily="2" charset="2"/>
+              <a:buChar char="n"/>
               <a:defRPr>
-                <a:solidFill>
-                  <a:schemeClr val="tx1"/>
-                </a:solidFill>
-                <a:latin typeface="Tahoma" panose="020B0604030504040204" pitchFamily="34" charset="0"/>
-                <a:cs typeface="Tahoma" panose="020B0604030504040204" pitchFamily="34" charset="0"/>
+                <a:latin typeface="+mn-lt"/>
+                <a:cs typeface="+mn-cs"/>
               </a:defRPr>
             </a:lvl4pPr>
-            <a:lvl5pPr marL="2057400" indent="-228600" defTabSz="449263">
-              <a:defRPr>
-                <a:solidFill>
-                  <a:schemeClr val="tx1"/>
-                </a:solidFill>
-                <a:latin typeface="Tahoma" panose="020B0604030504040204" pitchFamily="34" charset="0"/>
-                <a:cs typeface="Tahoma" panose="020B0604030504040204" pitchFamily="34" charset="0"/>
+            <a:lvl5pPr marL="2057400" indent="-228600">
+              <a:spcBef>
+                <a:spcPct val="20000"/>
+              </a:spcBef>
+              <a:buClr>
+                <a:schemeClr val="accent1"/>
+              </a:buClr>
+              <a:buSzPct val="50000"/>
+              <a:buFont typeface="Wingdings" panose="05000000000000000000" pitchFamily="2" charset="2"/>
+              <a:buChar char="n"/>
+              <a:defRPr sz="1600">
+                <a:latin typeface="+mn-lt"/>
+                <a:cs typeface="+mn-cs"/>
               </a:defRPr>
             </a:lvl5pPr>
-            <a:lvl6pPr marL="2514600" indent="-228600" defTabSz="449263" fontAlgn="base">
+            <a:lvl6pPr marL="2514600" indent="-228600">
+              <a:lnSpc>
+                <a:spcPct val="90000"/>
+              </a:lnSpc>
               <a:spcBef>
-                <a:spcPct val="0"/>
+                <a:spcPts val="500"/>
               </a:spcBef>
-              <a:spcAft>
-                <a:spcPct val="0"/>
-              </a:spcAft>
-              <a:defRPr>
-                <a:solidFill>
-                  <a:schemeClr val="tx1"/>
-                </a:solidFill>
-                <a:latin typeface="Tahoma" panose="020B0604030504040204" pitchFamily="34" charset="0"/>
-                <a:cs typeface="Tahoma" panose="020B0604030504040204" pitchFamily="34" charset="0"/>
+              <a:buFont typeface="Arial" panose="020B0604020202020204" pitchFamily="34" charset="0"/>
+              <a:buChar char="•"/>
+              <a:defRPr sz="1800">
+                <a:latin typeface="+mn-lt"/>
+                <a:cs typeface="+mn-cs"/>
               </a:defRPr>
             </a:lvl6pPr>
-            <a:lvl7pPr marL="2971800" indent="-228600" defTabSz="449263" fontAlgn="base">
+            <a:lvl7pPr marL="2971800" indent="-228600">
+              <a:lnSpc>
+                <a:spcPct val="90000"/>
+              </a:lnSpc>
               <a:spcBef>
-                <a:spcPct val="0"/>
+                <a:spcPts val="500"/>
               </a:spcBef>
-              <a:spcAft>
-                <a:spcPct val="0"/>
-              </a:spcAft>
-              <a:defRPr>
-                <a:solidFill>
-                  <a:schemeClr val="tx1"/>
-                </a:solidFill>
-                <a:latin typeface="Tahoma" panose="020B0604030504040204" pitchFamily="34" charset="0"/>
-                <a:cs typeface="Tahoma" panose="020B0604030504040204" pitchFamily="34" charset="0"/>
+              <a:buFont typeface="Arial" panose="020B0604020202020204" pitchFamily="34" charset="0"/>
+              <a:buChar char="•"/>
+              <a:defRPr sz="1800">
+                <a:latin typeface="+mn-lt"/>
+                <a:cs typeface="+mn-cs"/>
               </a:defRPr>
             </a:lvl7pPr>
-            <a:lvl8pPr marL="3429000" indent="-228600" defTabSz="449263" fontAlgn="base">
+            <a:lvl8pPr marL="3429000" indent="-228600">
+              <a:lnSpc>
+                <a:spcPct val="90000"/>
+              </a:lnSpc>
               <a:spcBef>
-                <a:spcPct val="0"/>
+                <a:spcPts val="500"/>
               </a:spcBef>
-              <a:spcAft>
-                <a:spcPct val="0"/>
-              </a:spcAft>
-              <a:defRPr>
-                <a:solidFill>
-                  <a:schemeClr val="tx1"/>
-                </a:solidFill>
-                <a:latin typeface="Tahoma" panose="020B0604030504040204" pitchFamily="34" charset="0"/>
-                <a:cs typeface="Tahoma" panose="020B0604030504040204" pitchFamily="34" charset="0"/>
+              <a:buFont typeface="Arial" panose="020B0604020202020204" pitchFamily="34" charset="0"/>
+              <a:buChar char="•"/>
+              <a:defRPr sz="1800">
+                <a:latin typeface="+mn-lt"/>
+                <a:cs typeface="+mn-cs"/>
               </a:defRPr>
             </a:lvl8pPr>
-            <a:lvl9pPr marL="3886200" indent="-228600" defTabSz="449263" fontAlgn="base">
+            <a:lvl9pPr marL="3886200" indent="-228600">
+              <a:lnSpc>
+                <a:spcPct val="90000"/>
+              </a:lnSpc>
               <a:spcBef>
-                <a:spcPct val="0"/>
+                <a:spcPts val="500"/>
               </a:spcBef>
-              <a:spcAft>
-                <a:spcPct val="0"/>
-              </a:spcAft>
-              <a:defRPr>
-                <a:solidFill>
-                  <a:schemeClr val="tx1"/>
-                </a:solidFill>
-                <a:latin typeface="Tahoma" panose="020B0604030504040204" pitchFamily="34" charset="0"/>
-                <a:cs typeface="Tahoma" panose="020B0604030504040204" pitchFamily="34" charset="0"/>
+              <a:buFont typeface="Arial" panose="020B0604020202020204" pitchFamily="34" charset="0"/>
+              <a:buChar char="•"/>
+              <a:defRPr sz="1800">
+                <a:latin typeface="+mn-lt"/>
+                <a:cs typeface="+mn-cs"/>
               </a:defRPr>
             </a:lvl9pPr>
           </a:lstStyle>
           <a:p>
-            <a:pPr>
-              <a:spcBef>
-                <a:spcPts val="700"/>
-              </a:spcBef>
-              <a:buClr>
-                <a:srgbClr val="336699"/>
-              </a:buClr>
-              <a:buFont typeface="Wingdings" panose="05000000000000000000" pitchFamily="2" charset="2"/>
-              <a:buChar char="§"/>
-            </a:pPr>
-            <a:r>
-              <a:rPr lang="en-US" sz="2400" dirty="0" err="1">
-                <a:latin typeface="Calibri" panose="020F0502020204030204" pitchFamily="34" charset="0"/>
-                <a:ea typeface="ＭＳ Ｐゴシック" panose="020B0600070205080204" pitchFamily="34" charset="-128"/>
-              </a:rPr>
+            <a:r>
+              <a:rPr lang="en-US" sz="2400" dirty="0" err="1"/>
               <a:t>Nếu</a:t>
             </a:r>
             <a:r>
-              <a:rPr lang="en-US" sz="2400" dirty="0">
-                <a:latin typeface="Calibri" panose="020F0502020204030204" pitchFamily="34" charset="0"/>
-                <a:ea typeface="ＭＳ Ｐゴシック" panose="020B0600070205080204" pitchFamily="34" charset="-128"/>
-              </a:rPr>
-              <a:t> </a:t>
-            </a:r>
-            <a:r>
-              <a:rPr lang="en-US" sz="2400" dirty="0" smtClean="0">
-                <a:latin typeface="Calibri" panose="020F0502020204030204" pitchFamily="34" charset="0"/>
-                <a:ea typeface="ＭＳ Ｐゴシック" panose="020B0600070205080204" pitchFamily="34" charset="-128"/>
-              </a:rPr>
-              <a:t>q </a:t>
-            </a:r>
-            <a:r>
-              <a:rPr lang="en-US" sz="2400" dirty="0" err="1">
-                <a:latin typeface="Calibri" panose="020F0502020204030204" pitchFamily="34" charset="0"/>
-                <a:ea typeface="ＭＳ Ｐゴシック" panose="020B0600070205080204" pitchFamily="34" charset="-128"/>
-              </a:rPr>
+              <a:rPr lang="en-US" sz="2400" dirty="0"/>
+              <a:t> q </a:t>
+            </a:r>
+            <a:r>
+              <a:rPr lang="en-US" sz="2400" dirty="0" err="1"/>
               <a:t>trở</a:t>
             </a:r>
             <a:r>
-              <a:rPr lang="en-US" sz="2400" dirty="0">
-                <a:latin typeface="Calibri" panose="020F0502020204030204" pitchFamily="34" charset="0"/>
-                <a:ea typeface="ＭＳ Ｐゴシック" panose="020B0600070205080204" pitchFamily="34" charset="-128"/>
-              </a:rPr>
-              <a:t> </a:t>
-            </a:r>
-            <a:r>
-              <a:rPr lang="en-US" sz="2400" dirty="0" err="1">
-                <a:latin typeface="Calibri" panose="020F0502020204030204" pitchFamily="34" charset="0"/>
-                <a:ea typeface="ＭＳ Ｐゴシック" panose="020B0600070205080204" pitchFamily="34" charset="-128"/>
-              </a:rPr>
+              <a:rPr lang="en-US" sz="2400" dirty="0"/>
+              <a:t> </a:t>
+            </a:r>
+            <a:r>
+              <a:rPr lang="en-US" sz="2400" dirty="0" err="1"/>
               <a:t>thành</a:t>
             </a:r>
             <a:r>
-              <a:rPr lang="en-US" sz="2400" dirty="0">
-                <a:latin typeface="Calibri" panose="020F0502020204030204" pitchFamily="34" charset="0"/>
-                <a:ea typeface="ＭＳ Ｐゴシック" panose="020B0600070205080204" pitchFamily="34" charset="-128"/>
-              </a:rPr>
-              <a:t> </a:t>
-            </a:r>
-            <a:r>
-              <a:rPr lang="en-US" sz="2400" dirty="0" err="1">
-                <a:latin typeface="Calibri" panose="020F0502020204030204" pitchFamily="34" charset="0"/>
-                <a:ea typeface="ＭＳ Ｐゴシック" panose="020B0600070205080204" pitchFamily="34" charset="-128"/>
-              </a:rPr>
+              <a:rPr lang="en-US" sz="2400" dirty="0"/>
+              <a:t> </a:t>
+            </a:r>
+            <a:r>
+              <a:rPr lang="en-US" sz="2400" dirty="0" err="1"/>
               <a:t>rỗng</a:t>
             </a:r>
-            <a:endParaRPr lang="de-DE" sz="2400" dirty="0">
-              <a:latin typeface="Calibri" panose="020F0502020204030204" pitchFamily="34" charset="0"/>
-              <a:ea typeface="ＭＳ Ｐゴシック" panose="020B0600070205080204" pitchFamily="34" charset="-128"/>
-            </a:endParaRPr>
-          </a:p>
-          <a:p>
-            <a:pPr lvl="1">
-              <a:spcBef>
-                <a:spcPts val="700"/>
-              </a:spcBef>
-              <a:buClr>
-                <a:srgbClr val="336699"/>
-              </a:buClr>
-              <a:buFont typeface="Wingdings" panose="05000000000000000000" pitchFamily="2" charset="2"/>
-              <a:buChar char="§"/>
-            </a:pPr>
-            <a:r>
-              <a:rPr lang="de-DE" sz="2400" dirty="0">
-                <a:latin typeface="Calibri" panose="020F0502020204030204" pitchFamily="34" charset="0"/>
-                <a:ea typeface="ＭＳ Ｐゴシック" panose="020B0600070205080204" pitchFamily="34" charset="-128"/>
-              </a:rPr>
-              <a:t>Lặp (i) lấy những URL </a:t>
-            </a:r>
-            <a:r>
-              <a:rPr lang="de-DE" sz="2400" i="1" dirty="0">
-                <a:latin typeface="Calibri" panose="020F0502020204030204" pitchFamily="34" charset="0"/>
-                <a:ea typeface="ＭＳ Ｐゴシック" panose="020B0600070205080204" pitchFamily="34" charset="-128"/>
-              </a:rPr>
-              <a:t>u</a:t>
-            </a:r>
-            <a:r>
-              <a:rPr lang="de-DE" sz="2400" dirty="0">
-                <a:latin typeface="Calibri" panose="020F0502020204030204" pitchFamily="34" charset="0"/>
-                <a:ea typeface="ＭＳ Ｐゴシック" panose="020B0600070205080204" pitchFamily="34" charset="-128"/>
-              </a:rPr>
-              <a:t> từ hàng đợi phía trước và</a:t>
-            </a:r>
-            <a:r>
-              <a:rPr lang="en-US" sz="2400" dirty="0">
-                <a:latin typeface="Calibri" panose="020F0502020204030204" pitchFamily="34" charset="0"/>
-                <a:ea typeface="ＭＳ Ｐゴシック" panose="020B0600070205080204" pitchFamily="34" charset="-128"/>
-              </a:rPr>
+            <a:endParaRPr lang="de-DE" sz="2400" dirty="0"/>
+          </a:p>
+          <a:p>
+            <a:pPr lvl="1"/>
+            <a:r>
+              <a:rPr lang="de-DE" sz="2000" dirty="0"/>
+              <a:t>Lặp (i) lấy những URL u từ hàng đợi phía trước và</a:t>
+            </a:r>
+            <a:r>
+              <a:rPr lang="en-US" sz="2000" dirty="0"/>
               <a:t> (ii) </a:t>
             </a:r>
             <a:r>
-              <a:rPr lang="en-US" sz="2400" dirty="0" err="1">
-                <a:latin typeface="Calibri" panose="020F0502020204030204" pitchFamily="34" charset="0"/>
-                <a:ea typeface="ＭＳ Ｐゴシック" panose="020B0600070205080204" pitchFamily="34" charset="-128"/>
-              </a:rPr>
+              <a:rPr lang="en-US" sz="2000" dirty="0" err="1"/>
               <a:t>thêm</a:t>
             </a:r>
             <a:r>
-              <a:rPr lang="en-US" sz="2400" dirty="0">
-                <a:latin typeface="Calibri" panose="020F0502020204030204" pitchFamily="34" charset="0"/>
-                <a:ea typeface="ＭＳ Ｐゴシック" panose="020B0600070205080204" pitchFamily="34" charset="-128"/>
-              </a:rPr>
+              <a:rPr lang="en-US" sz="2000" dirty="0"/>
               <a:t> u </a:t>
             </a:r>
             <a:r>
-              <a:rPr lang="en-US" sz="2400" dirty="0" err="1">
-                <a:latin typeface="Calibri" panose="020F0502020204030204" pitchFamily="34" charset="0"/>
-                <a:ea typeface="ＭＳ Ｐゴシック" panose="020B0600070205080204" pitchFamily="34" charset="-128"/>
-              </a:rPr>
+              <a:rPr lang="en-US" sz="2000" dirty="0" err="1"/>
               <a:t>vào</a:t>
             </a:r>
             <a:r>
-              <a:rPr lang="en-US" sz="2400" dirty="0">
-                <a:latin typeface="Calibri" panose="020F0502020204030204" pitchFamily="34" charset="0"/>
-                <a:ea typeface="ＭＳ Ｐゴシック" panose="020B0600070205080204" pitchFamily="34" charset="-128"/>
-              </a:rPr>
-              <a:t> </a:t>
-            </a:r>
-            <a:r>
-              <a:rPr lang="en-US" sz="2400" dirty="0" err="1">
-                <a:latin typeface="Calibri" panose="020F0502020204030204" pitchFamily="34" charset="0"/>
-                <a:ea typeface="ＭＳ Ｐゴシック" panose="020B0600070205080204" pitchFamily="34" charset="-128"/>
-              </a:rPr>
+              <a:rPr lang="en-US" sz="2000" dirty="0"/>
+              <a:t> </a:t>
+            </a:r>
+            <a:r>
+              <a:rPr lang="en-US" sz="2000" dirty="0" err="1"/>
               <a:t>hàng</a:t>
             </a:r>
             <a:r>
-              <a:rPr lang="en-US" sz="2400" dirty="0">
-                <a:latin typeface="Calibri" panose="020F0502020204030204" pitchFamily="34" charset="0"/>
-                <a:ea typeface="ＭＳ Ｐゴシック" panose="020B0600070205080204" pitchFamily="34" charset="-128"/>
-              </a:rPr>
-              <a:t> </a:t>
-            </a:r>
-            <a:r>
-              <a:rPr lang="en-US" sz="2400" dirty="0" err="1">
-                <a:latin typeface="Calibri" panose="020F0502020204030204" pitchFamily="34" charset="0"/>
-                <a:ea typeface="ＭＳ Ｐゴシック" panose="020B0600070205080204" pitchFamily="34" charset="-128"/>
-              </a:rPr>
+              <a:rPr lang="en-US" sz="2000" dirty="0"/>
+              <a:t> </a:t>
+            </a:r>
+            <a:r>
+              <a:rPr lang="en-US" sz="2000" dirty="0" err="1"/>
               <a:t>đợi</a:t>
             </a:r>
             <a:r>
-              <a:rPr lang="en-US" sz="2400" dirty="0">
-                <a:latin typeface="Calibri" panose="020F0502020204030204" pitchFamily="34" charset="0"/>
-                <a:ea typeface="ＭＳ Ｐゴシック" panose="020B0600070205080204" pitchFamily="34" charset="-128"/>
-              </a:rPr>
-              <a:t> </a:t>
-            </a:r>
-            <a:r>
-              <a:rPr lang="en-US" sz="2400" dirty="0" err="1">
-                <a:latin typeface="Calibri" panose="020F0502020204030204" pitchFamily="34" charset="0"/>
-                <a:ea typeface="ＭＳ Ｐゴシック" panose="020B0600070205080204" pitchFamily="34" charset="-128"/>
-              </a:rPr>
+              <a:rPr lang="en-US" sz="2000" dirty="0"/>
+              <a:t> </a:t>
+            </a:r>
+            <a:r>
+              <a:rPr lang="en-US" sz="2000" dirty="0" err="1"/>
               <a:t>phía</a:t>
             </a:r>
             <a:r>
-              <a:rPr lang="en-US" sz="2400" dirty="0">
-                <a:latin typeface="Calibri" panose="020F0502020204030204" pitchFamily="34" charset="0"/>
-                <a:ea typeface="ＭＳ Ｐゴシック" panose="020B0600070205080204" pitchFamily="34" charset="-128"/>
-              </a:rPr>
-              <a:t> </a:t>
-            </a:r>
-            <a:r>
-              <a:rPr lang="en-US" sz="2400" dirty="0" err="1">
-                <a:latin typeface="Calibri" panose="020F0502020204030204" pitchFamily="34" charset="0"/>
-                <a:ea typeface="ＭＳ Ｐゴシック" panose="020B0600070205080204" pitchFamily="34" charset="-128"/>
-              </a:rPr>
+              <a:rPr lang="en-US" sz="2000" dirty="0"/>
+              <a:t> </a:t>
+            </a:r>
+            <a:r>
+              <a:rPr lang="en-US" sz="2000" dirty="0" err="1"/>
               <a:t>sau</a:t>
             </a:r>
             <a:r>
-              <a:rPr lang="en-US" sz="2400" dirty="0">
-                <a:latin typeface="Calibri" panose="020F0502020204030204" pitchFamily="34" charset="0"/>
-                <a:ea typeface="ＭＳ Ｐゴシック" panose="020B0600070205080204" pitchFamily="34" charset="-128"/>
-              </a:rPr>
-              <a:t> </a:t>
-            </a:r>
-            <a:r>
-              <a:rPr lang="en-US" sz="2400" dirty="0" err="1">
-                <a:latin typeface="Calibri" panose="020F0502020204030204" pitchFamily="34" charset="0"/>
-                <a:ea typeface="ＭＳ Ｐゴシック" panose="020B0600070205080204" pitchFamily="34" charset="-128"/>
-              </a:rPr>
+              <a:rPr lang="en-US" sz="2000" dirty="0"/>
+              <a:t> </a:t>
+            </a:r>
+            <a:r>
+              <a:rPr lang="en-US" sz="2000" dirty="0" err="1"/>
               <a:t>tương</a:t>
             </a:r>
             <a:r>
-              <a:rPr lang="en-US" sz="2400" dirty="0">
-                <a:latin typeface="Calibri" panose="020F0502020204030204" pitchFamily="34" charset="0"/>
-                <a:ea typeface="ＭＳ Ｐゴシック" panose="020B0600070205080204" pitchFamily="34" charset="-128"/>
-              </a:rPr>
-              <a:t> </a:t>
-            </a:r>
-            <a:r>
-              <a:rPr lang="en-US" sz="2400" dirty="0" err="1">
-                <a:latin typeface="Calibri" panose="020F0502020204030204" pitchFamily="34" charset="0"/>
-                <a:ea typeface="ＭＳ Ｐゴシック" panose="020B0600070205080204" pitchFamily="34" charset="-128"/>
-              </a:rPr>
+              <a:rPr lang="en-US" sz="2000" dirty="0"/>
+              <a:t> </a:t>
+            </a:r>
+            <a:r>
+              <a:rPr lang="en-US" sz="2000" dirty="0" err="1"/>
               <a:t>ứng</a:t>
             </a:r>
             <a:r>
-              <a:rPr lang="en-US" sz="2400" dirty="0">
-                <a:latin typeface="Calibri" panose="020F0502020204030204" pitchFamily="34" charset="0"/>
-                <a:ea typeface="ＭＳ Ｐゴシック" panose="020B0600070205080204" pitchFamily="34" charset="-128"/>
-              </a:rPr>
-              <a:t> </a:t>
-            </a:r>
-            <a:r>
-              <a:rPr lang="en-US" sz="2400" dirty="0" err="1">
-                <a:latin typeface="Calibri" panose="020F0502020204030204" pitchFamily="34" charset="0"/>
-                <a:ea typeface="ＭＳ Ｐゴシック" panose="020B0600070205080204" pitchFamily="34" charset="-128"/>
-              </a:rPr>
+              <a:rPr lang="en-US" sz="2000" dirty="0"/>
+              <a:t> </a:t>
+            </a:r>
+            <a:r>
+              <a:rPr lang="en-US" sz="2000" dirty="0" err="1"/>
               <a:t>của</a:t>
             </a:r>
             <a:r>
-              <a:rPr lang="en-US" sz="2400" dirty="0">
-                <a:latin typeface="Calibri" panose="020F0502020204030204" pitchFamily="34" charset="0"/>
-                <a:ea typeface="ＭＳ Ｐゴシック" panose="020B0600070205080204" pitchFamily="34" charset="-128"/>
-              </a:rPr>
-              <a:t> </a:t>
-            </a:r>
-            <a:r>
-              <a:rPr lang="en-US" sz="2400" dirty="0" err="1">
-                <a:latin typeface="Calibri" panose="020F0502020204030204" pitchFamily="34" charset="0"/>
-                <a:ea typeface="ＭＳ Ｐゴシック" panose="020B0600070205080204" pitchFamily="34" charset="-128"/>
-              </a:rPr>
+              <a:rPr lang="en-US" sz="2000" dirty="0"/>
+              <a:t> </a:t>
+            </a:r>
+            <a:r>
+              <a:rPr lang="en-US" sz="2000" dirty="0" err="1"/>
               <a:t>nó</a:t>
             </a:r>
             <a:r>
-              <a:rPr lang="de-DE" sz="2400" dirty="0">
-                <a:latin typeface="Calibri" panose="020F0502020204030204" pitchFamily="34" charset="0"/>
-                <a:ea typeface="ＭＳ Ｐゴシック" panose="020B0600070205080204" pitchFamily="34" charset="-128"/>
-              </a:rPr>
-              <a:t> </a:t>
-            </a:r>
-          </a:p>
-          <a:p>
-            <a:pPr lvl="1">
-              <a:spcBef>
-                <a:spcPts val="700"/>
-              </a:spcBef>
-              <a:buClr>
-                <a:srgbClr val="336699"/>
-              </a:buClr>
-              <a:buFont typeface="Wingdings" panose="05000000000000000000" pitchFamily="2" charset="2"/>
-              <a:buChar char="§"/>
-            </a:pPr>
-            <a:r>
-              <a:rPr lang="de-DE" sz="2400" dirty="0">
-                <a:latin typeface="Calibri" panose="020F0502020204030204" pitchFamily="34" charset="0"/>
-                <a:ea typeface="ＭＳ Ｐゴシック" panose="020B0600070205080204" pitchFamily="34" charset="-128"/>
-              </a:rPr>
+              <a:rPr lang="de-DE" sz="2000" dirty="0"/>
+              <a:t> </a:t>
+            </a:r>
+          </a:p>
+          <a:p>
+            <a:pPr lvl="1"/>
+            <a:r>
+              <a:rPr lang="de-DE" sz="2000" dirty="0"/>
               <a:t>Nếu</a:t>
             </a:r>
             <a:r>
-              <a:rPr lang="en-US" sz="2400" dirty="0">
-                <a:latin typeface="Calibri" panose="020F0502020204030204" pitchFamily="34" charset="0"/>
-                <a:ea typeface="ＭＳ Ｐゴシック" panose="020B0600070205080204" pitchFamily="34" charset="-128"/>
-              </a:rPr>
-              <a:t> </a:t>
-            </a:r>
-            <a:r>
-              <a:rPr lang="en-US" sz="2400" i="1" dirty="0">
-                <a:latin typeface="Calibri" panose="020F0502020204030204" pitchFamily="34" charset="0"/>
-                <a:ea typeface="ＭＳ Ｐゴシック" panose="020B0600070205080204" pitchFamily="34" charset="-128"/>
-              </a:rPr>
-              <a:t>u </a:t>
-            </a:r>
-            <a:r>
-              <a:rPr lang="en-US" sz="2400" dirty="0" err="1">
-                <a:latin typeface="Calibri" panose="020F0502020204030204" pitchFamily="34" charset="0"/>
-                <a:ea typeface="ＭＳ Ｐゴシック" panose="020B0600070205080204" pitchFamily="34" charset="-128"/>
-              </a:rPr>
+              <a:rPr lang="en-US" sz="2000" dirty="0"/>
+              <a:t> u </a:t>
+            </a:r>
+            <a:r>
+              <a:rPr lang="en-US" sz="2000" dirty="0" err="1"/>
               <a:t>không</a:t>
             </a:r>
             <a:r>
-              <a:rPr lang="en-US" sz="2400" dirty="0">
-                <a:latin typeface="Calibri" panose="020F0502020204030204" pitchFamily="34" charset="0"/>
-                <a:ea typeface="ＭＳ Ｐゴシック" panose="020B0600070205080204" pitchFamily="34" charset="-128"/>
-              </a:rPr>
-              <a:t> </a:t>
-            </a:r>
-            <a:r>
-              <a:rPr lang="en-US" sz="2400" dirty="0" err="1">
-                <a:latin typeface="Calibri" panose="020F0502020204030204" pitchFamily="34" charset="0"/>
-                <a:ea typeface="ＭＳ Ｐゴシック" panose="020B0600070205080204" pitchFamily="34" charset="-128"/>
-              </a:rPr>
+              <a:rPr lang="en-US" sz="2000" dirty="0"/>
+              <a:t> </a:t>
+            </a:r>
+            <a:r>
+              <a:rPr lang="en-US" sz="2000" dirty="0" err="1"/>
               <a:t>có</a:t>
             </a:r>
             <a:r>
-              <a:rPr lang="en-US" sz="2400" dirty="0">
-                <a:latin typeface="Calibri" panose="020F0502020204030204" pitchFamily="34" charset="0"/>
-                <a:ea typeface="ＭＳ Ｐゴシック" panose="020B0600070205080204" pitchFamily="34" charset="-128"/>
-              </a:rPr>
-              <a:t> </a:t>
-            </a:r>
-            <a:r>
-              <a:rPr lang="en-US" sz="2400" dirty="0" err="1">
-                <a:latin typeface="Calibri" panose="020F0502020204030204" pitchFamily="34" charset="0"/>
-                <a:ea typeface="ＭＳ Ｐゴシック" panose="020B0600070205080204" pitchFamily="34" charset="-128"/>
-              </a:rPr>
+              <a:rPr lang="en-US" sz="2000" dirty="0"/>
+              <a:t> </a:t>
+            </a:r>
+            <a:r>
+              <a:rPr lang="en-US" sz="2000" dirty="0" err="1"/>
               <a:t>hàng</a:t>
             </a:r>
             <a:r>
-              <a:rPr lang="en-US" sz="2400" dirty="0">
-                <a:latin typeface="Calibri" panose="020F0502020204030204" pitchFamily="34" charset="0"/>
-                <a:ea typeface="ＭＳ Ｐゴシック" panose="020B0600070205080204" pitchFamily="34" charset="-128"/>
-              </a:rPr>
-              <a:t> </a:t>
-            </a:r>
-            <a:r>
-              <a:rPr lang="en-US" sz="2400" dirty="0" err="1">
-                <a:latin typeface="Calibri" panose="020F0502020204030204" pitchFamily="34" charset="0"/>
-                <a:ea typeface="ＭＳ Ｐゴシック" panose="020B0600070205080204" pitchFamily="34" charset="-128"/>
-              </a:rPr>
+              <a:rPr lang="en-US" sz="2000" dirty="0"/>
+              <a:t> </a:t>
+            </a:r>
+            <a:r>
+              <a:rPr lang="en-US" sz="2000" dirty="0" err="1"/>
               <a:t>đợi</a:t>
             </a:r>
             <a:r>
-              <a:rPr lang="en-US" sz="2400" dirty="0">
-                <a:latin typeface="Calibri" panose="020F0502020204030204" pitchFamily="34" charset="0"/>
-                <a:ea typeface="ＭＳ Ｐゴシック" panose="020B0600070205080204" pitchFamily="34" charset="-128"/>
-              </a:rPr>
-              <a:t> </a:t>
-            </a:r>
-            <a:r>
-              <a:rPr lang="en-US" sz="2400" dirty="0" err="1">
-                <a:latin typeface="Calibri" panose="020F0502020204030204" pitchFamily="34" charset="0"/>
-                <a:ea typeface="ＭＳ Ｐゴシック" panose="020B0600070205080204" pitchFamily="34" charset="-128"/>
-              </a:rPr>
+              <a:rPr lang="en-US" sz="2000" dirty="0"/>
+              <a:t> </a:t>
+            </a:r>
+            <a:r>
+              <a:rPr lang="en-US" sz="2000" dirty="0" err="1"/>
               <a:t>phía</a:t>
             </a:r>
             <a:r>
-              <a:rPr lang="en-US" sz="2400" dirty="0">
-                <a:latin typeface="Calibri" panose="020F0502020204030204" pitchFamily="34" charset="0"/>
-                <a:ea typeface="ＭＳ Ｐゴシック" panose="020B0600070205080204" pitchFamily="34" charset="-128"/>
-              </a:rPr>
-              <a:t> </a:t>
-            </a:r>
-            <a:r>
-              <a:rPr lang="en-US" sz="2400" dirty="0" err="1">
-                <a:latin typeface="Calibri" panose="020F0502020204030204" pitchFamily="34" charset="0"/>
-                <a:ea typeface="ＭＳ Ｐゴシック" panose="020B0600070205080204" pitchFamily="34" charset="-128"/>
-              </a:rPr>
+              <a:rPr lang="en-US" sz="2000" dirty="0"/>
+              <a:t> </a:t>
+            </a:r>
+            <a:r>
+              <a:rPr lang="en-US" sz="2000" dirty="0" err="1"/>
               <a:t>sau</a:t>
             </a:r>
             <a:r>
-              <a:rPr lang="en-US" sz="2400" dirty="0">
-                <a:latin typeface="Calibri" panose="020F0502020204030204" pitchFamily="34" charset="0"/>
-                <a:ea typeface="ＭＳ Ｐゴシック" panose="020B0600070205080204" pitchFamily="34" charset="-128"/>
-              </a:rPr>
-              <a:t> </a:t>
-            </a:r>
-            <a:r>
-              <a:rPr lang="en-US" sz="2400" dirty="0" err="1">
-                <a:latin typeface="Calibri" panose="020F0502020204030204" pitchFamily="34" charset="0"/>
-                <a:ea typeface="ＭＳ Ｐゴシック" panose="020B0600070205080204" pitchFamily="34" charset="-128"/>
-              </a:rPr>
+              <a:rPr lang="en-US" sz="2000" dirty="0"/>
+              <a:t> </a:t>
+            </a:r>
+            <a:r>
+              <a:rPr lang="en-US" sz="2000" dirty="0" err="1"/>
               <a:t>tương</a:t>
             </a:r>
             <a:r>
-              <a:rPr lang="en-US" sz="2400" dirty="0">
-                <a:latin typeface="Calibri" panose="020F0502020204030204" pitchFamily="34" charset="0"/>
-                <a:ea typeface="ＭＳ Ｐゴシック" panose="020B0600070205080204" pitchFamily="34" charset="-128"/>
-              </a:rPr>
-              <a:t> </a:t>
-            </a:r>
-            <a:r>
-              <a:rPr lang="en-US" sz="2400" dirty="0" err="1">
-                <a:latin typeface="Calibri" panose="020F0502020204030204" pitchFamily="34" charset="0"/>
-                <a:ea typeface="ＭＳ Ｐゴシック" panose="020B0600070205080204" pitchFamily="34" charset="-128"/>
-              </a:rPr>
+              <a:rPr lang="en-US" sz="2000" dirty="0"/>
+              <a:t> </a:t>
+            </a:r>
+            <a:r>
+              <a:rPr lang="en-US" sz="2000" dirty="0" err="1"/>
               <a:t>ứng</a:t>
             </a:r>
             <a:r>
-              <a:rPr lang="de-DE" sz="2400" dirty="0">
-                <a:latin typeface="Calibri" panose="020F0502020204030204" pitchFamily="34" charset="0"/>
-                <a:ea typeface="ＭＳ Ｐゴシック" panose="020B0600070205080204" pitchFamily="34" charset="-128"/>
-              </a:rPr>
-              <a:t>, thì (i) tạo một hàng đợi </a:t>
-            </a:r>
-            <a:r>
-              <a:rPr lang="de-DE" sz="2400" dirty="0" smtClean="0">
-                <a:latin typeface="Calibri" panose="020F0502020204030204" pitchFamily="34" charset="0"/>
-                <a:ea typeface="ＭＳ Ｐゴシック" panose="020B0600070205080204" pitchFamily="34" charset="-128"/>
-              </a:rPr>
-              <a:t>mới, </a:t>
-            </a:r>
-            <a:r>
-              <a:rPr lang="de-DE" sz="2400" dirty="0">
-                <a:latin typeface="Calibri" panose="020F0502020204030204" pitchFamily="34" charset="0"/>
-                <a:ea typeface="ＭＳ Ｐゴシック" panose="020B0600070205080204" pitchFamily="34" charset="-128"/>
-              </a:rPr>
-              <a:t>(ii) </a:t>
-            </a:r>
-            <a:r>
-              <a:rPr lang="en-US" sz="2400" dirty="0" err="1">
-                <a:latin typeface="Calibri" panose="020F0502020204030204" pitchFamily="34" charset="0"/>
-                <a:ea typeface="ＭＳ Ｐゴシック" panose="020B0600070205080204" pitchFamily="34" charset="-128"/>
-              </a:rPr>
+              <a:rPr lang="de-DE" sz="2000" dirty="0"/>
+              <a:t>, thì (i) tạo một hàng đợi mới, (ii) </a:t>
+            </a:r>
+            <a:r>
+              <a:rPr lang="en-US" sz="2000" dirty="0" err="1"/>
               <a:t>đưa</a:t>
             </a:r>
             <a:r>
-              <a:rPr lang="en-US" sz="2400" dirty="0">
-                <a:latin typeface="Calibri" panose="020F0502020204030204" pitchFamily="34" charset="0"/>
-                <a:ea typeface="ＭＳ Ｐゴシック" panose="020B0600070205080204" pitchFamily="34" charset="-128"/>
-              </a:rPr>
-              <a:t> </a:t>
-            </a:r>
-            <a:r>
-              <a:rPr lang="en-US" sz="2400" i="1" dirty="0">
-                <a:latin typeface="Calibri" panose="020F0502020204030204" pitchFamily="34" charset="0"/>
-                <a:ea typeface="ＭＳ Ｐゴシック" panose="020B0600070205080204" pitchFamily="34" charset="-128"/>
-              </a:rPr>
-              <a:t>u</a:t>
-            </a:r>
-            <a:r>
-              <a:rPr lang="en-US" sz="2400" dirty="0">
-                <a:latin typeface="Calibri" panose="020F0502020204030204" pitchFamily="34" charset="0"/>
-                <a:ea typeface="ＭＳ Ｐゴシック" panose="020B0600070205080204" pitchFamily="34" charset="-128"/>
-              </a:rPr>
-              <a:t> </a:t>
-            </a:r>
-            <a:r>
-              <a:rPr lang="en-US" sz="2400" dirty="0" err="1">
-                <a:latin typeface="Calibri" panose="020F0502020204030204" pitchFamily="34" charset="0"/>
-                <a:ea typeface="ＭＳ Ｐゴシック" panose="020B0600070205080204" pitchFamily="34" charset="-128"/>
-              </a:rPr>
+              <a:rPr lang="en-US" sz="2000" dirty="0"/>
+              <a:t> u </a:t>
+            </a:r>
+            <a:r>
+              <a:rPr lang="en-US" sz="2000" dirty="0" err="1"/>
               <a:t>vào</a:t>
             </a:r>
             <a:r>
-              <a:rPr lang="en-US" sz="2400" dirty="0">
-                <a:latin typeface="Calibri" panose="020F0502020204030204" pitchFamily="34" charset="0"/>
-                <a:ea typeface="ＭＳ Ｐゴシック" panose="020B0600070205080204" pitchFamily="34" charset="-128"/>
-              </a:rPr>
-              <a:t> </a:t>
-            </a:r>
-            <a:r>
-              <a:rPr lang="en-US" sz="2400" i="1" dirty="0" err="1">
-                <a:latin typeface="Calibri" panose="020F0502020204030204" pitchFamily="34" charset="0"/>
-                <a:ea typeface="ＭＳ Ｐゴシック" panose="020B0600070205080204" pitchFamily="34" charset="-128"/>
-              </a:rPr>
+              <a:rPr lang="en-US" sz="2000" dirty="0"/>
+              <a:t> </a:t>
+            </a:r>
+            <a:r>
+              <a:rPr lang="en-US" sz="2000" dirty="0" err="1"/>
               <a:t>đó</a:t>
             </a:r>
             <a:r>
-              <a:rPr lang="en-US" sz="2400" dirty="0">
-                <a:latin typeface="Calibri" panose="020F0502020204030204" pitchFamily="34" charset="0"/>
-                <a:ea typeface="ＭＳ Ｐゴシック" panose="020B0600070205080204" pitchFamily="34" charset="-128"/>
-              </a:rPr>
-              <a:t> </a:t>
-            </a:r>
-            <a:r>
-              <a:rPr lang="en-US" sz="2400" dirty="0" err="1">
-                <a:latin typeface="Calibri" panose="020F0502020204030204" pitchFamily="34" charset="0"/>
-                <a:ea typeface="ＭＳ Ｐゴシック" panose="020B0600070205080204" pitchFamily="34" charset="-128"/>
-              </a:rPr>
+              <a:rPr lang="en-US" sz="2000" dirty="0"/>
+              <a:t> </a:t>
+            </a:r>
+            <a:r>
+              <a:rPr lang="en-US" sz="2000" dirty="0" err="1"/>
               <a:t>và</a:t>
             </a:r>
             <a:r>
-              <a:rPr lang="en-US" sz="2400" dirty="0">
-                <a:latin typeface="Calibri" panose="020F0502020204030204" pitchFamily="34" charset="0"/>
-                <a:ea typeface="ＭＳ Ｐゴシック" panose="020B0600070205080204" pitchFamily="34" charset="-128"/>
-              </a:rPr>
+              <a:rPr lang="en-US" sz="2000" dirty="0"/>
               <a:t> (iii) </a:t>
             </a:r>
             <a:r>
-              <a:rPr lang="en-US" sz="2400" dirty="0" err="1">
-                <a:latin typeface="Calibri" panose="020F0502020204030204" pitchFamily="34" charset="0"/>
-                <a:ea typeface="ＭＳ Ｐゴシック" panose="020B0600070205080204" pitchFamily="34" charset="-128"/>
-              </a:rPr>
+              <a:rPr lang="en-US" sz="2000" dirty="0" err="1"/>
               <a:t>thiết</a:t>
             </a:r>
             <a:r>
-              <a:rPr lang="en-US" sz="2400" dirty="0">
-                <a:latin typeface="Calibri" panose="020F0502020204030204" pitchFamily="34" charset="0"/>
-                <a:ea typeface="ＭＳ Ｐゴシック" panose="020B0600070205080204" pitchFamily="34" charset="-128"/>
-              </a:rPr>
-              <a:t> </a:t>
-            </a:r>
-            <a:r>
-              <a:rPr lang="en-US" sz="2400" dirty="0" err="1">
-                <a:latin typeface="Calibri" panose="020F0502020204030204" pitchFamily="34" charset="0"/>
-                <a:ea typeface="ＭＳ Ｐゴシック" panose="020B0600070205080204" pitchFamily="34" charset="-128"/>
-              </a:rPr>
+              <a:rPr lang="en-US" sz="2000" dirty="0"/>
+              <a:t> </a:t>
+            </a:r>
+            <a:r>
+              <a:rPr lang="en-US" sz="2000" dirty="0" err="1"/>
               <a:t>lập</a:t>
             </a:r>
             <a:r>
-              <a:rPr lang="en-US" sz="2400" dirty="0">
-                <a:latin typeface="Calibri" panose="020F0502020204030204" pitchFamily="34" charset="0"/>
-                <a:ea typeface="ＭＳ Ｐゴシック" panose="020B0600070205080204" pitchFamily="34" charset="-128"/>
-              </a:rPr>
-              <a:t> </a:t>
-            </a:r>
-            <a:r>
-              <a:rPr lang="en-US" sz="2400" dirty="0" err="1">
-                <a:latin typeface="Calibri" panose="020F0502020204030204" pitchFamily="34" charset="0"/>
-                <a:ea typeface="ＭＳ Ｐゴシック" panose="020B0600070205080204" pitchFamily="34" charset="-128"/>
-              </a:rPr>
+              <a:rPr lang="en-US" sz="2000" dirty="0"/>
+              <a:t> </a:t>
+            </a:r>
+            <a:r>
+              <a:rPr lang="en-US" sz="2000" dirty="0" err="1"/>
               <a:t>thời</a:t>
             </a:r>
             <a:r>
-              <a:rPr lang="en-US" sz="2400" dirty="0">
-                <a:latin typeface="Calibri" panose="020F0502020204030204" pitchFamily="34" charset="0"/>
-                <a:ea typeface="ＭＳ Ｐゴシック" panose="020B0600070205080204" pitchFamily="34" charset="-128"/>
-              </a:rPr>
-              <a:t> </a:t>
-            </a:r>
-            <a:r>
-              <a:rPr lang="en-US" sz="2400" dirty="0" err="1">
-                <a:latin typeface="Calibri" panose="020F0502020204030204" pitchFamily="34" charset="0"/>
-                <a:ea typeface="ＭＳ Ｐゴシック" panose="020B0600070205080204" pitchFamily="34" charset="-128"/>
-              </a:rPr>
+              <a:rPr lang="en-US" sz="2000" dirty="0"/>
+              <a:t> </a:t>
+            </a:r>
+            <a:r>
+              <a:rPr lang="en-US" sz="2000" dirty="0" err="1"/>
               <a:t>gian</a:t>
             </a:r>
             <a:r>
-              <a:rPr lang="en-US" sz="2400" dirty="0">
-                <a:latin typeface="Calibri" panose="020F0502020204030204" pitchFamily="34" charset="0"/>
-                <a:ea typeface="ＭＳ Ｐゴシック" panose="020B0600070205080204" pitchFamily="34" charset="-128"/>
-              </a:rPr>
-              <a:t> </a:t>
-            </a:r>
-            <a:r>
-              <a:rPr lang="en-US" sz="2400" dirty="0" err="1">
-                <a:latin typeface="Calibri" panose="020F0502020204030204" pitchFamily="34" charset="0"/>
-                <a:ea typeface="ＭＳ Ｐゴシック" panose="020B0600070205080204" pitchFamily="34" charset="-128"/>
-              </a:rPr>
+              <a:rPr lang="en-US" sz="2000" dirty="0"/>
+              <a:t> </a:t>
+            </a:r>
+            <a:r>
+              <a:rPr lang="en-US" sz="2000" dirty="0" err="1"/>
               <a:t>đợi</a:t>
             </a:r>
             <a:r>
-              <a:rPr lang="en-US" sz="2400" dirty="0">
-                <a:latin typeface="Calibri" panose="020F0502020204030204" pitchFamily="34" charset="0"/>
-                <a:ea typeface="ＭＳ Ｐゴシック" panose="020B0600070205080204" pitchFamily="34" charset="-128"/>
-              </a:rPr>
-              <a:t> </a:t>
-            </a:r>
-            <a:r>
-              <a:rPr lang="en-US" sz="2400" dirty="0" err="1">
-                <a:latin typeface="Calibri" panose="020F0502020204030204" pitchFamily="34" charset="0"/>
-                <a:ea typeface="ＭＳ Ｐゴシック" panose="020B0600070205080204" pitchFamily="34" charset="-128"/>
-              </a:rPr>
+              <a:rPr lang="en-US" sz="2000" dirty="0"/>
+              <a:t> </a:t>
+            </a:r>
+            <a:r>
+              <a:rPr lang="en-US" sz="2000" dirty="0" err="1"/>
               <a:t>cho</a:t>
             </a:r>
             <a:r>
-              <a:rPr lang="en-US" sz="2400" dirty="0">
-                <a:latin typeface="Calibri" panose="020F0502020204030204" pitchFamily="34" charset="0"/>
-                <a:ea typeface="ＭＳ Ｐゴシック" panose="020B0600070205080204" pitchFamily="34" charset="-128"/>
-              </a:rPr>
-              <a:t> </a:t>
-            </a:r>
-            <a:r>
-              <a:rPr lang="en-US" sz="2400" dirty="0" err="1">
-                <a:latin typeface="Calibri" panose="020F0502020204030204" pitchFamily="34" charset="0"/>
-                <a:ea typeface="ＭＳ Ｐゴシック" panose="020B0600070205080204" pitchFamily="34" charset="-128"/>
-              </a:rPr>
+              <a:rPr lang="en-US" sz="2000" dirty="0"/>
+              <a:t> </a:t>
+            </a:r>
+            <a:r>
+              <a:rPr lang="en-US" sz="2000" dirty="0" err="1"/>
               <a:t>hàng</a:t>
             </a:r>
             <a:r>
-              <a:rPr lang="en-US" sz="2400" dirty="0">
-                <a:latin typeface="Calibri" panose="020F0502020204030204" pitchFamily="34" charset="0"/>
-                <a:ea typeface="ＭＳ Ｐゴシック" panose="020B0600070205080204" pitchFamily="34" charset="-128"/>
-              </a:rPr>
-              <a:t> </a:t>
-            </a:r>
-            <a:r>
-              <a:rPr lang="en-US" sz="2400" dirty="0" err="1">
-                <a:latin typeface="Calibri" panose="020F0502020204030204" pitchFamily="34" charset="0"/>
-                <a:ea typeface="ＭＳ Ｐゴシック" panose="020B0600070205080204" pitchFamily="34" charset="-128"/>
-              </a:rPr>
+              <a:rPr lang="en-US" sz="2000" dirty="0"/>
+              <a:t> </a:t>
+            </a:r>
+            <a:r>
+              <a:rPr lang="en-US" sz="2000" dirty="0" err="1"/>
               <a:t>đợi</a:t>
             </a:r>
             <a:r>
-              <a:rPr lang="en-US" sz="2400" dirty="0">
-                <a:latin typeface="Calibri" panose="020F0502020204030204" pitchFamily="34" charset="0"/>
-                <a:ea typeface="ＭＳ Ｐゴシック" panose="020B0600070205080204" pitchFamily="34" charset="-128"/>
-              </a:rPr>
-              <a:t> </a:t>
-            </a:r>
-            <a:r>
-              <a:rPr lang="en-US" sz="2400" dirty="0" err="1">
-                <a:latin typeface="Calibri" panose="020F0502020204030204" pitchFamily="34" charset="0"/>
-                <a:ea typeface="ＭＳ Ｐゴシック" panose="020B0600070205080204" pitchFamily="34" charset="-128"/>
-              </a:rPr>
+              <a:rPr lang="en-US" sz="2000" dirty="0"/>
+              <a:t> </a:t>
+            </a:r>
+            <a:r>
+              <a:rPr lang="en-US" sz="2000" dirty="0" err="1"/>
               <a:t>mới</a:t>
             </a:r>
             <a:r>
-              <a:rPr lang="en-US" sz="2400" dirty="0">
-                <a:latin typeface="Calibri" panose="020F0502020204030204" pitchFamily="34" charset="0"/>
-                <a:ea typeface="ＭＳ Ｐゴシック" panose="020B0600070205080204" pitchFamily="34" charset="-128"/>
-              </a:rPr>
-              <a:t> </a:t>
-            </a:r>
-            <a:r>
-              <a:rPr lang="en-US" sz="2400" dirty="0" err="1">
-                <a:latin typeface="Calibri" panose="020F0502020204030204" pitchFamily="34" charset="0"/>
-                <a:ea typeface="ＭＳ Ｐゴシック" panose="020B0600070205080204" pitchFamily="34" charset="-128"/>
-              </a:rPr>
+              <a:rPr lang="en-US" sz="2000" dirty="0"/>
+              <a:t> </a:t>
+            </a:r>
+            <a:r>
+              <a:rPr lang="en-US" sz="2000" dirty="0" err="1"/>
               <a:t>tạo</a:t>
             </a:r>
             <a:r>
-              <a:rPr lang="en-US" sz="2400" dirty="0">
-                <a:latin typeface="Calibri" panose="020F0502020204030204" pitchFamily="34" charset="0"/>
-                <a:ea typeface="ＭＳ Ｐゴシック" panose="020B0600070205080204" pitchFamily="34" charset="-128"/>
-              </a:rPr>
+              <a:rPr lang="en-US" sz="2000" dirty="0"/>
               <a:t>.</a:t>
             </a:r>
-            <a:endParaRPr lang="de-DE" sz="2400" dirty="0">
-              <a:latin typeface="Calibri" panose="020F0502020204030204" pitchFamily="34" charset="0"/>
-              <a:ea typeface="ＭＳ Ｐゴシック" panose="020B0600070205080204" pitchFamily="34" charset="-128"/>
-            </a:endParaRPr>
+            <a:endParaRPr lang="de-DE" sz="2000" dirty="0"/>
           </a:p>
         </p:txBody>
       </p:sp>
@@ -12569,11 +11631,7 @@
           <a:p>
             <a:r>
               <a:rPr lang="de-DE" smtClean="0"/>
-              <a:t>Bài </a:t>
-            </a:r>
-            <a:r>
-              <a:rPr lang="de-DE" smtClean="0"/>
-              <a:t>tập 23.1</a:t>
+              <a:t>Bài tập 23.1</a:t>
             </a:r>
             <a:endParaRPr lang="vi-VN" dirty="0"/>
           </a:p>
@@ -12785,21 +11843,365 @@
           <a:p>
             <a:pPr algn="just"/>
             <a:r>
-              <a:rPr lang="en-US" smtClean="0"/>
-              <a:t>Vì sao phân chia khối lượng thu thập cho các nút của hệ thống thu thập phân tán theo máy chủ (host) tốt hơn so với phân chia theo URLs? </a:t>
-            </a:r>
-          </a:p>
-          <a:p>
-            <a:r>
-              <a:rPr lang="en-US" smtClean="0"/>
-              <a:t>Tại sao bộ phân chia máy chủ nên đứng trước bộ loại bỏ trùng lặp URL? </a:t>
-            </a:r>
-            <a:r>
-              <a:rPr lang="en-US"/>
+              <a:rPr lang="en-US" dirty="0" err="1" smtClean="0"/>
+              <a:t>Vì</a:t>
+            </a:r>
+            <a:r>
+              <a:rPr lang="en-US" dirty="0" smtClean="0"/>
+              <a:t> </a:t>
+            </a:r>
+            <a:r>
+              <a:rPr lang="en-US" dirty="0" err="1" smtClean="0"/>
+              <a:t>sao</a:t>
+            </a:r>
+            <a:r>
+              <a:rPr lang="en-US" dirty="0" smtClean="0"/>
+              <a:t> </a:t>
+            </a:r>
+            <a:r>
+              <a:rPr lang="en-US" dirty="0" err="1" smtClean="0"/>
+              <a:t>phân</a:t>
+            </a:r>
+            <a:r>
+              <a:rPr lang="en-US" dirty="0" smtClean="0"/>
+              <a:t> chia </a:t>
+            </a:r>
+            <a:r>
+              <a:rPr lang="en-US" dirty="0" err="1" smtClean="0"/>
+              <a:t>khối</a:t>
+            </a:r>
+            <a:r>
+              <a:rPr lang="en-US" dirty="0" smtClean="0"/>
+              <a:t> </a:t>
+            </a:r>
+            <a:r>
+              <a:rPr lang="en-US" dirty="0" err="1" smtClean="0"/>
+              <a:t>lượng</a:t>
+            </a:r>
+            <a:r>
+              <a:rPr lang="en-US" dirty="0" smtClean="0"/>
+              <a:t> </a:t>
+            </a:r>
+            <a:r>
+              <a:rPr lang="en-US" dirty="0" err="1" smtClean="0"/>
+              <a:t>thu</a:t>
+            </a:r>
+            <a:r>
+              <a:rPr lang="en-US" dirty="0" smtClean="0"/>
+              <a:t> </a:t>
+            </a:r>
+            <a:r>
+              <a:rPr lang="en-US" dirty="0" err="1" smtClean="0"/>
+              <a:t>thập</a:t>
+            </a:r>
+            <a:r>
+              <a:rPr lang="en-US" dirty="0" smtClean="0"/>
+              <a:t> </a:t>
+            </a:r>
+            <a:r>
+              <a:rPr lang="en-US" dirty="0" err="1" smtClean="0"/>
+              <a:t>cho</a:t>
+            </a:r>
+            <a:r>
+              <a:rPr lang="en-US" dirty="0" smtClean="0"/>
+              <a:t> </a:t>
+            </a:r>
+            <a:r>
+              <a:rPr lang="en-US" dirty="0" err="1" smtClean="0"/>
+              <a:t>các</a:t>
+            </a:r>
+            <a:r>
+              <a:rPr lang="en-US" dirty="0" smtClean="0"/>
+              <a:t> </a:t>
+            </a:r>
+            <a:r>
+              <a:rPr lang="en-US" dirty="0" err="1" smtClean="0"/>
+              <a:t>nút</a:t>
+            </a:r>
+            <a:r>
+              <a:rPr lang="en-US" dirty="0" smtClean="0"/>
+              <a:t> </a:t>
+            </a:r>
+            <a:r>
+              <a:rPr lang="en-US" dirty="0" err="1" smtClean="0"/>
+              <a:t>của</a:t>
+            </a:r>
+            <a:r>
+              <a:rPr lang="en-US" dirty="0" smtClean="0"/>
+              <a:t> </a:t>
+            </a:r>
+            <a:r>
+              <a:rPr lang="en-US" dirty="0" err="1" smtClean="0"/>
+              <a:t>hệ</a:t>
+            </a:r>
+            <a:r>
+              <a:rPr lang="en-US" dirty="0" smtClean="0"/>
+              <a:t> </a:t>
+            </a:r>
+            <a:r>
+              <a:rPr lang="en-US" dirty="0" err="1" smtClean="0"/>
+              <a:t>thống</a:t>
+            </a:r>
+            <a:r>
+              <a:rPr lang="en-US" dirty="0" smtClean="0"/>
+              <a:t> </a:t>
+            </a:r>
+            <a:r>
+              <a:rPr lang="en-US" dirty="0" err="1" smtClean="0"/>
+              <a:t>thu</a:t>
+            </a:r>
+            <a:r>
+              <a:rPr lang="en-US" dirty="0" smtClean="0"/>
+              <a:t> </a:t>
+            </a:r>
+            <a:r>
+              <a:rPr lang="en-US" dirty="0" err="1" smtClean="0"/>
+              <a:t>thập</a:t>
+            </a:r>
+            <a:r>
+              <a:rPr lang="en-US" dirty="0" smtClean="0"/>
+              <a:t> </a:t>
+            </a:r>
+            <a:r>
+              <a:rPr lang="en-US" dirty="0" err="1" smtClean="0"/>
+              <a:t>phân</a:t>
+            </a:r>
+            <a:r>
+              <a:rPr lang="en-US" dirty="0" smtClean="0"/>
+              <a:t> </a:t>
+            </a:r>
+            <a:r>
+              <a:rPr lang="en-US" dirty="0" err="1" smtClean="0"/>
+              <a:t>tán</a:t>
+            </a:r>
+            <a:r>
+              <a:rPr lang="en-US" dirty="0" smtClean="0"/>
+              <a:t> </a:t>
+            </a:r>
+            <a:r>
+              <a:rPr lang="en-US" dirty="0" err="1" smtClean="0"/>
+              <a:t>theo</a:t>
+            </a:r>
+            <a:r>
+              <a:rPr lang="en-US" dirty="0" smtClean="0"/>
+              <a:t> </a:t>
+            </a:r>
+            <a:r>
+              <a:rPr lang="en-US" dirty="0" err="1" smtClean="0"/>
+              <a:t>máy</a:t>
+            </a:r>
+            <a:r>
+              <a:rPr lang="en-US" dirty="0" smtClean="0"/>
+              <a:t> </a:t>
+            </a:r>
+            <a:r>
+              <a:rPr lang="en-US" dirty="0" err="1" smtClean="0"/>
+              <a:t>chủ</a:t>
+            </a:r>
+            <a:r>
+              <a:rPr lang="en-US" dirty="0" smtClean="0"/>
+              <a:t> (host) </a:t>
+            </a:r>
+            <a:r>
+              <a:rPr lang="en-US" dirty="0" err="1" smtClean="0"/>
+              <a:t>tốt</a:t>
+            </a:r>
+            <a:r>
+              <a:rPr lang="en-US" dirty="0" smtClean="0"/>
+              <a:t> </a:t>
+            </a:r>
+            <a:r>
+              <a:rPr lang="en-US" dirty="0" err="1" smtClean="0"/>
+              <a:t>hơn</a:t>
+            </a:r>
+            <a:r>
+              <a:rPr lang="en-US" dirty="0" smtClean="0"/>
+              <a:t> so </a:t>
+            </a:r>
+            <a:r>
+              <a:rPr lang="en-US" dirty="0" err="1" smtClean="0"/>
+              <a:t>với</a:t>
+            </a:r>
+            <a:r>
+              <a:rPr lang="en-US" dirty="0" smtClean="0"/>
+              <a:t> </a:t>
+            </a:r>
+            <a:r>
+              <a:rPr lang="en-US" dirty="0" err="1" smtClean="0"/>
+              <a:t>phân</a:t>
+            </a:r>
+            <a:r>
+              <a:rPr lang="en-US" dirty="0" smtClean="0"/>
+              <a:t> chia </a:t>
+            </a:r>
+            <a:r>
+              <a:rPr lang="en-US" dirty="0" err="1" smtClean="0"/>
+              <a:t>theo</a:t>
+            </a:r>
+            <a:r>
+              <a:rPr lang="en-US" dirty="0" smtClean="0"/>
+              <a:t> URLs? </a:t>
+            </a:r>
+          </a:p>
+          <a:p>
+            <a:r>
+              <a:rPr lang="en-US" dirty="0" err="1" smtClean="0"/>
+              <a:t>Tại</a:t>
+            </a:r>
+            <a:r>
+              <a:rPr lang="en-US" dirty="0" smtClean="0"/>
+              <a:t> </a:t>
+            </a:r>
+            <a:r>
+              <a:rPr lang="en-US" dirty="0" err="1" smtClean="0"/>
+              <a:t>sao</a:t>
+            </a:r>
+            <a:r>
+              <a:rPr lang="en-US" dirty="0" smtClean="0"/>
+              <a:t> </a:t>
+            </a:r>
+            <a:r>
+              <a:rPr lang="en-US" dirty="0" err="1" smtClean="0"/>
+              <a:t>bộ</a:t>
+            </a:r>
+            <a:r>
+              <a:rPr lang="en-US" dirty="0" smtClean="0"/>
+              <a:t> </a:t>
+            </a:r>
+            <a:r>
+              <a:rPr lang="en-US" dirty="0" err="1" smtClean="0"/>
+              <a:t>phân</a:t>
+            </a:r>
+            <a:r>
+              <a:rPr lang="en-US" dirty="0" smtClean="0"/>
+              <a:t> chia </a:t>
+            </a:r>
+            <a:r>
+              <a:rPr lang="en-US" dirty="0" err="1" smtClean="0"/>
+              <a:t>máy</a:t>
+            </a:r>
+            <a:r>
+              <a:rPr lang="en-US" dirty="0" smtClean="0"/>
+              <a:t> </a:t>
+            </a:r>
+            <a:r>
+              <a:rPr lang="en-US" dirty="0" err="1" smtClean="0"/>
+              <a:t>chủ</a:t>
+            </a:r>
+            <a:r>
+              <a:rPr lang="en-US" dirty="0" smtClean="0"/>
+              <a:t> </a:t>
+            </a:r>
+            <a:r>
+              <a:rPr lang="en-US" dirty="0" err="1" smtClean="0"/>
+              <a:t>nên</a:t>
+            </a:r>
+            <a:r>
+              <a:rPr lang="en-US" dirty="0" smtClean="0"/>
+              <a:t> </a:t>
+            </a:r>
+            <a:r>
+              <a:rPr lang="en-US" dirty="0" err="1" smtClean="0"/>
+              <a:t>đứng</a:t>
+            </a:r>
+            <a:r>
+              <a:rPr lang="en-US" dirty="0" smtClean="0"/>
+              <a:t> </a:t>
+            </a:r>
+            <a:r>
+              <a:rPr lang="en-US" dirty="0" err="1" smtClean="0"/>
+              <a:t>trước</a:t>
+            </a:r>
+            <a:r>
+              <a:rPr lang="en-US" dirty="0" smtClean="0"/>
+              <a:t> </a:t>
+            </a:r>
+            <a:r>
+              <a:rPr lang="en-US" dirty="0" err="1" smtClean="0"/>
+              <a:t>bộ</a:t>
+            </a:r>
+            <a:r>
+              <a:rPr lang="en-US" dirty="0" smtClean="0"/>
+              <a:t> </a:t>
+            </a:r>
+            <a:r>
+              <a:rPr lang="en-US" dirty="0" err="1" smtClean="0"/>
+              <a:t>loại</a:t>
+            </a:r>
+            <a:r>
+              <a:rPr lang="en-US" dirty="0" smtClean="0"/>
+              <a:t> </a:t>
+            </a:r>
+            <a:r>
+              <a:rPr lang="en-US" dirty="0" err="1" smtClean="0"/>
+              <a:t>bỏ</a:t>
+            </a:r>
+            <a:r>
+              <a:rPr lang="en-US" dirty="0" smtClean="0"/>
+              <a:t> </a:t>
+            </a:r>
+            <a:r>
+              <a:rPr lang="en-US" dirty="0" err="1" smtClean="0"/>
+              <a:t>trùng</a:t>
+            </a:r>
+            <a:r>
+              <a:rPr lang="en-US" dirty="0" smtClean="0"/>
+              <a:t> </a:t>
+            </a:r>
+            <a:r>
+              <a:rPr lang="en-US" dirty="0" err="1" smtClean="0"/>
+              <a:t>lặp</a:t>
+            </a:r>
+            <a:r>
+              <a:rPr lang="en-US" dirty="0" smtClean="0"/>
+              <a:t> URL </a:t>
+            </a:r>
+            <a:r>
+              <a:rPr lang="en-US" dirty="0" err="1" smtClean="0"/>
+              <a:t>trong</a:t>
+            </a:r>
+            <a:r>
+              <a:rPr lang="en-US" dirty="0" smtClean="0"/>
+              <a:t> </a:t>
+            </a:r>
+            <a:r>
+              <a:rPr lang="en-US" dirty="0" err="1" smtClean="0"/>
+              <a:t>tiến</a:t>
+            </a:r>
+            <a:r>
+              <a:rPr lang="en-US" dirty="0" smtClean="0"/>
+              <a:t> </a:t>
+            </a:r>
+            <a:r>
+              <a:rPr lang="en-US" dirty="0" err="1" smtClean="0"/>
+              <a:t>trình</a:t>
+            </a:r>
+            <a:r>
+              <a:rPr lang="en-US" dirty="0" smtClean="0"/>
+              <a:t> </a:t>
+            </a:r>
+            <a:r>
+              <a:rPr lang="en-US" dirty="0" err="1" smtClean="0"/>
+              <a:t>thu</a:t>
+            </a:r>
+            <a:r>
+              <a:rPr lang="en-US" dirty="0" smtClean="0"/>
+              <a:t> </a:t>
+            </a:r>
+            <a:r>
+              <a:rPr lang="en-US" dirty="0" err="1" smtClean="0"/>
+              <a:t>thập</a:t>
+            </a:r>
+            <a:r>
+              <a:rPr lang="en-US" dirty="0" smtClean="0"/>
+              <a:t>? </a:t>
+            </a:r>
+            <a:r>
+              <a:rPr lang="en-US" dirty="0"/>
               <a:t/>
             </a:r>
             <a:br>
-              <a:rPr lang="en-US"/>
+              <a:rPr lang="en-US" dirty="0"/>
             </a:br>
             <a:endParaRPr lang="vi-VN" dirty="0"/>
           </a:p>
@@ -12819,6 +12221,1040 @@
 </file>
 
 <file path=ppt/slides/slide29.xml><?xml version="1.0" encoding="utf-8"?>
+<p:sld xmlns:a="http://schemas.openxmlformats.org/drawingml/2006/main" xmlns:r="http://schemas.openxmlformats.org/officeDocument/2006/relationships" xmlns:p="http://schemas.openxmlformats.org/presentationml/2006/main">
+  <p:cSld>
+    <p:spTree>
+      <p:nvGrpSpPr>
+        <p:cNvPr id="1" name=""/>
+        <p:cNvGrpSpPr/>
+        <p:nvPr/>
+      </p:nvGrpSpPr>
+      <p:grpSpPr>
+        <a:xfrm>
+          <a:off x="0" y="0"/>
+          <a:ext cx="0" cy="0"/>
+          <a:chOff x="0" y="0"/>
+          <a:chExt cx="0" cy="0"/>
+        </a:xfrm>
+      </p:grpSpPr>
+      <p:sp>
+        <p:nvSpPr>
+          <p:cNvPr id="6" name="Slide Number Placeholder 4"/>
+          <p:cNvSpPr>
+            <a:spLocks noGrp="1"/>
+          </p:cNvSpPr>
+          <p:nvPr>
+            <p:ph type="sldNum" sz="quarter" idx="12"/>
+          </p:nvPr>
+        </p:nvSpPr>
+        <p:spPr/>
+        <p:txBody>
+          <a:bodyPr/>
+          <a:lstStyle/>
+          <a:p>
+            <a:fld id="{5630FFF1-2708-44FF-BFC9-671A59A4A547}" type="slidenum">
+              <a:rPr lang="vi-VN"/>
+              <a:pPr/>
+              <a:t>29</a:t>
+            </a:fld>
+            <a:endParaRPr lang="vi-VN"/>
+          </a:p>
+        </p:txBody>
+      </p:sp>
+      <p:sp>
+        <p:nvSpPr>
+          <p:cNvPr id="812034" name="Rectangle 2"/>
+          <p:cNvSpPr>
+            <a:spLocks noGrp="1" noChangeArrowheads="1"/>
+          </p:cNvSpPr>
+          <p:nvPr>
+            <p:ph type="title"/>
+          </p:nvPr>
+        </p:nvSpPr>
+        <p:spPr>
+          <a:noFill/>
+          <a:ln/>
+          <a:extLst>
+            <a:ext uri="{91240B29-F687-4F45-9708-019B960494DF}">
+              <a14:hiddenLine xmlns:a14="http://schemas.microsoft.com/office/drawing/2010/main" w="9525" cap="flat" cmpd="sng" algn="ctr">
+                <a:solidFill>
+                  <a:schemeClr val="tx1"/>
+                </a:solidFill>
+                <a:prstDash val="solid"/>
+                <a:miter lim="800000"/>
+                <a:headEnd/>
+                <a:tailEnd/>
+              </a14:hiddenLine>
+            </a:ext>
+          </a:extLst>
+        </p:spPr>
+        <p:txBody>
+          <a:bodyPr/>
+          <a:lstStyle/>
+          <a:p>
+            <a:r>
+              <a:rPr lang="de-DE" dirty="0" smtClean="0"/>
+              <a:t>Bài tập 23.2</a:t>
+            </a:r>
+            <a:endParaRPr lang="vi-VN" dirty="0"/>
+          </a:p>
+        </p:txBody>
+      </p:sp>
+      <p:sp>
+        <p:nvSpPr>
+          <p:cNvPr id="7" name="Rectangle 3"/>
+          <p:cNvSpPr txBox="1">
+            <a:spLocks noChangeArrowheads="1"/>
+          </p:cNvSpPr>
+          <p:nvPr/>
+        </p:nvSpPr>
+        <p:spPr>
+          <a:xfrm>
+            <a:off x="611560" y="2017713"/>
+            <a:ext cx="8343528" cy="4114800"/>
+          </a:xfrm>
+          <a:prstGeom prst="rect">
+            <a:avLst/>
+          </a:prstGeom>
+        </p:spPr>
+        <p:txBody>
+          <a:bodyPr/>
+          <a:lstStyle>
+            <a:lvl1pPr marL="342900" indent="-342900" algn="l" rtl="0" fontAlgn="base">
+              <a:spcBef>
+                <a:spcPct val="20000"/>
+              </a:spcBef>
+              <a:spcAft>
+                <a:spcPct val="0"/>
+              </a:spcAft>
+              <a:buClr>
+                <a:schemeClr val="folHlink"/>
+              </a:buClr>
+              <a:buSzPct val="60000"/>
+              <a:buFont typeface="Wingdings" panose="05000000000000000000" pitchFamily="2" charset="2"/>
+              <a:buChar char="n"/>
+              <a:defRPr sz="2800" kern="1200">
+                <a:solidFill>
+                  <a:schemeClr val="tx1"/>
+                </a:solidFill>
+                <a:latin typeface="+mn-lt"/>
+                <a:ea typeface="+mn-ea"/>
+                <a:cs typeface="+mn-cs"/>
+              </a:defRPr>
+            </a:lvl1pPr>
+            <a:lvl2pPr marL="742950" indent="-285750" algn="l" rtl="0" fontAlgn="base">
+              <a:spcBef>
+                <a:spcPct val="20000"/>
+              </a:spcBef>
+              <a:spcAft>
+                <a:spcPct val="0"/>
+              </a:spcAft>
+              <a:buClr>
+                <a:schemeClr val="hlink"/>
+              </a:buClr>
+              <a:buSzPct val="55000"/>
+              <a:buFont typeface="Wingdings" panose="05000000000000000000" pitchFamily="2" charset="2"/>
+              <a:buChar char="n"/>
+              <a:defRPr sz="2400" kern="1200">
+                <a:solidFill>
+                  <a:schemeClr val="tx1"/>
+                </a:solidFill>
+                <a:latin typeface="+mn-lt"/>
+                <a:ea typeface="+mn-ea"/>
+                <a:cs typeface="+mn-cs"/>
+              </a:defRPr>
+            </a:lvl2pPr>
+            <a:lvl3pPr marL="1143000" indent="-228600" algn="l" rtl="0" fontAlgn="base">
+              <a:spcBef>
+                <a:spcPct val="20000"/>
+              </a:spcBef>
+              <a:spcAft>
+                <a:spcPct val="0"/>
+              </a:spcAft>
+              <a:buClr>
+                <a:schemeClr val="folHlink"/>
+              </a:buClr>
+              <a:buSzPct val="50000"/>
+              <a:buFont typeface="Wingdings" panose="05000000000000000000" pitchFamily="2" charset="2"/>
+              <a:buChar char="n"/>
+              <a:defRPr sz="2000" kern="1200">
+                <a:solidFill>
+                  <a:schemeClr val="tx1"/>
+                </a:solidFill>
+                <a:latin typeface="+mn-lt"/>
+                <a:ea typeface="+mn-ea"/>
+                <a:cs typeface="+mn-cs"/>
+              </a:defRPr>
+            </a:lvl3pPr>
+            <a:lvl4pPr marL="1600200" indent="-228600" algn="l" rtl="0" fontAlgn="base">
+              <a:spcBef>
+                <a:spcPct val="20000"/>
+              </a:spcBef>
+              <a:spcAft>
+                <a:spcPct val="0"/>
+              </a:spcAft>
+              <a:buClr>
+                <a:schemeClr val="accent2"/>
+              </a:buClr>
+              <a:buSzPct val="55000"/>
+              <a:buFont typeface="Wingdings" panose="05000000000000000000" pitchFamily="2" charset="2"/>
+              <a:buChar char="n"/>
+              <a:defRPr kern="1200">
+                <a:solidFill>
+                  <a:schemeClr val="tx1"/>
+                </a:solidFill>
+                <a:latin typeface="+mn-lt"/>
+                <a:ea typeface="+mn-ea"/>
+                <a:cs typeface="+mn-cs"/>
+              </a:defRPr>
+            </a:lvl4pPr>
+            <a:lvl5pPr marL="2057400" indent="-228600" algn="l" rtl="0" fontAlgn="base">
+              <a:spcBef>
+                <a:spcPct val="20000"/>
+              </a:spcBef>
+              <a:spcAft>
+                <a:spcPct val="0"/>
+              </a:spcAft>
+              <a:buClr>
+                <a:schemeClr val="accent1"/>
+              </a:buClr>
+              <a:buSzPct val="50000"/>
+              <a:buFont typeface="Wingdings" panose="05000000000000000000" pitchFamily="2" charset="2"/>
+              <a:buChar char="n"/>
+              <a:defRPr sz="1600" kern="1200">
+                <a:solidFill>
+                  <a:schemeClr val="tx1"/>
+                </a:solidFill>
+                <a:latin typeface="+mn-lt"/>
+                <a:ea typeface="+mn-ea"/>
+                <a:cs typeface="+mn-cs"/>
+              </a:defRPr>
+            </a:lvl5pPr>
+            <a:lvl6pPr marL="2514600" indent="-228600" algn="l" defTabSz="914400" rtl="0" eaLnBrk="1" latinLnBrk="0" hangingPunct="1">
+              <a:lnSpc>
+                <a:spcPct val="90000"/>
+              </a:lnSpc>
+              <a:spcBef>
+                <a:spcPts val="500"/>
+              </a:spcBef>
+              <a:buFont typeface="Arial" panose="020B0604020202020204" pitchFamily="34" charset="0"/>
+              <a:buChar char="•"/>
+              <a:defRPr sz="1800" kern="1200">
+                <a:solidFill>
+                  <a:schemeClr val="tx1"/>
+                </a:solidFill>
+                <a:latin typeface="+mn-lt"/>
+                <a:ea typeface="+mn-ea"/>
+                <a:cs typeface="+mn-cs"/>
+              </a:defRPr>
+            </a:lvl6pPr>
+            <a:lvl7pPr marL="2971800" indent="-228600" algn="l" defTabSz="914400" rtl="0" eaLnBrk="1" latinLnBrk="0" hangingPunct="1">
+              <a:lnSpc>
+                <a:spcPct val="90000"/>
+              </a:lnSpc>
+              <a:spcBef>
+                <a:spcPts val="500"/>
+              </a:spcBef>
+              <a:buFont typeface="Arial" panose="020B0604020202020204" pitchFamily="34" charset="0"/>
+              <a:buChar char="•"/>
+              <a:defRPr sz="1800" kern="1200">
+                <a:solidFill>
+                  <a:schemeClr val="tx1"/>
+                </a:solidFill>
+                <a:latin typeface="+mn-lt"/>
+                <a:ea typeface="+mn-ea"/>
+                <a:cs typeface="+mn-cs"/>
+              </a:defRPr>
+            </a:lvl7pPr>
+            <a:lvl8pPr marL="3429000" indent="-228600" algn="l" defTabSz="914400" rtl="0" eaLnBrk="1" latinLnBrk="0" hangingPunct="1">
+              <a:lnSpc>
+                <a:spcPct val="90000"/>
+              </a:lnSpc>
+              <a:spcBef>
+                <a:spcPts val="500"/>
+              </a:spcBef>
+              <a:buFont typeface="Arial" panose="020B0604020202020204" pitchFamily="34" charset="0"/>
+              <a:buChar char="•"/>
+              <a:defRPr sz="1800" kern="1200">
+                <a:solidFill>
+                  <a:schemeClr val="tx1"/>
+                </a:solidFill>
+                <a:latin typeface="+mn-lt"/>
+                <a:ea typeface="+mn-ea"/>
+                <a:cs typeface="+mn-cs"/>
+              </a:defRPr>
+            </a:lvl8pPr>
+            <a:lvl9pPr marL="3886200" indent="-228600" algn="l" defTabSz="914400" rtl="0" eaLnBrk="1" latinLnBrk="0" hangingPunct="1">
+              <a:lnSpc>
+                <a:spcPct val="90000"/>
+              </a:lnSpc>
+              <a:spcBef>
+                <a:spcPts val="500"/>
+              </a:spcBef>
+              <a:buFont typeface="Arial" panose="020B0604020202020204" pitchFamily="34" charset="0"/>
+              <a:buChar char="•"/>
+              <a:defRPr sz="1800" kern="1200">
+                <a:solidFill>
+                  <a:schemeClr val="tx1"/>
+                </a:solidFill>
+                <a:latin typeface="+mn-lt"/>
+                <a:ea typeface="+mn-ea"/>
+                <a:cs typeface="+mn-cs"/>
+              </a:defRPr>
+            </a:lvl9pPr>
+          </a:lstStyle>
+          <a:p>
+            <a:pPr algn="just"/>
+            <a:r>
+              <a:rPr lang="en-US" dirty="0" err="1" smtClean="0"/>
+              <a:t>Chúng</a:t>
+            </a:r>
+            <a:r>
+              <a:rPr lang="en-US" dirty="0" smtClean="0"/>
+              <a:t> ta </a:t>
+            </a:r>
+            <a:r>
+              <a:rPr lang="en-US" dirty="0" err="1" smtClean="0"/>
+              <a:t>thiết</a:t>
+            </a:r>
+            <a:r>
+              <a:rPr lang="en-US" dirty="0" smtClean="0"/>
+              <a:t> </a:t>
+            </a:r>
+            <a:r>
+              <a:rPr lang="en-US" dirty="0" err="1" smtClean="0"/>
+              <a:t>lập</a:t>
+            </a:r>
+            <a:r>
+              <a:rPr lang="en-US" dirty="0" smtClean="0"/>
+              <a:t> </a:t>
+            </a:r>
+            <a:r>
+              <a:rPr lang="en-US" dirty="0" err="1" smtClean="0"/>
+              <a:t>hằng</a:t>
+            </a:r>
+            <a:r>
+              <a:rPr lang="en-US" dirty="0" smtClean="0"/>
+              <a:t> </a:t>
+            </a:r>
+            <a:r>
+              <a:rPr lang="en-US" dirty="0" err="1" smtClean="0"/>
+              <a:t>số</a:t>
+            </a:r>
+            <a:r>
+              <a:rPr lang="en-US" dirty="0" smtClean="0"/>
+              <a:t> </a:t>
+            </a:r>
+            <a:r>
+              <a:rPr lang="en-US" dirty="0" err="1" smtClean="0"/>
+              <a:t>tăng</a:t>
+            </a:r>
+            <a:r>
+              <a:rPr lang="en-US" dirty="0" smtClean="0"/>
+              <a:t> </a:t>
+            </a:r>
+            <a:r>
+              <a:rPr lang="en-US" dirty="0" err="1" smtClean="0"/>
+              <a:t>t</a:t>
+            </a:r>
+            <a:r>
+              <a:rPr lang="en-US" baseline="-25000" dirty="0" err="1" smtClean="0"/>
+              <a:t>e</a:t>
+            </a:r>
+            <a:r>
+              <a:rPr lang="en-US" baseline="-25000" dirty="0" smtClean="0"/>
+              <a:t> </a:t>
+            </a:r>
+            <a:r>
+              <a:rPr lang="en-US" dirty="0" err="1" smtClean="0"/>
+              <a:t>bằng</a:t>
+            </a:r>
+            <a:r>
+              <a:rPr lang="en-US" dirty="0" smtClean="0"/>
+              <a:t> 10 </a:t>
+            </a:r>
+            <a:r>
+              <a:rPr lang="en-US" dirty="0" err="1" smtClean="0"/>
+              <a:t>lần</a:t>
+            </a:r>
+            <a:r>
+              <a:rPr lang="en-US" dirty="0" smtClean="0"/>
+              <a:t> </a:t>
+            </a:r>
+            <a:r>
+              <a:rPr lang="en-US" dirty="0" err="1" smtClean="0"/>
+              <a:t>thời</a:t>
+            </a:r>
+            <a:r>
+              <a:rPr lang="en-US" dirty="0" smtClean="0"/>
+              <a:t> </a:t>
+            </a:r>
+            <a:r>
+              <a:rPr lang="en-US" dirty="0" err="1" smtClean="0"/>
+              <a:t>gian</a:t>
+            </a:r>
+            <a:r>
+              <a:rPr lang="en-US" dirty="0" smtClean="0"/>
+              <a:t> </a:t>
+            </a:r>
+            <a:r>
+              <a:rPr lang="en-US" dirty="0" err="1" smtClean="0"/>
+              <a:t>nạp</a:t>
+            </a:r>
+            <a:r>
+              <a:rPr lang="en-US" dirty="0" smtClean="0"/>
+              <a:t> </a:t>
+            </a:r>
+            <a:r>
+              <a:rPr lang="en-US" dirty="0" err="1" smtClean="0"/>
+              <a:t>lần</a:t>
+            </a:r>
+            <a:r>
+              <a:rPr lang="en-US" dirty="0" smtClean="0"/>
+              <a:t> </a:t>
+            </a:r>
+            <a:r>
+              <a:rPr lang="en-US" dirty="0" err="1" smtClean="0"/>
+              <a:t>cuối</a:t>
+            </a:r>
+            <a:r>
+              <a:rPr lang="en-US" dirty="0" smtClean="0"/>
+              <a:t> </a:t>
+            </a:r>
+            <a:r>
+              <a:rPr lang="en-US" dirty="0" err="1" smtClean="0"/>
+              <a:t>cùng</a:t>
+            </a:r>
+            <a:r>
+              <a:rPr lang="en-US" dirty="0" smtClean="0"/>
+              <a:t>, </a:t>
+            </a:r>
+            <a:r>
+              <a:rPr lang="en-US" dirty="0" err="1" smtClean="0"/>
+              <a:t>và</a:t>
+            </a:r>
+            <a:r>
+              <a:rPr lang="en-US" dirty="0" smtClean="0"/>
+              <a:t> </a:t>
+            </a:r>
+            <a:r>
+              <a:rPr lang="en-US" dirty="0" err="1" smtClean="0"/>
+              <a:t>số</a:t>
+            </a:r>
+            <a:r>
+              <a:rPr lang="en-US" dirty="0" smtClean="0"/>
+              <a:t> </a:t>
+            </a:r>
+            <a:r>
+              <a:rPr lang="en-US" dirty="0" err="1" smtClean="0"/>
+              <a:t>lượng</a:t>
+            </a:r>
+            <a:r>
+              <a:rPr lang="en-US" dirty="0" smtClean="0"/>
+              <a:t> </a:t>
+            </a:r>
+            <a:r>
+              <a:rPr lang="en-US" dirty="0" err="1" smtClean="0"/>
+              <a:t>hàng</a:t>
+            </a:r>
+            <a:r>
+              <a:rPr lang="en-US" dirty="0" smtClean="0"/>
+              <a:t> </a:t>
+            </a:r>
+            <a:r>
+              <a:rPr lang="en-US" dirty="0" err="1" smtClean="0"/>
+              <a:t>đợi</a:t>
+            </a:r>
+            <a:r>
+              <a:rPr lang="en-US" dirty="0" smtClean="0"/>
+              <a:t> </a:t>
+            </a:r>
+            <a:r>
+              <a:rPr lang="en-US" dirty="0" err="1" smtClean="0"/>
+              <a:t>phía</a:t>
+            </a:r>
+            <a:r>
+              <a:rPr lang="en-US" dirty="0" smtClean="0"/>
+              <a:t> </a:t>
+            </a:r>
+            <a:r>
+              <a:rPr lang="en-US" dirty="0" err="1" smtClean="0"/>
+              <a:t>sau</a:t>
+            </a:r>
+            <a:r>
+              <a:rPr lang="en-US" dirty="0" smtClean="0"/>
+              <a:t> </a:t>
+            </a:r>
+            <a:r>
+              <a:rPr lang="en-US" dirty="0" err="1" smtClean="0"/>
+              <a:t>bằng</a:t>
+            </a:r>
+            <a:r>
+              <a:rPr lang="en-US" dirty="0" smtClean="0"/>
+              <a:t> 3 </a:t>
+            </a:r>
+            <a:r>
+              <a:rPr lang="en-US" dirty="0" err="1" smtClean="0"/>
+              <a:t>lần</a:t>
+            </a:r>
+            <a:r>
+              <a:rPr lang="en-US" dirty="0" smtClean="0"/>
+              <a:t> </a:t>
+            </a:r>
+            <a:r>
+              <a:rPr lang="en-US" dirty="0" err="1" smtClean="0"/>
+              <a:t>số</a:t>
+            </a:r>
+            <a:r>
+              <a:rPr lang="en-US" dirty="0" smtClean="0"/>
+              <a:t> </a:t>
+            </a:r>
+            <a:r>
+              <a:rPr lang="en-US" dirty="0" err="1" smtClean="0"/>
+              <a:t>luồng</a:t>
+            </a:r>
+            <a:r>
+              <a:rPr lang="en-US" dirty="0" smtClean="0"/>
+              <a:t> </a:t>
+            </a:r>
+            <a:r>
+              <a:rPr lang="en-US" dirty="0" err="1" smtClean="0"/>
+              <a:t>thu</a:t>
+            </a:r>
+            <a:r>
+              <a:rPr lang="en-US" dirty="0" smtClean="0"/>
+              <a:t> </a:t>
+            </a:r>
+            <a:r>
+              <a:rPr lang="en-US" dirty="0" err="1" smtClean="0"/>
+              <a:t>thập</a:t>
+            </a:r>
+            <a:r>
+              <a:rPr lang="en-US" dirty="0" smtClean="0"/>
+              <a:t>. </a:t>
+            </a:r>
+            <a:r>
+              <a:rPr lang="en-US" dirty="0" err="1" smtClean="0"/>
+              <a:t>Hai</a:t>
+            </a:r>
+            <a:r>
+              <a:rPr lang="en-US" dirty="0" smtClean="0"/>
+              <a:t> </a:t>
+            </a:r>
+            <a:r>
+              <a:rPr lang="en-US" dirty="0" err="1" smtClean="0"/>
+              <a:t>hằng</a:t>
+            </a:r>
+            <a:r>
+              <a:rPr lang="en-US" dirty="0" smtClean="0"/>
+              <a:t> </a:t>
+            </a:r>
+            <a:r>
+              <a:rPr lang="en-US" smtClean="0"/>
+              <a:t>số </a:t>
+            </a:r>
+            <a:r>
+              <a:rPr lang="en-US" dirty="0" err="1" smtClean="0"/>
+              <a:t>này</a:t>
+            </a:r>
+            <a:r>
+              <a:rPr lang="en-US" dirty="0" smtClean="0"/>
+              <a:t> </a:t>
+            </a:r>
+            <a:r>
+              <a:rPr lang="en-US" dirty="0" err="1" smtClean="0"/>
+              <a:t>liên</a:t>
+            </a:r>
+            <a:r>
+              <a:rPr lang="en-US" dirty="0" smtClean="0"/>
+              <a:t> </a:t>
+            </a:r>
+            <a:r>
+              <a:rPr lang="en-US" dirty="0" err="1" smtClean="0"/>
+              <a:t>quan</a:t>
+            </a:r>
+            <a:r>
+              <a:rPr lang="en-US" dirty="0" smtClean="0"/>
+              <a:t> </a:t>
+            </a:r>
+            <a:r>
+              <a:rPr lang="en-US" dirty="0" err="1" smtClean="0"/>
+              <a:t>với</a:t>
+            </a:r>
+            <a:r>
+              <a:rPr lang="en-US" dirty="0" smtClean="0"/>
+              <a:t> </a:t>
+            </a:r>
+            <a:r>
+              <a:rPr lang="en-US" dirty="0" err="1" smtClean="0"/>
+              <a:t>nhau</a:t>
+            </a:r>
+            <a:r>
+              <a:rPr lang="en-US" dirty="0" smtClean="0"/>
+              <a:t> </a:t>
+            </a:r>
+            <a:r>
+              <a:rPr lang="en-US" dirty="0" err="1" smtClean="0"/>
+              <a:t>như</a:t>
+            </a:r>
+            <a:r>
+              <a:rPr lang="en-US" dirty="0" smtClean="0"/>
+              <a:t> </a:t>
+            </a:r>
+            <a:r>
+              <a:rPr lang="en-US" dirty="0" err="1" smtClean="0"/>
+              <a:t>thế</a:t>
+            </a:r>
+            <a:r>
+              <a:rPr lang="en-US" dirty="0" smtClean="0"/>
+              <a:t> </a:t>
+            </a:r>
+            <a:r>
+              <a:rPr lang="en-US" dirty="0" err="1" smtClean="0"/>
+              <a:t>nào</a:t>
+            </a:r>
+            <a:r>
+              <a:rPr lang="en-US" dirty="0" smtClean="0"/>
+              <a:t>?</a:t>
+            </a:r>
+            <a:endParaRPr lang="vi-VN" dirty="0"/>
+          </a:p>
+        </p:txBody>
+      </p:sp>
+    </p:spTree>
+    <p:extLst>
+      <p:ext uri="{BB962C8B-B14F-4D97-AF65-F5344CB8AC3E}">
+        <p14:creationId xmlns:p14="http://schemas.microsoft.com/office/powerpoint/2010/main" val="2553244963"/>
+      </p:ext>
+    </p:extLst>
+  </p:cSld>
+  <p:clrMapOvr>
+    <a:masterClrMapping/>
+  </p:clrMapOvr>
+</p:sld>
+</file>
+
+<file path=ppt/slides/slide3.xml><?xml version="1.0" encoding="utf-8"?>
+<p:sld xmlns:a="http://schemas.openxmlformats.org/drawingml/2006/main" xmlns:r="http://schemas.openxmlformats.org/officeDocument/2006/relationships" xmlns:p="http://schemas.openxmlformats.org/presentationml/2006/main">
+  <p:cSld>
+    <p:spTree>
+      <p:nvGrpSpPr>
+        <p:cNvPr id="1" name=""/>
+        <p:cNvGrpSpPr/>
+        <p:nvPr/>
+      </p:nvGrpSpPr>
+      <p:grpSpPr>
+        <a:xfrm>
+          <a:off x="0" y="0"/>
+          <a:ext cx="0" cy="0"/>
+          <a:chOff x="0" y="0"/>
+          <a:chExt cx="0" cy="0"/>
+        </a:xfrm>
+      </p:grpSpPr>
+      <p:sp>
+        <p:nvSpPr>
+          <p:cNvPr id="5" name="Slide Number Placeholder 5"/>
+          <p:cNvSpPr>
+            <a:spLocks noGrp="1"/>
+          </p:cNvSpPr>
+          <p:nvPr>
+            <p:ph type="sldNum" sz="quarter" idx="12"/>
+          </p:nvPr>
+        </p:nvSpPr>
+        <p:spPr/>
+        <p:txBody>
+          <a:bodyPr/>
+          <a:lstStyle/>
+          <a:p>
+            <a:fld id="{17A49149-394C-4E2A-B45E-4A02A4F2146C}" type="slidenum">
+              <a:rPr lang="vi-VN"/>
+              <a:pPr/>
+              <a:t>3</a:t>
+            </a:fld>
+            <a:endParaRPr lang="vi-VN"/>
+          </a:p>
+        </p:txBody>
+      </p:sp>
+      <p:sp>
+        <p:nvSpPr>
+          <p:cNvPr id="758786" name="Rectangle 2"/>
+          <p:cNvSpPr>
+            <a:spLocks noGrp="1" noChangeArrowheads="1"/>
+          </p:cNvSpPr>
+          <p:nvPr>
+            <p:ph type="title"/>
+          </p:nvPr>
+        </p:nvSpPr>
+        <p:spPr>
+          <a:noFill/>
+          <a:ln/>
+          <a:extLst>
+            <a:ext uri="{91240B29-F687-4F45-9708-019B960494DF}">
+              <a14:hiddenLine xmlns:a14="http://schemas.microsoft.com/office/drawing/2010/main" w="9525" cap="flat" cmpd="sng" algn="ctr">
+                <a:solidFill>
+                  <a:schemeClr val="tx1"/>
+                </a:solidFill>
+                <a:prstDash val="solid"/>
+                <a:miter lim="800000"/>
+                <a:headEnd/>
+                <a:tailEnd/>
+              </a14:hiddenLine>
+            </a:ext>
+          </a:extLst>
+        </p:spPr>
+        <p:txBody>
+          <a:bodyPr/>
+          <a:lstStyle/>
+          <a:p>
+            <a:r>
+              <a:rPr lang="de-DE" smtClean="0"/>
+              <a:t>Các thao </a:t>
+            </a:r>
+            <a:r>
+              <a:rPr lang="de-DE"/>
+              <a:t>tác </a:t>
+            </a:r>
+            <a:r>
+              <a:rPr lang="de-DE" smtClean="0"/>
+              <a:t>cơ </a:t>
+            </a:r>
+            <a:r>
+              <a:rPr lang="de-DE"/>
+              <a:t>bản</a:t>
+            </a:r>
+            <a:endParaRPr lang="vi-VN"/>
+          </a:p>
+        </p:txBody>
+      </p:sp>
+      <p:sp>
+        <p:nvSpPr>
+          <p:cNvPr id="758787" name="Rectangle 3"/>
+          <p:cNvSpPr>
+            <a:spLocks noGrp="1" noChangeArrowheads="1"/>
+          </p:cNvSpPr>
+          <p:nvPr>
+            <p:ph type="body" idx="1"/>
+          </p:nvPr>
+        </p:nvSpPr>
+        <p:spPr>
+          <a:xfrm>
+            <a:off x="611560" y="2017713"/>
+            <a:ext cx="8343528" cy="2923455"/>
+          </a:xfrm>
+        </p:spPr>
+        <p:txBody>
+          <a:bodyPr/>
+          <a:lstStyle/>
+          <a:p>
+            <a:r>
+              <a:rPr lang="en-US" dirty="0" err="1"/>
+              <a:t>Khởi</a:t>
+            </a:r>
+            <a:r>
+              <a:rPr lang="en-US" dirty="0"/>
+              <a:t> </a:t>
+            </a:r>
+            <a:r>
+              <a:rPr lang="en-US" dirty="0" err="1"/>
+              <a:t>tạo</a:t>
+            </a:r>
+            <a:r>
+              <a:rPr lang="en-US" dirty="0"/>
+              <a:t> </a:t>
+            </a:r>
+            <a:r>
+              <a:rPr lang="en-US" dirty="0" err="1"/>
+              <a:t>hàng</a:t>
+            </a:r>
+            <a:r>
+              <a:rPr lang="en-US" dirty="0"/>
+              <a:t> </a:t>
+            </a:r>
+            <a:r>
+              <a:rPr lang="en-US" dirty="0" err="1"/>
+              <a:t>đợi</a:t>
+            </a:r>
+            <a:r>
+              <a:rPr lang="en-US" dirty="0"/>
+              <a:t> </a:t>
+            </a:r>
+            <a:r>
+              <a:rPr lang="en-US" err="1"/>
+              <a:t>với</a:t>
+            </a:r>
+            <a:r>
+              <a:rPr lang="en-US"/>
+              <a:t> </a:t>
+            </a:r>
+            <a:r>
+              <a:rPr lang="en-US" smtClean="0"/>
+              <a:t>tập mầm URLs</a:t>
+            </a:r>
+            <a:endParaRPr lang="en-US" dirty="0"/>
+          </a:p>
+          <a:p>
+            <a:r>
+              <a:rPr lang="de-DE" smtClean="0"/>
+              <a:t>Lặp:</a:t>
+            </a:r>
+            <a:endParaRPr lang="de-DE" dirty="0"/>
+          </a:p>
+          <a:p>
+            <a:pPr lvl="1"/>
+            <a:r>
+              <a:rPr lang="de-DE" dirty="0"/>
+              <a:t>Lấy URL từ </a:t>
+            </a:r>
+            <a:r>
+              <a:rPr lang="de-DE"/>
+              <a:t>hàng </a:t>
+            </a:r>
+            <a:r>
+              <a:rPr lang="de-DE" smtClean="0"/>
+              <a:t>đợi;</a:t>
+            </a:r>
+            <a:endParaRPr lang="de-DE" dirty="0"/>
+          </a:p>
+          <a:p>
+            <a:pPr lvl="1"/>
+            <a:r>
+              <a:rPr lang="de-DE" dirty="0"/>
+              <a:t>Nạp và đọc </a:t>
+            </a:r>
+            <a:r>
+              <a:rPr lang="de-DE"/>
+              <a:t>trang </a:t>
+            </a:r>
+            <a:r>
+              <a:rPr lang="de-DE" smtClean="0"/>
+              <a:t>web;</a:t>
+            </a:r>
+            <a:endParaRPr lang="de-DE" dirty="0"/>
+          </a:p>
+          <a:p>
+            <a:pPr lvl="1"/>
+            <a:r>
+              <a:rPr lang="de-DE" dirty="0"/>
+              <a:t>Tách URLs từ </a:t>
+            </a:r>
+            <a:r>
+              <a:rPr lang="de-DE"/>
+              <a:t>trang </a:t>
+            </a:r>
+            <a:r>
+              <a:rPr lang="de-DE" smtClean="0"/>
+              <a:t>web;</a:t>
+            </a:r>
+            <a:endParaRPr lang="de-DE" dirty="0"/>
+          </a:p>
+          <a:p>
+            <a:pPr lvl="1"/>
+            <a:r>
+              <a:rPr lang="de-DE" dirty="0"/>
+              <a:t>Thêm URLs vào </a:t>
+            </a:r>
+            <a:r>
+              <a:rPr lang="de-DE"/>
+              <a:t>hàng </a:t>
+            </a:r>
+            <a:r>
+              <a:rPr lang="de-DE" smtClean="0"/>
+              <a:t>đợi.</a:t>
+            </a:r>
+            <a:endParaRPr lang="de-DE" dirty="0"/>
+          </a:p>
+        </p:txBody>
+      </p:sp>
+      <p:sp>
+        <p:nvSpPr>
+          <p:cNvPr id="2" name="TextBox 1"/>
+          <p:cNvSpPr txBox="1"/>
+          <p:nvPr/>
+        </p:nvSpPr>
+        <p:spPr>
+          <a:xfrm>
+            <a:off x="539552" y="5229200"/>
+            <a:ext cx="8404423" cy="954107"/>
+          </a:xfrm>
+          <a:prstGeom prst="rect">
+            <a:avLst/>
+          </a:prstGeom>
+          <a:noFill/>
+        </p:spPr>
+        <p:txBody>
+          <a:bodyPr wrap="square" rtlCol="0">
+            <a:spAutoFit/>
+          </a:bodyPr>
+          <a:lstStyle/>
+          <a:p>
+            <a:r>
+              <a:rPr lang="en-US" sz="2800" dirty="0" err="1">
+                <a:solidFill>
+                  <a:schemeClr val="tx2"/>
+                </a:solidFill>
+              </a:rPr>
+              <a:t>Giả</a:t>
+            </a:r>
+            <a:r>
+              <a:rPr lang="en-US" sz="2800" dirty="0">
+                <a:solidFill>
+                  <a:schemeClr val="tx2"/>
+                </a:solidFill>
+              </a:rPr>
+              <a:t> </a:t>
+            </a:r>
+            <a:r>
+              <a:rPr lang="en-US" sz="2800" dirty="0" err="1">
+                <a:solidFill>
+                  <a:schemeClr val="tx2"/>
+                </a:solidFill>
+              </a:rPr>
+              <a:t>thuyết</a:t>
+            </a:r>
+            <a:r>
+              <a:rPr lang="en-US" sz="2800" dirty="0">
+                <a:solidFill>
+                  <a:schemeClr val="tx2"/>
+                </a:solidFill>
+              </a:rPr>
+              <a:t> </a:t>
+            </a:r>
+            <a:r>
+              <a:rPr lang="en-US" sz="2800" dirty="0" err="1">
+                <a:solidFill>
+                  <a:schemeClr val="tx2"/>
+                </a:solidFill>
+              </a:rPr>
+              <a:t>cơ</a:t>
+            </a:r>
+            <a:r>
+              <a:rPr lang="en-US" sz="2800" dirty="0">
+                <a:solidFill>
+                  <a:schemeClr val="tx2"/>
+                </a:solidFill>
+              </a:rPr>
+              <a:t> </a:t>
+            </a:r>
+            <a:r>
+              <a:rPr lang="en-US" sz="2800" dirty="0" err="1">
+                <a:solidFill>
+                  <a:schemeClr val="tx2"/>
+                </a:solidFill>
+              </a:rPr>
+              <a:t>bản</a:t>
+            </a:r>
+            <a:r>
+              <a:rPr lang="en-US" sz="2800" dirty="0">
+                <a:solidFill>
+                  <a:schemeClr val="tx2"/>
+                </a:solidFill>
+              </a:rPr>
+              <a:t>: Web </a:t>
+            </a:r>
+            <a:r>
+              <a:rPr lang="en-US" sz="2800" dirty="0" err="1">
+                <a:solidFill>
+                  <a:schemeClr val="tx2"/>
+                </a:solidFill>
+              </a:rPr>
+              <a:t>là</a:t>
+            </a:r>
+            <a:r>
+              <a:rPr lang="en-US" sz="2800" dirty="0">
+                <a:solidFill>
+                  <a:schemeClr val="tx2"/>
+                </a:solidFill>
+              </a:rPr>
+              <a:t> </a:t>
+            </a:r>
+            <a:r>
+              <a:rPr lang="en-US" sz="2800" dirty="0" err="1">
+                <a:solidFill>
+                  <a:schemeClr val="tx2"/>
+                </a:solidFill>
+              </a:rPr>
+              <a:t>đồ</a:t>
+            </a:r>
+            <a:r>
+              <a:rPr lang="en-US" sz="2800" dirty="0">
+                <a:solidFill>
+                  <a:schemeClr val="tx2"/>
+                </a:solidFill>
+              </a:rPr>
+              <a:t> </a:t>
+            </a:r>
+            <a:r>
+              <a:rPr lang="en-US" sz="2800" dirty="0" err="1">
+                <a:solidFill>
+                  <a:schemeClr val="tx2"/>
+                </a:solidFill>
+              </a:rPr>
+              <a:t>thị</a:t>
+            </a:r>
+            <a:r>
+              <a:rPr lang="en-US" sz="2800" dirty="0">
+                <a:solidFill>
+                  <a:schemeClr val="tx2"/>
+                </a:solidFill>
+              </a:rPr>
+              <a:t> </a:t>
+            </a:r>
+            <a:r>
+              <a:rPr lang="en-US" sz="2800" dirty="0" err="1">
+                <a:solidFill>
+                  <a:schemeClr val="tx2"/>
+                </a:solidFill>
+              </a:rPr>
+              <a:t>liên</a:t>
+            </a:r>
+            <a:r>
+              <a:rPr lang="en-US" sz="2800" dirty="0">
+                <a:solidFill>
+                  <a:schemeClr val="tx2"/>
+                </a:solidFill>
+              </a:rPr>
+              <a:t> </a:t>
+            </a:r>
+            <a:r>
+              <a:rPr lang="en-US" sz="2800" dirty="0" err="1">
+                <a:solidFill>
+                  <a:schemeClr val="tx2"/>
+                </a:solidFill>
+              </a:rPr>
+              <a:t>thông</a:t>
+            </a:r>
+            <a:r>
+              <a:rPr lang="en-US" sz="2800" dirty="0">
+                <a:solidFill>
+                  <a:schemeClr val="tx2"/>
+                </a:solidFill>
+              </a:rPr>
+              <a:t>.</a:t>
+            </a:r>
+            <a:endParaRPr lang="vi-VN" sz="2800" dirty="0">
+              <a:solidFill>
+                <a:schemeClr val="tx2"/>
+              </a:solidFill>
+            </a:endParaRPr>
+          </a:p>
+          <a:p>
+            <a:endParaRPr lang="vi-VN" sz="2800" dirty="0">
+              <a:solidFill>
+                <a:schemeClr val="tx2"/>
+              </a:solidFill>
+            </a:endParaRPr>
+          </a:p>
+        </p:txBody>
+      </p:sp>
+    </p:spTree>
+  </p:cSld>
+  <p:clrMapOvr>
+    <a:masterClrMapping/>
+  </p:clrMapOvr>
+</p:sld>
+</file>
+
+<file path=ppt/slides/slide30.xml><?xml version="1.0" encoding="utf-8"?>
 <p:sld xmlns:a="http://schemas.openxmlformats.org/drawingml/2006/main" xmlns:r="http://schemas.openxmlformats.org/officeDocument/2006/relationships" xmlns:p="http://schemas.openxmlformats.org/presentationml/2006/main">
   <p:cSld>
     <p:spTree>
@@ -12932,7 +13368,7 @@
               <a:pPr>
                 <a:defRPr/>
               </a:pPr>
-              <a:t>29</a:t>
+              <a:t>30</a:t>
             </a:fld>
             <a:endParaRPr lang="vi-VN"/>
           </a:p>
@@ -13072,426 +13508,6 @@
       </p:par>
     </p:tnLst>
   </p:timing>
-</p:sld>
-</file>
-
-<file path=ppt/slides/slide3.xml><?xml version="1.0" encoding="utf-8"?>
-<p:sld xmlns:a="http://schemas.openxmlformats.org/drawingml/2006/main" xmlns:r="http://schemas.openxmlformats.org/officeDocument/2006/relationships" xmlns:p="http://schemas.openxmlformats.org/presentationml/2006/main">
-  <p:cSld>
-    <p:spTree>
-      <p:nvGrpSpPr>
-        <p:cNvPr id="1" name=""/>
-        <p:cNvGrpSpPr/>
-        <p:nvPr/>
-      </p:nvGrpSpPr>
-      <p:grpSpPr>
-        <a:xfrm>
-          <a:off x="0" y="0"/>
-          <a:ext cx="0" cy="0"/>
-          <a:chOff x="0" y="0"/>
-          <a:chExt cx="0" cy="0"/>
-        </a:xfrm>
-      </p:grpSpPr>
-      <p:sp>
-        <p:nvSpPr>
-          <p:cNvPr id="5" name="Slide Number Placeholder 5"/>
-          <p:cNvSpPr>
-            <a:spLocks noGrp="1"/>
-          </p:cNvSpPr>
-          <p:nvPr>
-            <p:ph type="sldNum" sz="quarter" idx="12"/>
-          </p:nvPr>
-        </p:nvSpPr>
-        <p:spPr/>
-        <p:txBody>
-          <a:bodyPr/>
-          <a:lstStyle/>
-          <a:p>
-            <a:fld id="{17A49149-394C-4E2A-B45E-4A02A4F2146C}" type="slidenum">
-              <a:rPr lang="vi-VN"/>
-              <a:pPr/>
-              <a:t>3</a:t>
-            </a:fld>
-            <a:endParaRPr lang="vi-VN"/>
-          </a:p>
-        </p:txBody>
-      </p:sp>
-      <p:sp>
-        <p:nvSpPr>
-          <p:cNvPr id="758786" name="Rectangle 2"/>
-          <p:cNvSpPr>
-            <a:spLocks noGrp="1" noChangeArrowheads="1"/>
-          </p:cNvSpPr>
-          <p:nvPr>
-            <p:ph type="title"/>
-          </p:nvPr>
-        </p:nvSpPr>
-        <p:spPr>
-          <a:noFill/>
-          <a:ln/>
-          <a:extLst>
-            <a:ext uri="{91240B29-F687-4F45-9708-019B960494DF}">
-              <a14:hiddenLine xmlns:a14="http://schemas.microsoft.com/office/drawing/2010/main" w="9525" cap="flat" cmpd="sng" algn="ctr">
-                <a:solidFill>
-                  <a:schemeClr val="tx1"/>
-                </a:solidFill>
-                <a:prstDash val="solid"/>
-                <a:miter lim="800000"/>
-                <a:headEnd/>
-                <a:tailEnd/>
-              </a14:hiddenLine>
-            </a:ext>
-          </a:extLst>
-        </p:spPr>
-        <p:txBody>
-          <a:bodyPr/>
-          <a:lstStyle/>
-          <a:p>
-            <a:r>
-              <a:rPr lang="de-DE" smtClean="0"/>
-              <a:t>Các thao </a:t>
-            </a:r>
-            <a:r>
-              <a:rPr lang="de-DE"/>
-              <a:t>tác </a:t>
-            </a:r>
-            <a:r>
-              <a:rPr lang="de-DE" smtClean="0"/>
-              <a:t>cơ </a:t>
-            </a:r>
-            <a:r>
-              <a:rPr lang="de-DE"/>
-              <a:t>bản</a:t>
-            </a:r>
-            <a:endParaRPr lang="vi-VN"/>
-          </a:p>
-        </p:txBody>
-      </p:sp>
-      <p:sp>
-        <p:nvSpPr>
-          <p:cNvPr id="758787" name="Rectangle 3"/>
-          <p:cNvSpPr>
-            <a:spLocks noGrp="1" noChangeArrowheads="1"/>
-          </p:cNvSpPr>
-          <p:nvPr>
-            <p:ph type="body" idx="1"/>
-          </p:nvPr>
-        </p:nvSpPr>
-        <p:spPr>
-          <a:xfrm>
-            <a:off x="611560" y="2017713"/>
-            <a:ext cx="8343528" cy="2923455"/>
-          </a:xfrm>
-        </p:spPr>
-        <p:txBody>
-          <a:bodyPr/>
-          <a:lstStyle/>
-          <a:p>
-            <a:r>
-              <a:rPr lang="en-US" dirty="0" err="1"/>
-              <a:t>Khởi</a:t>
-            </a:r>
-            <a:r>
-              <a:rPr lang="en-US" dirty="0"/>
-              <a:t> </a:t>
-            </a:r>
-            <a:r>
-              <a:rPr lang="en-US" dirty="0" err="1"/>
-              <a:t>tạo</a:t>
-            </a:r>
-            <a:r>
-              <a:rPr lang="en-US" dirty="0"/>
-              <a:t> </a:t>
-            </a:r>
-            <a:r>
-              <a:rPr lang="en-US" dirty="0" err="1"/>
-              <a:t>hàng</a:t>
-            </a:r>
-            <a:r>
-              <a:rPr lang="en-US" dirty="0"/>
-              <a:t> </a:t>
-            </a:r>
-            <a:r>
-              <a:rPr lang="en-US" dirty="0" err="1"/>
-              <a:t>đợi</a:t>
-            </a:r>
-            <a:r>
-              <a:rPr lang="en-US" dirty="0"/>
-              <a:t> </a:t>
-            </a:r>
-            <a:r>
-              <a:rPr lang="en-US" err="1"/>
-              <a:t>với</a:t>
-            </a:r>
-            <a:r>
-              <a:rPr lang="en-US"/>
-              <a:t> </a:t>
-            </a:r>
-            <a:r>
-              <a:rPr lang="en-US" smtClean="0"/>
-              <a:t>tập mầm URLs</a:t>
-            </a:r>
-            <a:endParaRPr lang="en-US" dirty="0"/>
-          </a:p>
-          <a:p>
-            <a:r>
-              <a:rPr lang="de-DE" smtClean="0"/>
-              <a:t>Lặp:</a:t>
-            </a:r>
-            <a:endParaRPr lang="de-DE" dirty="0"/>
-          </a:p>
-          <a:p>
-            <a:pPr lvl="1"/>
-            <a:r>
-              <a:rPr lang="de-DE" dirty="0"/>
-              <a:t>Lấy URL từ </a:t>
-            </a:r>
-            <a:r>
-              <a:rPr lang="de-DE"/>
-              <a:t>hàng </a:t>
-            </a:r>
-            <a:r>
-              <a:rPr lang="de-DE" smtClean="0"/>
-              <a:t>đợi;</a:t>
-            </a:r>
-            <a:endParaRPr lang="de-DE" dirty="0"/>
-          </a:p>
-          <a:p>
-            <a:pPr lvl="1"/>
-            <a:r>
-              <a:rPr lang="de-DE" dirty="0"/>
-              <a:t>Nạp và đọc </a:t>
-            </a:r>
-            <a:r>
-              <a:rPr lang="de-DE"/>
-              <a:t>trang </a:t>
-            </a:r>
-            <a:r>
-              <a:rPr lang="de-DE" smtClean="0"/>
-              <a:t>web;</a:t>
-            </a:r>
-            <a:endParaRPr lang="de-DE" dirty="0"/>
-          </a:p>
-          <a:p>
-            <a:pPr lvl="1"/>
-            <a:r>
-              <a:rPr lang="de-DE" dirty="0"/>
-              <a:t>Tách URLs từ </a:t>
-            </a:r>
-            <a:r>
-              <a:rPr lang="de-DE"/>
-              <a:t>trang </a:t>
-            </a:r>
-            <a:r>
-              <a:rPr lang="de-DE" smtClean="0"/>
-              <a:t>web;</a:t>
-            </a:r>
-            <a:endParaRPr lang="de-DE" dirty="0"/>
-          </a:p>
-          <a:p>
-            <a:pPr lvl="1"/>
-            <a:r>
-              <a:rPr lang="de-DE" dirty="0"/>
-              <a:t>Thêm URLs vào </a:t>
-            </a:r>
-            <a:r>
-              <a:rPr lang="de-DE"/>
-              <a:t>hàng </a:t>
-            </a:r>
-            <a:r>
-              <a:rPr lang="de-DE" smtClean="0"/>
-              <a:t>đợi.</a:t>
-            </a:r>
-            <a:endParaRPr lang="de-DE" dirty="0"/>
-          </a:p>
-        </p:txBody>
-      </p:sp>
-      <p:sp>
-        <p:nvSpPr>
-          <p:cNvPr id="2" name="TextBox 1"/>
-          <p:cNvSpPr txBox="1"/>
-          <p:nvPr/>
-        </p:nvSpPr>
-        <p:spPr>
-          <a:xfrm>
-            <a:off x="539552" y="5229200"/>
-            <a:ext cx="8404423" cy="954107"/>
-          </a:xfrm>
-          <a:prstGeom prst="rect">
-            <a:avLst/>
-          </a:prstGeom>
-          <a:noFill/>
-        </p:spPr>
-        <p:txBody>
-          <a:bodyPr wrap="square" rtlCol="0">
-            <a:spAutoFit/>
-          </a:bodyPr>
-          <a:lstStyle/>
-          <a:p>
-            <a:r>
-              <a:rPr lang="en-US" sz="2800" dirty="0" err="1">
-                <a:solidFill>
-                  <a:schemeClr val="tx2"/>
-                </a:solidFill>
-              </a:rPr>
-              <a:t>Giả</a:t>
-            </a:r>
-            <a:r>
-              <a:rPr lang="en-US" sz="2800" dirty="0">
-                <a:solidFill>
-                  <a:schemeClr val="tx2"/>
-                </a:solidFill>
-              </a:rPr>
-              <a:t> </a:t>
-            </a:r>
-            <a:r>
-              <a:rPr lang="en-US" sz="2800" dirty="0" err="1">
-                <a:solidFill>
-                  <a:schemeClr val="tx2"/>
-                </a:solidFill>
-              </a:rPr>
-              <a:t>thuyết</a:t>
-            </a:r>
-            <a:r>
-              <a:rPr lang="en-US" sz="2800" dirty="0">
-                <a:solidFill>
-                  <a:schemeClr val="tx2"/>
-                </a:solidFill>
-              </a:rPr>
-              <a:t> </a:t>
-            </a:r>
-            <a:r>
-              <a:rPr lang="en-US" sz="2800" dirty="0" err="1">
-                <a:solidFill>
-                  <a:schemeClr val="tx2"/>
-                </a:solidFill>
-              </a:rPr>
-              <a:t>cơ</a:t>
-            </a:r>
-            <a:r>
-              <a:rPr lang="en-US" sz="2800" dirty="0">
-                <a:solidFill>
-                  <a:schemeClr val="tx2"/>
-                </a:solidFill>
-              </a:rPr>
-              <a:t> </a:t>
-            </a:r>
-            <a:r>
-              <a:rPr lang="en-US" sz="2800" dirty="0" err="1">
-                <a:solidFill>
-                  <a:schemeClr val="tx2"/>
-                </a:solidFill>
-              </a:rPr>
-              <a:t>bản</a:t>
-            </a:r>
-            <a:r>
-              <a:rPr lang="en-US" sz="2800" dirty="0">
-                <a:solidFill>
-                  <a:schemeClr val="tx2"/>
-                </a:solidFill>
-              </a:rPr>
-              <a:t>: Web </a:t>
-            </a:r>
-            <a:r>
-              <a:rPr lang="en-US" sz="2800" dirty="0" err="1">
-                <a:solidFill>
-                  <a:schemeClr val="tx2"/>
-                </a:solidFill>
-              </a:rPr>
-              <a:t>là</a:t>
-            </a:r>
-            <a:r>
-              <a:rPr lang="en-US" sz="2800" dirty="0">
-                <a:solidFill>
-                  <a:schemeClr val="tx2"/>
-                </a:solidFill>
-              </a:rPr>
-              <a:t> </a:t>
-            </a:r>
-            <a:r>
-              <a:rPr lang="en-US" sz="2800" dirty="0" err="1">
-                <a:solidFill>
-                  <a:schemeClr val="tx2"/>
-                </a:solidFill>
-              </a:rPr>
-              <a:t>đồ</a:t>
-            </a:r>
-            <a:r>
-              <a:rPr lang="en-US" sz="2800" dirty="0">
-                <a:solidFill>
-                  <a:schemeClr val="tx2"/>
-                </a:solidFill>
-              </a:rPr>
-              <a:t> </a:t>
-            </a:r>
-            <a:r>
-              <a:rPr lang="en-US" sz="2800" dirty="0" err="1">
-                <a:solidFill>
-                  <a:schemeClr val="tx2"/>
-                </a:solidFill>
-              </a:rPr>
-              <a:t>thị</a:t>
-            </a:r>
-            <a:r>
-              <a:rPr lang="en-US" sz="2800" dirty="0">
-                <a:solidFill>
-                  <a:schemeClr val="tx2"/>
-                </a:solidFill>
-              </a:rPr>
-              <a:t> </a:t>
-            </a:r>
-            <a:r>
-              <a:rPr lang="en-US" sz="2800" dirty="0" err="1">
-                <a:solidFill>
-                  <a:schemeClr val="tx2"/>
-                </a:solidFill>
-              </a:rPr>
-              <a:t>liên</a:t>
-            </a:r>
-            <a:r>
-              <a:rPr lang="en-US" sz="2800" dirty="0">
-                <a:solidFill>
-                  <a:schemeClr val="tx2"/>
-                </a:solidFill>
-              </a:rPr>
-              <a:t> </a:t>
-            </a:r>
-            <a:r>
-              <a:rPr lang="en-US" sz="2800" dirty="0" err="1">
-                <a:solidFill>
-                  <a:schemeClr val="tx2"/>
-                </a:solidFill>
-              </a:rPr>
-              <a:t>thông</a:t>
-            </a:r>
-            <a:r>
-              <a:rPr lang="en-US" sz="2800" dirty="0">
-                <a:solidFill>
-                  <a:schemeClr val="tx2"/>
-                </a:solidFill>
-              </a:rPr>
-              <a:t>.</a:t>
-            </a:r>
-            <a:endParaRPr lang="vi-VN" sz="2800" dirty="0">
-              <a:solidFill>
-                <a:schemeClr val="tx2"/>
-              </a:solidFill>
-            </a:endParaRPr>
-          </a:p>
-          <a:p>
-            <a:endParaRPr lang="vi-VN" sz="2800" dirty="0">
-              <a:solidFill>
-                <a:schemeClr val="tx2"/>
-              </a:solidFill>
-            </a:endParaRPr>
-          </a:p>
-        </p:txBody>
-      </p:sp>
-    </p:spTree>
-  </p:cSld>
-  <p:clrMapOvr>
-    <a:masterClrMapping/>
-  </p:clrMapOvr>
 </p:sld>
 </file>
 
@@ -16590,7 +16606,7 @@
     </a:clrScheme>
     <a:fontScheme name="Office">
       <a:majorFont>
-        <a:latin typeface="Calibri Light" panose="020F0302020204030204"/>
+        <a:latin typeface="Calibri Light"/>
         <a:ea typeface=""/>
         <a:cs typeface=""/>
         <a:font script="Jpan" typeface="ＭＳ Ｐゴシック"/>
@@ -16625,7 +16641,7 @@
         <a:font script="Geor" typeface="Sylfaen"/>
       </a:majorFont>
       <a:minorFont>
-        <a:latin typeface="Calibri" panose="020F0502020204030204"/>
+        <a:latin typeface="Calibri"/>
         <a:ea typeface=""/>
         <a:cs typeface=""/>
         <a:font script="Jpan" typeface="ＭＳ Ｐゴシック"/>
